--- a/results/figures/fig_ppt/Fig3.pptx
+++ b/results/figures/fig_ppt/Fig3.pptx
@@ -5,13 +5,16 @@
     <p:sldMasterId id="2147483660" r:id="rId1"/>
   </p:sldMasterIdLst>
   <p:notesMasterIdLst>
-    <p:notesMasterId r:id="rId6"/>
+    <p:notesMasterId r:id="rId9"/>
   </p:notesMasterIdLst>
   <p:sldIdLst>
     <p:sldId id="256" r:id="rId2"/>
     <p:sldId id="258" r:id="rId3"/>
-    <p:sldId id="257" r:id="rId4"/>
-    <p:sldId id="259" r:id="rId5"/>
+    <p:sldId id="260" r:id="rId4"/>
+    <p:sldId id="261" r:id="rId5"/>
+    <p:sldId id="262" r:id="rId6"/>
+    <p:sldId id="257" r:id="rId7"/>
+    <p:sldId id="259" r:id="rId8"/>
   </p:sldIdLst>
   <p:sldSz cx="6858000" cy="12192000"/>
   <p:notesSz cx="9144000" cy="6858000"/>
@@ -200,7 +203,7 @@
           <a:p>
             <a:fld id="{B2082FFA-0571-6C4E-8014-62CF25BFB412}" type="datetimeFigureOut">
               <a:rPr lang="en-US" smtClean="0"/>
-              <a:t>7/19/23</a:t>
+              <a:t>11/6/23</a:t>
             </a:fld>
             <a:endParaRPr lang="en-US"/>
           </a:p>
@@ -600,7 +603,38 @@
           <a:p>
             <a:r>
               <a:rPr lang="en-US" dirty="0"/>
-              <a:t>Version July, 2023</a:t>
+              <a:t>Version July 22, 2023</a:t>
+            </a:r>
+          </a:p>
+          <a:p>
+            <a:r>
+              <a:rPr lang="en-US" dirty="0"/>
+              <a:t>Changed BA, </a:t>
+            </a:r>
+            <a:r>
+              <a:rPr lang="en-US" dirty="0" err="1"/>
+              <a:t>ClusCoeff</a:t>
+            </a:r>
+            <a:r>
+              <a:rPr lang="en-US" dirty="0"/>
+              <a:t>, Compart, Gyrate, </a:t>
+            </a:r>
+            <a:r>
+              <a:rPr lang="en-US" dirty="0" err="1"/>
+              <a:t>AWGyrate</a:t>
+            </a:r>
+            <a:r>
+              <a:rPr lang="en-US"/>
+              <a:t>, Cohesion</a:t>
+            </a:r>
+          </a:p>
+          <a:p>
+            <a:endParaRPr lang="en-US" dirty="0"/>
+          </a:p>
+          <a:p>
+            <a:r>
+              <a:rPr lang="en-US" dirty="0"/>
+              <a:t>Version July 19, 2023</a:t>
             </a:r>
           </a:p>
           <a:p>
@@ -698,8 +732,50 @@
           <a:p>
             <a:r>
               <a:rPr lang="en-US" dirty="0"/>
-              <a:t>Version Feb 2023</a:t>
-            </a:r>
+              <a:t>Version July 22, 2023</a:t>
+            </a:r>
+          </a:p>
+          <a:p>
+            <a:r>
+              <a:rPr lang="en-US" dirty="0"/>
+              <a:t>Changed BA, </a:t>
+            </a:r>
+            <a:r>
+              <a:rPr lang="en-US" dirty="0" err="1"/>
+              <a:t>ClusCoeff</a:t>
+            </a:r>
+            <a:r>
+              <a:rPr lang="en-US" dirty="0"/>
+              <a:t>, Compart, Gyrate, </a:t>
+            </a:r>
+            <a:r>
+              <a:rPr lang="en-US" dirty="0" err="1"/>
+              <a:t>AWGyrate</a:t>
+            </a:r>
+            <a:r>
+              <a:rPr lang="en-US"/>
+              <a:t>, Cohesion</a:t>
+            </a:r>
+          </a:p>
+          <a:p>
+            <a:endParaRPr lang="en-US" dirty="0"/>
+          </a:p>
+          <a:p>
+            <a:r>
+              <a:rPr lang="en-US" dirty="0"/>
+              <a:t>Version July 19, 2023</a:t>
+            </a:r>
+          </a:p>
+          <a:p>
+            <a:r>
+              <a:rPr lang="en-US" dirty="0"/>
+              <a:t>Changed code on </a:t>
+            </a:r>
+            <a:r>
+              <a:rPr lang="en-US" dirty="0" err="1"/>
+              <a:t>dist</a:t>
+            </a:r>
+            <a:endParaRPr lang="en-US" dirty="0"/>
           </a:p>
         </p:txBody>
       </p:sp>
@@ -729,7 +805,439 @@
     </p:spTree>
     <p:extLst>
       <p:ext uri="{BB962C8B-B14F-4D97-AF65-F5344CB8AC3E}">
+        <p14:creationId xmlns:p14="http://schemas.microsoft.com/office/powerpoint/2010/main" val="113780224"/>
+      </p:ext>
+    </p:extLst>
+  </p:cSld>
+  <p:clrMapOvr>
+    <a:masterClrMapping/>
+  </p:clrMapOvr>
+</p:notes>
+</file>
+
+<file path=ppt/notesSlides/notesSlide4.xml><?xml version="1.0" encoding="utf-8"?>
+<p:notes xmlns:a="http://schemas.openxmlformats.org/drawingml/2006/main" xmlns:r="http://schemas.openxmlformats.org/officeDocument/2006/relationships" xmlns:p="http://schemas.openxmlformats.org/presentationml/2006/main">
+  <p:cSld>
+    <p:spTree>
+      <p:nvGrpSpPr>
+        <p:cNvPr id="1" name=""/>
+        <p:cNvGrpSpPr/>
+        <p:nvPr/>
+      </p:nvGrpSpPr>
+      <p:grpSpPr>
+        <a:xfrm>
+          <a:off x="0" y="0"/>
+          <a:ext cx="0" cy="0"/>
+          <a:chOff x="0" y="0"/>
+          <a:chExt cx="0" cy="0"/>
+        </a:xfrm>
+      </p:grpSpPr>
+      <p:sp>
+        <p:nvSpPr>
+          <p:cNvPr id="2" name="Slide Image Placeholder 1"/>
+          <p:cNvSpPr>
+            <a:spLocks noGrp="1" noRot="1" noChangeAspect="1"/>
+          </p:cNvSpPr>
+          <p:nvPr>
+            <p:ph type="sldImg"/>
+          </p:nvPr>
+        </p:nvSpPr>
+        <p:spPr/>
+      </p:sp>
+      <p:sp>
+        <p:nvSpPr>
+          <p:cNvPr id="3" name="Notes Placeholder 2"/>
+          <p:cNvSpPr>
+            <a:spLocks noGrp="1"/>
+          </p:cNvSpPr>
+          <p:nvPr>
+            <p:ph type="body" idx="1"/>
+          </p:nvPr>
+        </p:nvSpPr>
+        <p:spPr/>
+        <p:txBody>
+          <a:bodyPr/>
+          <a:lstStyle/>
+          <a:p>
+            <a:r>
+              <a:rPr lang="en-US" dirty="0"/>
+              <a:t>Version July 22, 2023</a:t>
+            </a:r>
+          </a:p>
+          <a:p>
+            <a:r>
+              <a:rPr lang="en-US" dirty="0"/>
+              <a:t>Changed BA, </a:t>
+            </a:r>
+            <a:r>
+              <a:rPr lang="en-US" dirty="0" err="1"/>
+              <a:t>ClusCoeff</a:t>
+            </a:r>
+            <a:r>
+              <a:rPr lang="en-US" dirty="0"/>
+              <a:t>, Compart, Gyrate, </a:t>
+            </a:r>
+            <a:r>
+              <a:rPr lang="en-US" dirty="0" err="1"/>
+              <a:t>AWGyrate</a:t>
+            </a:r>
+            <a:r>
+              <a:rPr lang="en-US"/>
+              <a:t>, Cohesion</a:t>
+            </a:r>
+          </a:p>
+          <a:p>
+            <a:endParaRPr lang="en-US" dirty="0"/>
+          </a:p>
+          <a:p>
+            <a:r>
+              <a:rPr lang="en-US" dirty="0"/>
+              <a:t>Version July 19, 2023</a:t>
+            </a:r>
+          </a:p>
+          <a:p>
+            <a:r>
+              <a:rPr lang="en-US" dirty="0"/>
+              <a:t>Changed code on </a:t>
+            </a:r>
+            <a:r>
+              <a:rPr lang="en-US" dirty="0" err="1"/>
+              <a:t>dist</a:t>
+            </a:r>
+            <a:endParaRPr lang="en-US" dirty="0"/>
+          </a:p>
+        </p:txBody>
+      </p:sp>
+      <p:sp>
+        <p:nvSpPr>
+          <p:cNvPr id="4" name="Slide Number Placeholder 3"/>
+          <p:cNvSpPr>
+            <a:spLocks noGrp="1"/>
+          </p:cNvSpPr>
+          <p:nvPr>
+            <p:ph type="sldNum" sz="quarter" idx="5"/>
+          </p:nvPr>
+        </p:nvSpPr>
+        <p:spPr/>
+        <p:txBody>
+          <a:bodyPr/>
+          <a:lstStyle/>
+          <a:p>
+            <a:fld id="{857E6AD7-DDB6-8C4E-B8DA-4528350CBDA1}" type="slidenum">
+              <a:rPr lang="en-US" smtClean="0"/>
+              <a:t>4</a:t>
+            </a:fld>
+            <a:endParaRPr lang="en-US"/>
+          </a:p>
+        </p:txBody>
+      </p:sp>
+    </p:spTree>
+    <p:extLst>
+      <p:ext uri="{BB962C8B-B14F-4D97-AF65-F5344CB8AC3E}">
+        <p14:creationId xmlns:p14="http://schemas.microsoft.com/office/powerpoint/2010/main" val="554544990"/>
+      </p:ext>
+    </p:extLst>
+  </p:cSld>
+  <p:clrMapOvr>
+    <a:masterClrMapping/>
+  </p:clrMapOvr>
+</p:notes>
+</file>
+
+<file path=ppt/notesSlides/notesSlide5.xml><?xml version="1.0" encoding="utf-8"?>
+<p:notes xmlns:a="http://schemas.openxmlformats.org/drawingml/2006/main" xmlns:r="http://schemas.openxmlformats.org/officeDocument/2006/relationships" xmlns:p="http://schemas.openxmlformats.org/presentationml/2006/main">
+  <p:cSld>
+    <p:spTree>
+      <p:nvGrpSpPr>
+        <p:cNvPr id="1" name=""/>
+        <p:cNvGrpSpPr/>
+        <p:nvPr/>
+      </p:nvGrpSpPr>
+      <p:grpSpPr>
+        <a:xfrm>
+          <a:off x="0" y="0"/>
+          <a:ext cx="0" cy="0"/>
+          <a:chOff x="0" y="0"/>
+          <a:chExt cx="0" cy="0"/>
+        </a:xfrm>
+      </p:grpSpPr>
+      <p:sp>
+        <p:nvSpPr>
+          <p:cNvPr id="2" name="Slide Image Placeholder 1"/>
+          <p:cNvSpPr>
+            <a:spLocks noGrp="1" noRot="1" noChangeAspect="1"/>
+          </p:cNvSpPr>
+          <p:nvPr>
+            <p:ph type="sldImg"/>
+          </p:nvPr>
+        </p:nvSpPr>
+        <p:spPr/>
+      </p:sp>
+      <p:sp>
+        <p:nvSpPr>
+          <p:cNvPr id="3" name="Notes Placeholder 2"/>
+          <p:cNvSpPr>
+            <a:spLocks noGrp="1"/>
+          </p:cNvSpPr>
+          <p:nvPr>
+            <p:ph type="body" idx="1"/>
+          </p:nvPr>
+        </p:nvSpPr>
+        <p:spPr/>
+        <p:txBody>
+          <a:bodyPr/>
+          <a:lstStyle/>
+          <a:p>
+            <a:r>
+              <a:rPr lang="en-US" dirty="0"/>
+              <a:t>Version July 22, 2023</a:t>
+            </a:r>
+          </a:p>
+          <a:p>
+            <a:r>
+              <a:rPr lang="en-US" dirty="0"/>
+              <a:t>Changed BA, </a:t>
+            </a:r>
+            <a:r>
+              <a:rPr lang="en-US" dirty="0" err="1"/>
+              <a:t>ClusCoeff</a:t>
+            </a:r>
+            <a:r>
+              <a:rPr lang="en-US" dirty="0"/>
+              <a:t>, Compart, Gyrate, </a:t>
+            </a:r>
+            <a:r>
+              <a:rPr lang="en-US" dirty="0" err="1"/>
+              <a:t>AWGyrate</a:t>
+            </a:r>
+            <a:r>
+              <a:rPr lang="en-US"/>
+              <a:t>, Cohesion</a:t>
+            </a:r>
+          </a:p>
+          <a:p>
+            <a:endParaRPr lang="en-US" dirty="0"/>
+          </a:p>
+          <a:p>
+            <a:r>
+              <a:rPr lang="en-US" dirty="0"/>
+              <a:t>Version July 19, 2023</a:t>
+            </a:r>
+          </a:p>
+          <a:p>
+            <a:r>
+              <a:rPr lang="en-US" dirty="0"/>
+              <a:t>Changed code on </a:t>
+            </a:r>
+            <a:r>
+              <a:rPr lang="en-US" dirty="0" err="1"/>
+              <a:t>dist</a:t>
+            </a:r>
+            <a:endParaRPr lang="en-US" dirty="0"/>
+          </a:p>
+        </p:txBody>
+      </p:sp>
+      <p:sp>
+        <p:nvSpPr>
+          <p:cNvPr id="4" name="Slide Number Placeholder 3"/>
+          <p:cNvSpPr>
+            <a:spLocks noGrp="1"/>
+          </p:cNvSpPr>
+          <p:nvPr>
+            <p:ph type="sldNum" sz="quarter" idx="5"/>
+          </p:nvPr>
+        </p:nvSpPr>
+        <p:spPr/>
+        <p:txBody>
+          <a:bodyPr/>
+          <a:lstStyle/>
+          <a:p>
+            <a:fld id="{857E6AD7-DDB6-8C4E-B8DA-4528350CBDA1}" type="slidenum">
+              <a:rPr lang="en-US" smtClean="0"/>
+              <a:t>5</a:t>
+            </a:fld>
+            <a:endParaRPr lang="en-US"/>
+          </a:p>
+        </p:txBody>
+      </p:sp>
+    </p:spTree>
+    <p:extLst>
+      <p:ext uri="{BB962C8B-B14F-4D97-AF65-F5344CB8AC3E}">
+        <p14:creationId xmlns:p14="http://schemas.microsoft.com/office/powerpoint/2010/main" val="3566354972"/>
+      </p:ext>
+    </p:extLst>
+  </p:cSld>
+  <p:clrMapOvr>
+    <a:masterClrMapping/>
+  </p:clrMapOvr>
+</p:notes>
+</file>
+
+<file path=ppt/notesSlides/notesSlide6.xml><?xml version="1.0" encoding="utf-8"?>
+<p:notes xmlns:a="http://schemas.openxmlformats.org/drawingml/2006/main" xmlns:r="http://schemas.openxmlformats.org/officeDocument/2006/relationships" xmlns:p="http://schemas.openxmlformats.org/presentationml/2006/main">
+  <p:cSld>
+    <p:spTree>
+      <p:nvGrpSpPr>
+        <p:cNvPr id="1" name=""/>
+        <p:cNvGrpSpPr/>
+        <p:nvPr/>
+      </p:nvGrpSpPr>
+      <p:grpSpPr>
+        <a:xfrm>
+          <a:off x="0" y="0"/>
+          <a:ext cx="0" cy="0"/>
+          <a:chOff x="0" y="0"/>
+          <a:chExt cx="0" cy="0"/>
+        </a:xfrm>
+      </p:grpSpPr>
+      <p:sp>
+        <p:nvSpPr>
+          <p:cNvPr id="2" name="Slide Image Placeholder 1"/>
+          <p:cNvSpPr>
+            <a:spLocks noGrp="1" noRot="1" noChangeAspect="1"/>
+          </p:cNvSpPr>
+          <p:nvPr>
+            <p:ph type="sldImg"/>
+          </p:nvPr>
+        </p:nvSpPr>
+        <p:spPr/>
+      </p:sp>
+      <p:sp>
+        <p:nvSpPr>
+          <p:cNvPr id="3" name="Notes Placeholder 2"/>
+          <p:cNvSpPr>
+            <a:spLocks noGrp="1"/>
+          </p:cNvSpPr>
+          <p:nvPr>
+            <p:ph type="body" idx="1"/>
+          </p:nvPr>
+        </p:nvSpPr>
+        <p:spPr/>
+        <p:txBody>
+          <a:bodyPr/>
+          <a:lstStyle/>
+          <a:p>
+            <a:r>
+              <a:rPr lang="en-US" dirty="0"/>
+              <a:t>Version Feb 2023</a:t>
+            </a:r>
+          </a:p>
+        </p:txBody>
+      </p:sp>
+      <p:sp>
+        <p:nvSpPr>
+          <p:cNvPr id="4" name="Slide Number Placeholder 3"/>
+          <p:cNvSpPr>
+            <a:spLocks noGrp="1"/>
+          </p:cNvSpPr>
+          <p:nvPr>
+            <p:ph type="sldNum" sz="quarter" idx="5"/>
+          </p:nvPr>
+        </p:nvSpPr>
+        <p:spPr/>
+        <p:txBody>
+          <a:bodyPr/>
+          <a:lstStyle/>
+          <a:p>
+            <a:fld id="{857E6AD7-DDB6-8C4E-B8DA-4528350CBDA1}" type="slidenum">
+              <a:rPr lang="en-US" smtClean="0"/>
+              <a:t>6</a:t>
+            </a:fld>
+            <a:endParaRPr lang="en-US"/>
+          </a:p>
+        </p:txBody>
+      </p:sp>
+    </p:spTree>
+    <p:extLst>
+      <p:ext uri="{BB962C8B-B14F-4D97-AF65-F5344CB8AC3E}">
         <p14:creationId xmlns:p14="http://schemas.microsoft.com/office/powerpoint/2010/main" val="3987987797"/>
+      </p:ext>
+    </p:extLst>
+  </p:cSld>
+  <p:clrMapOvr>
+    <a:masterClrMapping/>
+  </p:clrMapOvr>
+</p:notes>
+</file>
+
+<file path=ppt/notesSlides/notesSlide7.xml><?xml version="1.0" encoding="utf-8"?>
+<p:notes xmlns:a="http://schemas.openxmlformats.org/drawingml/2006/main" xmlns:r="http://schemas.openxmlformats.org/officeDocument/2006/relationships" xmlns:p="http://schemas.openxmlformats.org/presentationml/2006/main">
+  <p:cSld>
+    <p:spTree>
+      <p:nvGrpSpPr>
+        <p:cNvPr id="1" name=""/>
+        <p:cNvGrpSpPr/>
+        <p:nvPr/>
+      </p:nvGrpSpPr>
+      <p:grpSpPr>
+        <a:xfrm>
+          <a:off x="0" y="0"/>
+          <a:ext cx="0" cy="0"/>
+          <a:chOff x="0" y="0"/>
+          <a:chExt cx="0" cy="0"/>
+        </a:xfrm>
+      </p:grpSpPr>
+      <p:sp>
+        <p:nvSpPr>
+          <p:cNvPr id="2" name="Slide Image Placeholder 1"/>
+          <p:cNvSpPr>
+            <a:spLocks noGrp="1" noRot="1" noChangeAspect="1"/>
+          </p:cNvSpPr>
+          <p:nvPr>
+            <p:ph type="sldImg"/>
+          </p:nvPr>
+        </p:nvSpPr>
+        <p:spPr/>
+      </p:sp>
+      <p:sp>
+        <p:nvSpPr>
+          <p:cNvPr id="3" name="Notes Placeholder 2"/>
+          <p:cNvSpPr>
+            <a:spLocks noGrp="1"/>
+          </p:cNvSpPr>
+          <p:nvPr>
+            <p:ph type="body" idx="1"/>
+          </p:nvPr>
+        </p:nvSpPr>
+        <p:spPr/>
+        <p:txBody>
+          <a:bodyPr/>
+          <a:lstStyle/>
+          <a:p>
+            <a:r>
+              <a:rPr lang="en-US" dirty="0"/>
+              <a:t>Version Jul 19</a:t>
+            </a:r>
+          </a:p>
+        </p:txBody>
+      </p:sp>
+      <p:sp>
+        <p:nvSpPr>
+          <p:cNvPr id="4" name="Slide Number Placeholder 3"/>
+          <p:cNvSpPr>
+            <a:spLocks noGrp="1"/>
+          </p:cNvSpPr>
+          <p:nvPr>
+            <p:ph type="sldNum" sz="quarter" idx="5"/>
+          </p:nvPr>
+        </p:nvSpPr>
+        <p:spPr/>
+        <p:txBody>
+          <a:bodyPr/>
+          <a:lstStyle/>
+          <a:p>
+            <a:fld id="{857E6AD7-DDB6-8C4E-B8DA-4528350CBDA1}" type="slidenum">
+              <a:rPr lang="en-US" smtClean="0"/>
+              <a:t>7</a:t>
+            </a:fld>
+            <a:endParaRPr lang="en-US"/>
+          </a:p>
+        </p:txBody>
+      </p:sp>
+    </p:spTree>
+    <p:extLst>
+      <p:ext uri="{BB962C8B-B14F-4D97-AF65-F5344CB8AC3E}">
+        <p14:creationId xmlns:p14="http://schemas.microsoft.com/office/powerpoint/2010/main" val="4064340403"/>
       </p:ext>
     </p:extLst>
   </p:cSld>
@@ -870,7 +1378,7 @@
           <a:p>
             <a:fld id="{214BA57E-9210-7946-A0DC-2293B6BAFD4D}" type="datetimeFigureOut">
               <a:rPr lang="en-US" smtClean="0"/>
-              <a:t>7/19/23</a:t>
+              <a:t>11/6/23</a:t>
             </a:fld>
             <a:endParaRPr lang="en-US"/>
           </a:p>
@@ -1040,7 +1548,7 @@
           <a:p>
             <a:fld id="{214BA57E-9210-7946-A0DC-2293B6BAFD4D}" type="datetimeFigureOut">
               <a:rPr lang="en-US" smtClean="0"/>
-              <a:t>7/19/23</a:t>
+              <a:t>11/6/23</a:t>
             </a:fld>
             <a:endParaRPr lang="en-US"/>
           </a:p>
@@ -1220,7 +1728,7 @@
           <a:p>
             <a:fld id="{214BA57E-9210-7946-A0DC-2293B6BAFD4D}" type="datetimeFigureOut">
               <a:rPr lang="en-US" smtClean="0"/>
-              <a:t>7/19/23</a:t>
+              <a:t>11/6/23</a:t>
             </a:fld>
             <a:endParaRPr lang="en-US"/>
           </a:p>
@@ -1390,7 +1898,7 @@
           <a:p>
             <a:fld id="{214BA57E-9210-7946-A0DC-2293B6BAFD4D}" type="datetimeFigureOut">
               <a:rPr lang="en-US" smtClean="0"/>
-              <a:t>7/19/23</a:t>
+              <a:t>11/6/23</a:t>
             </a:fld>
             <a:endParaRPr lang="en-US"/>
           </a:p>
@@ -1634,7 +2142,7 @@
           <a:p>
             <a:fld id="{214BA57E-9210-7946-A0DC-2293B6BAFD4D}" type="datetimeFigureOut">
               <a:rPr lang="en-US" smtClean="0"/>
-              <a:t>7/19/23</a:t>
+              <a:t>11/6/23</a:t>
             </a:fld>
             <a:endParaRPr lang="en-US"/>
           </a:p>
@@ -1866,7 +2374,7 @@
           <a:p>
             <a:fld id="{214BA57E-9210-7946-A0DC-2293B6BAFD4D}" type="datetimeFigureOut">
               <a:rPr lang="en-US" smtClean="0"/>
-              <a:t>7/19/23</a:t>
+              <a:t>11/6/23</a:t>
             </a:fld>
             <a:endParaRPr lang="en-US"/>
           </a:p>
@@ -2233,7 +2741,7 @@
           <a:p>
             <a:fld id="{214BA57E-9210-7946-A0DC-2293B6BAFD4D}" type="datetimeFigureOut">
               <a:rPr lang="en-US" smtClean="0"/>
-              <a:t>7/19/23</a:t>
+              <a:t>11/6/23</a:t>
             </a:fld>
             <a:endParaRPr lang="en-US"/>
           </a:p>
@@ -2351,7 +2859,7 @@
           <a:p>
             <a:fld id="{214BA57E-9210-7946-A0DC-2293B6BAFD4D}" type="datetimeFigureOut">
               <a:rPr lang="en-US" smtClean="0"/>
-              <a:t>7/19/23</a:t>
+              <a:t>11/6/23</a:t>
             </a:fld>
             <a:endParaRPr lang="en-US"/>
           </a:p>
@@ -2446,7 +2954,7 @@
           <a:p>
             <a:fld id="{214BA57E-9210-7946-A0DC-2293B6BAFD4D}" type="datetimeFigureOut">
               <a:rPr lang="en-US" smtClean="0"/>
-              <a:t>7/19/23</a:t>
+              <a:t>11/6/23</a:t>
             </a:fld>
             <a:endParaRPr lang="en-US"/>
           </a:p>
@@ -2723,7 +3231,7 @@
           <a:p>
             <a:fld id="{214BA57E-9210-7946-A0DC-2293B6BAFD4D}" type="datetimeFigureOut">
               <a:rPr lang="en-US" smtClean="0"/>
-              <a:t>7/19/23</a:t>
+              <a:t>11/6/23</a:t>
             </a:fld>
             <a:endParaRPr lang="en-US"/>
           </a:p>
@@ -2980,7 +3488,7 @@
           <a:p>
             <a:fld id="{214BA57E-9210-7946-A0DC-2293B6BAFD4D}" type="datetimeFigureOut">
               <a:rPr lang="en-US" smtClean="0"/>
-              <a:t>7/19/23</a:t>
+              <a:t>11/6/23</a:t>
             </a:fld>
             <a:endParaRPr lang="en-US"/>
           </a:p>
@@ -3193,7 +3701,7 @@
           <a:p>
             <a:fld id="{214BA57E-9210-7946-A0DC-2293B6BAFD4D}" type="datetimeFigureOut">
               <a:rPr lang="en-US" smtClean="0"/>
-              <a:t>7/19/23</a:t>
+              <a:t>11/6/23</a:t>
             </a:fld>
             <a:endParaRPr lang="en-US"/>
           </a:p>
@@ -4267,7 +4775,7 @@
         <p:spPr>
           <a:xfrm>
             <a:off x="4569723" y="3199241"/>
-            <a:ext cx="647934" cy="276999"/>
+            <a:ext cx="532325" cy="276999"/>
           </a:xfrm>
           <a:prstGeom prst="rect">
             <a:avLst/>
@@ -4285,7 +4793,7 @@
                 <a:latin typeface="Arial" panose="020B0604020202020204" pitchFamily="34" charset="0"/>
                 <a:cs typeface="Arial" panose="020B0604020202020204" pitchFamily="34" charset="0"/>
               </a:rPr>
-              <a:t>Group</a:t>
+              <a:t>Type</a:t>
             </a:r>
             <a:endParaRPr lang="en-US" sz="1100" b="1" dirty="0">
               <a:latin typeface="Arial" panose="020B0604020202020204" pitchFamily="34" charset="0"/>
@@ -4384,6 +4892,41 @@
           </a:extLst>
         </p:spPr>
       </p:pic>
+      <p:sp>
+        <p:nvSpPr>
+          <p:cNvPr id="2" name="TextBox 1">
+            <a:extLst>
+              <a:ext uri="{FF2B5EF4-FFF2-40B4-BE49-F238E27FC236}">
+                <a16:creationId xmlns:a16="http://schemas.microsoft.com/office/drawing/2014/main" id="{6A8A4887-9383-AF9B-7D09-F4DA78E68531}"/>
+              </a:ext>
+            </a:extLst>
+          </p:cNvPr>
+          <p:cNvSpPr txBox="1"/>
+          <p:nvPr/>
+        </p:nvSpPr>
+        <p:spPr>
+          <a:xfrm>
+            <a:off x="928897" y="164921"/>
+            <a:ext cx="4702976" cy="369332"/>
+          </a:xfrm>
+          <a:prstGeom prst="rect">
+            <a:avLst/>
+          </a:prstGeom>
+          <a:noFill/>
+        </p:spPr>
+        <p:txBody>
+          <a:bodyPr wrap="square" rtlCol="0">
+            <a:spAutoFit/>
+          </a:bodyPr>
+          <a:lstStyle/>
+          <a:p>
+            <a:r>
+              <a:rPr lang="en-US" dirty="0"/>
+              <a:t>Version: 02/2023</a:t>
+            </a:r>
+          </a:p>
+        </p:txBody>
+      </p:sp>
     </p:spTree>
     <p:extLst>
       <p:ext uri="{BB962C8B-B14F-4D97-AF65-F5344CB8AC3E}">
@@ -4416,238 +4959,6 @@
       </p:grpSpPr>
       <p:pic>
         <p:nvPicPr>
-          <p:cNvPr id="18" name="Picture 17" descr="A picture containing shape&#10;&#10;Description automatically generated">
-            <a:extLst>
-              <a:ext uri="{FF2B5EF4-FFF2-40B4-BE49-F238E27FC236}">
-                <a16:creationId xmlns:a16="http://schemas.microsoft.com/office/drawing/2014/main" id="{50A31455-055F-6C32-DEB8-2AE560D7DD1B}"/>
-              </a:ext>
-            </a:extLst>
-          </p:cNvPr>
-          <p:cNvPicPr>
-            <a:picLocks noChangeAspect="1"/>
-          </p:cNvPicPr>
-          <p:nvPr/>
-        </p:nvPicPr>
-        <p:blipFill rotWithShape="1">
-          <a:blip r:embed="rId3"/>
-          <a:srcRect l="29704" t="12447" b="60657"/>
-          <a:stretch/>
-        </p:blipFill>
-        <p:spPr>
-          <a:xfrm>
-            <a:off x="933749" y="3918859"/>
-            <a:ext cx="1285576" cy="1475618"/>
-          </a:xfrm>
-          <a:prstGeom prst="rect">
-            <a:avLst/>
-          </a:prstGeom>
-        </p:spPr>
-      </p:pic>
-      <p:pic>
-        <p:nvPicPr>
-          <p:cNvPr id="25" name="Picture 24" descr="A picture containing shape&#10;&#10;Description automatically generated">
-            <a:extLst>
-              <a:ext uri="{FF2B5EF4-FFF2-40B4-BE49-F238E27FC236}">
-                <a16:creationId xmlns:a16="http://schemas.microsoft.com/office/drawing/2014/main" id="{24FB92F3-81CF-094D-ADA0-609A2F216C53}"/>
-              </a:ext>
-            </a:extLst>
-          </p:cNvPr>
-          <p:cNvPicPr>
-            <a:picLocks noChangeAspect="1"/>
-          </p:cNvPicPr>
-          <p:nvPr/>
-        </p:nvPicPr>
-        <p:blipFill rotWithShape="1">
-          <a:blip r:embed="rId3"/>
-          <a:srcRect l="29704" t="39475" b="29209"/>
-          <a:stretch/>
-        </p:blipFill>
-        <p:spPr>
-          <a:xfrm>
-            <a:off x="933749" y="5379963"/>
-            <a:ext cx="1285576" cy="1718112"/>
-          </a:xfrm>
-          <a:prstGeom prst="rect">
-            <a:avLst/>
-          </a:prstGeom>
-        </p:spPr>
-      </p:pic>
-      <p:pic>
-        <p:nvPicPr>
-          <p:cNvPr id="29" name="Picture 28" descr="A picture containing shape&#10;&#10;Description automatically generated">
-            <a:extLst>
-              <a:ext uri="{FF2B5EF4-FFF2-40B4-BE49-F238E27FC236}">
-                <a16:creationId xmlns:a16="http://schemas.microsoft.com/office/drawing/2014/main" id="{5BF85C7E-ED33-C0F5-AAE1-4AA74B1A351A}"/>
-              </a:ext>
-            </a:extLst>
-          </p:cNvPr>
-          <p:cNvPicPr>
-            <a:picLocks noChangeAspect="1"/>
-          </p:cNvPicPr>
-          <p:nvPr/>
-        </p:nvPicPr>
-        <p:blipFill rotWithShape="1">
-          <a:blip r:embed="rId3"/>
-          <a:srcRect l="29659" t="70735" b="2715"/>
-          <a:stretch/>
-        </p:blipFill>
-        <p:spPr>
-          <a:xfrm>
-            <a:off x="932679" y="7122529"/>
-            <a:ext cx="1285576" cy="1455678"/>
-          </a:xfrm>
-          <a:prstGeom prst="rect">
-            <a:avLst/>
-          </a:prstGeom>
-        </p:spPr>
-      </p:pic>
-      <p:pic>
-        <p:nvPicPr>
-          <p:cNvPr id="19" name="Picture 18" descr="A picture containing chart&#10;&#10;Description automatically generated">
-            <a:extLst>
-              <a:ext uri="{FF2B5EF4-FFF2-40B4-BE49-F238E27FC236}">
-                <a16:creationId xmlns:a16="http://schemas.microsoft.com/office/drawing/2014/main" id="{F755F4A0-EEBC-3466-BFA3-C711E28C18EE}"/>
-              </a:ext>
-            </a:extLst>
-          </p:cNvPr>
-          <p:cNvPicPr>
-            <a:picLocks noChangeAspect="1"/>
-          </p:cNvPicPr>
-          <p:nvPr/>
-        </p:nvPicPr>
-        <p:blipFill rotWithShape="1">
-          <a:blip r:embed="rId4"/>
-          <a:srcRect l="29704" t="10802" b="83673"/>
-          <a:stretch/>
-        </p:blipFill>
-        <p:spPr>
-          <a:xfrm>
-            <a:off x="2161298" y="3914020"/>
-            <a:ext cx="1285573" cy="303099"/>
-          </a:xfrm>
-          <a:prstGeom prst="rect">
-            <a:avLst/>
-          </a:prstGeom>
-        </p:spPr>
-      </p:pic>
-      <p:pic>
-        <p:nvPicPr>
-          <p:cNvPr id="20" name="Picture 19" descr="A picture containing chart&#10;&#10;Description automatically generated">
-            <a:extLst>
-              <a:ext uri="{FF2B5EF4-FFF2-40B4-BE49-F238E27FC236}">
-                <a16:creationId xmlns:a16="http://schemas.microsoft.com/office/drawing/2014/main" id="{96CF2D53-716E-E8B2-F727-653E7E84BDC4}"/>
-              </a:ext>
-            </a:extLst>
-          </p:cNvPr>
-          <p:cNvPicPr>
-            <a:picLocks noChangeAspect="1"/>
-          </p:cNvPicPr>
-          <p:nvPr/>
-        </p:nvPicPr>
-        <p:blipFill rotWithShape="1">
-          <a:blip r:embed="rId4"/>
-          <a:srcRect l="29704" t="16106" b="67536"/>
-          <a:stretch/>
-        </p:blipFill>
-        <p:spPr>
-          <a:xfrm>
-            <a:off x="2165080" y="4186515"/>
-            <a:ext cx="1285573" cy="897464"/>
-          </a:xfrm>
-          <a:prstGeom prst="rect">
-            <a:avLst/>
-          </a:prstGeom>
-        </p:spPr>
-      </p:pic>
-      <p:pic>
-        <p:nvPicPr>
-          <p:cNvPr id="23" name="Picture 22" descr="A picture containing chart&#10;&#10;Description automatically generated">
-            <a:extLst>
-              <a:ext uri="{FF2B5EF4-FFF2-40B4-BE49-F238E27FC236}">
-                <a16:creationId xmlns:a16="http://schemas.microsoft.com/office/drawing/2014/main" id="{C7251C2D-D91D-DA7B-B85C-C649290CBB93}"/>
-              </a:ext>
-            </a:extLst>
-          </p:cNvPr>
-          <p:cNvPicPr>
-            <a:picLocks noChangeAspect="1"/>
-          </p:cNvPicPr>
-          <p:nvPr/>
-        </p:nvPicPr>
-        <p:blipFill rotWithShape="1">
-          <a:blip r:embed="rId4"/>
-          <a:srcRect l="29704" t="32465" b="62010"/>
-          <a:stretch/>
-        </p:blipFill>
-        <p:spPr>
-          <a:xfrm>
-            <a:off x="2168862" y="5066924"/>
-            <a:ext cx="1285573" cy="303099"/>
-          </a:xfrm>
-          <a:prstGeom prst="rect">
-            <a:avLst/>
-          </a:prstGeom>
-        </p:spPr>
-      </p:pic>
-      <p:pic>
-        <p:nvPicPr>
-          <p:cNvPr id="26" name="Picture 25" descr="A picture containing chart&#10;&#10;Description automatically generated">
-            <a:extLst>
-              <a:ext uri="{FF2B5EF4-FFF2-40B4-BE49-F238E27FC236}">
-                <a16:creationId xmlns:a16="http://schemas.microsoft.com/office/drawing/2014/main" id="{BE7BEC87-CE8B-1DBB-03EB-6326B9418221}"/>
-              </a:ext>
-            </a:extLst>
-          </p:cNvPr>
-          <p:cNvPicPr>
-            <a:picLocks noChangeAspect="1"/>
-          </p:cNvPicPr>
-          <p:nvPr/>
-        </p:nvPicPr>
-        <p:blipFill rotWithShape="1">
-          <a:blip r:embed="rId4"/>
-          <a:srcRect l="29704" t="37888" b="13523"/>
-          <a:stretch/>
-        </p:blipFill>
-        <p:spPr>
-          <a:xfrm>
-            <a:off x="2166136" y="5341257"/>
-            <a:ext cx="1285573" cy="2665791"/>
-          </a:xfrm>
-          <a:prstGeom prst="rect">
-            <a:avLst/>
-          </a:prstGeom>
-        </p:spPr>
-      </p:pic>
-      <p:pic>
-        <p:nvPicPr>
-          <p:cNvPr id="34" name="Picture 33" descr="A picture containing chart&#10;&#10;Description automatically generated">
-            <a:extLst>
-              <a:ext uri="{FF2B5EF4-FFF2-40B4-BE49-F238E27FC236}">
-                <a16:creationId xmlns:a16="http://schemas.microsoft.com/office/drawing/2014/main" id="{B9D48842-4F33-0A67-5B69-05CE34B1F719}"/>
-              </a:ext>
-            </a:extLst>
-          </p:cNvPr>
-          <p:cNvPicPr>
-            <a:picLocks noChangeAspect="1"/>
-          </p:cNvPicPr>
-          <p:nvPr/>
-        </p:nvPicPr>
-        <p:blipFill rotWithShape="1">
-          <a:blip r:embed="rId4"/>
-          <a:srcRect l="29704" t="86626" b="2809"/>
-          <a:stretch/>
-        </p:blipFill>
-        <p:spPr>
-          <a:xfrm>
-            <a:off x="2168022" y="7998587"/>
-            <a:ext cx="1285573" cy="579620"/>
-          </a:xfrm>
-          <a:prstGeom prst="rect">
-            <a:avLst/>
-          </a:prstGeom>
-        </p:spPr>
-      </p:pic>
-      <p:pic>
-        <p:nvPicPr>
           <p:cNvPr id="40" name="Picture 2">
             <a:extLst>
               <a:ext uri="{FF2B5EF4-FFF2-40B4-BE49-F238E27FC236}">
@@ -4661,7 +4972,7 @@
           <p:nvPr/>
         </p:nvPicPr>
         <p:blipFill rotWithShape="1">
-          <a:blip r:embed="rId5">
+          <a:blip r:embed="rId3">
             <a:extLst>
               <a:ext uri="{28A0092B-C50C-407E-A947-70E740481C1C}">
                 <a14:useLocalDpi xmlns:a14="http://schemas.microsoft.com/office/drawing/2010/main" val="0"/>
@@ -4706,7 +5017,7 @@
           <p:nvPr/>
         </p:nvPicPr>
         <p:blipFill rotWithShape="1">
-          <a:blip r:embed="rId5">
+          <a:blip r:embed="rId3">
             <a:extLst>
               <a:ext uri="{28A0092B-C50C-407E-A947-70E740481C1C}">
                 <a14:useLocalDpi xmlns:a14="http://schemas.microsoft.com/office/drawing/2010/main" val="0"/>
@@ -4751,7 +5062,7 @@
         <p:spPr>
           <a:xfrm>
             <a:off x="4569723" y="3199241"/>
-            <a:ext cx="647934" cy="276999"/>
+            <a:ext cx="532325" cy="276999"/>
           </a:xfrm>
           <a:prstGeom prst="rect">
             <a:avLst/>
@@ -4769,7 +5080,7 @@
                 <a:latin typeface="Arial" panose="020B0604020202020204" pitchFamily="34" charset="0"/>
                 <a:cs typeface="Arial" panose="020B0604020202020204" pitchFamily="34" charset="0"/>
               </a:rPr>
-              <a:t>Group</a:t>
+              <a:t>Type</a:t>
             </a:r>
             <a:endParaRPr lang="en-US" sz="1100" b="1" dirty="0">
               <a:latin typeface="Arial" panose="020B0604020202020204" pitchFamily="34" charset="0"/>
@@ -4793,7 +5104,7 @@
           <p:nvPr/>
         </p:nvPicPr>
         <p:blipFill rotWithShape="1">
-          <a:blip r:embed="rId5">
+          <a:blip r:embed="rId3">
             <a:extLst>
               <a:ext uri="{28A0092B-C50C-407E-A947-70E740481C1C}">
                 <a14:useLocalDpi xmlns:a14="http://schemas.microsoft.com/office/drawing/2010/main" val="0"/>
@@ -4838,7 +5149,7 @@
           <p:nvPr/>
         </p:nvPicPr>
         <p:blipFill rotWithShape="1">
-          <a:blip r:embed="rId5">
+          <a:blip r:embed="rId3">
             <a:extLst>
               <a:ext uri="{28A0092B-C50C-407E-A947-70E740481C1C}">
                 <a14:useLocalDpi xmlns:a14="http://schemas.microsoft.com/office/drawing/2010/main" val="0"/>
@@ -4870,10 +5181,10 @@
       </p:pic>
       <p:pic>
         <p:nvPicPr>
-          <p:cNvPr id="8" name="Picture 7" descr="A graph on a screen&#10;&#10;Description automatically generated">
-            <a:extLst>
-              <a:ext uri="{FF2B5EF4-FFF2-40B4-BE49-F238E27FC236}">
-                <a16:creationId xmlns:a16="http://schemas.microsoft.com/office/drawing/2014/main" id="{FFAB8F87-5FFA-6F64-C1EE-77A5681F4E08}"/>
+          <p:cNvPr id="3" name="Picture 2" descr="A graph on a screen&#10;&#10;Description automatically generated">
+            <a:extLst>
+              <a:ext uri="{FF2B5EF4-FFF2-40B4-BE49-F238E27FC236}">
+                <a16:creationId xmlns:a16="http://schemas.microsoft.com/office/drawing/2014/main" id="{C0A6F184-30A3-B7AD-4865-CD9CB3743E58}"/>
               </a:ext>
             </a:extLst>
           </p:cNvPr>
@@ -4883,14 +5194,14 @@
           <p:nvPr/>
         </p:nvPicPr>
         <p:blipFill rotWithShape="1">
-          <a:blip r:embed="rId6"/>
-          <a:srcRect l="30083" b="87267"/>
+          <a:blip r:embed="rId4"/>
+          <a:srcRect l="29527" t="1" b="50142"/>
           <a:stretch/>
         </p:blipFill>
         <p:spPr>
           <a:xfrm>
-            <a:off x="950719" y="3251094"/>
-            <a:ext cx="1278642" cy="698598"/>
+            <a:off x="928897" y="3245636"/>
+            <a:ext cx="1288810" cy="2735376"/>
           </a:xfrm>
           <a:prstGeom prst="rect">
             <a:avLst/>
@@ -4899,10 +5210,10 @@
       </p:pic>
       <p:pic>
         <p:nvPicPr>
-          <p:cNvPr id="24" name="Picture 23" descr="A screen shot of a graph&#10;&#10;Description automatically generated">
-            <a:extLst>
-              <a:ext uri="{FF2B5EF4-FFF2-40B4-BE49-F238E27FC236}">
-                <a16:creationId xmlns:a16="http://schemas.microsoft.com/office/drawing/2014/main" id="{CD6032D2-F676-7147-611F-4CC83DC306C6}"/>
+          <p:cNvPr id="6" name="Picture 5" descr="A graph of a graph&#10;&#10;Description automatically generated">
+            <a:extLst>
+              <a:ext uri="{FF2B5EF4-FFF2-40B4-BE49-F238E27FC236}">
+                <a16:creationId xmlns:a16="http://schemas.microsoft.com/office/drawing/2014/main" id="{BD377F79-24FA-78B9-716B-38245A0046A8}"/>
               </a:ext>
             </a:extLst>
           </p:cNvPr>
@@ -4912,260 +5223,26 @@
           <p:nvPr/>
         </p:nvPicPr>
         <p:blipFill rotWithShape="1">
-          <a:blip r:embed="rId7"/>
-          <a:srcRect l="29913" b="89728"/>
+          <a:blip r:embed="rId5"/>
+          <a:srcRect l="29527" b="83446"/>
           <a:stretch/>
         </p:blipFill>
         <p:spPr>
           <a:xfrm>
-            <a:off x="3460691" y="3099505"/>
-            <a:ext cx="1281733" cy="563572"/>
-          </a:xfrm>
-          <a:prstGeom prst="rect">
-            <a:avLst/>
-          </a:prstGeom>
-        </p:spPr>
-      </p:pic>
-      <p:sp>
-        <p:nvSpPr>
-          <p:cNvPr id="37" name="Rectangle 36">
-            <a:extLst>
-              <a:ext uri="{FF2B5EF4-FFF2-40B4-BE49-F238E27FC236}">
-                <a16:creationId xmlns:a16="http://schemas.microsoft.com/office/drawing/2014/main" id="{318C65D1-0229-5536-310F-F00B9E885E81}"/>
-              </a:ext>
-            </a:extLst>
-          </p:cNvPr>
-          <p:cNvSpPr/>
-          <p:nvPr/>
-        </p:nvSpPr>
-        <p:spPr>
-          <a:xfrm>
-            <a:off x="3832527" y="4133142"/>
-            <a:ext cx="824923" cy="106745"/>
-          </a:xfrm>
-          <a:prstGeom prst="rect">
-            <a:avLst/>
-          </a:prstGeom>
-          <a:solidFill>
-            <a:schemeClr val="bg1"/>
-          </a:solidFill>
-          <a:ln>
-            <a:solidFill>
-              <a:schemeClr val="bg1"/>
-            </a:solidFill>
-          </a:ln>
-        </p:spPr>
-        <p:style>
-          <a:lnRef idx="2">
-            <a:schemeClr val="accent1">
-              <a:shade val="50000"/>
-            </a:schemeClr>
-          </a:lnRef>
-          <a:fillRef idx="1">
-            <a:schemeClr val="accent1"/>
-          </a:fillRef>
-          <a:effectRef idx="0">
-            <a:schemeClr val="accent1"/>
-          </a:effectRef>
-          <a:fontRef idx="minor">
-            <a:schemeClr val="lt1"/>
-          </a:fontRef>
-        </p:style>
-        <p:txBody>
-          <a:bodyPr rtlCol="0" anchor="ctr"/>
-          <a:lstStyle/>
-          <a:p>
-            <a:pPr algn="ctr"/>
-            <a:endParaRPr lang="en-US"/>
-          </a:p>
-        </p:txBody>
-      </p:sp>
-      <p:sp>
-        <p:nvSpPr>
-          <p:cNvPr id="39" name="Rectangle 38">
-            <a:extLst>
-              <a:ext uri="{FF2B5EF4-FFF2-40B4-BE49-F238E27FC236}">
-                <a16:creationId xmlns:a16="http://schemas.microsoft.com/office/drawing/2014/main" id="{9BB543FA-C376-B1F5-20FE-A471BCA3E4B1}"/>
-              </a:ext>
-            </a:extLst>
-          </p:cNvPr>
-          <p:cNvSpPr/>
-          <p:nvPr/>
-        </p:nvSpPr>
-        <p:spPr>
-          <a:xfrm>
-            <a:off x="3407622" y="4156629"/>
-            <a:ext cx="375174" cy="106745"/>
-          </a:xfrm>
-          <a:prstGeom prst="rect">
-            <a:avLst/>
-          </a:prstGeom>
-          <a:solidFill>
-            <a:schemeClr val="bg1"/>
-          </a:solidFill>
-          <a:ln>
-            <a:solidFill>
-              <a:schemeClr val="bg1"/>
-            </a:solidFill>
-          </a:ln>
-        </p:spPr>
-        <p:style>
-          <a:lnRef idx="2">
-            <a:schemeClr val="accent1">
-              <a:shade val="50000"/>
-            </a:schemeClr>
-          </a:lnRef>
-          <a:fillRef idx="1">
-            <a:schemeClr val="accent1"/>
-          </a:fillRef>
-          <a:effectRef idx="0">
-            <a:schemeClr val="accent1"/>
-          </a:effectRef>
-          <a:fontRef idx="minor">
-            <a:schemeClr val="lt1"/>
-          </a:fontRef>
-        </p:style>
-        <p:txBody>
-          <a:bodyPr rtlCol="0" anchor="ctr"/>
-          <a:lstStyle/>
-          <a:p>
-            <a:pPr algn="ctr"/>
-            <a:endParaRPr lang="en-US"/>
-          </a:p>
-        </p:txBody>
-      </p:sp>
-      <p:sp>
-        <p:nvSpPr>
-          <p:cNvPr id="47" name="Freeform 46">
-            <a:extLst>
-              <a:ext uri="{FF2B5EF4-FFF2-40B4-BE49-F238E27FC236}">
-                <a16:creationId xmlns:a16="http://schemas.microsoft.com/office/drawing/2014/main" id="{6ED3EFF3-ED0E-4831-F0A3-4DE00D805C58}"/>
-              </a:ext>
-            </a:extLst>
-          </p:cNvPr>
-          <p:cNvSpPr/>
-          <p:nvPr/>
-        </p:nvSpPr>
-        <p:spPr>
-          <a:xfrm>
-            <a:off x="3829050" y="4235450"/>
-            <a:ext cx="0" cy="0"/>
-          </a:xfrm>
-          <a:custGeom>
-            <a:avLst/>
-            <a:gdLst>
-              <a:gd name="connsiteX0" fmla="*/ 0 w 0"/>
-              <a:gd name="connsiteY0" fmla="*/ 0 h 0"/>
-              <a:gd name="connsiteX1" fmla="*/ 0 w 0"/>
-              <a:gd name="connsiteY1" fmla="*/ 0 h 0"/>
-              <a:gd name="connsiteX2" fmla="*/ 0 w 0"/>
-              <a:gd name="connsiteY2" fmla="*/ 0 h 0"/>
-            </a:gdLst>
-            <a:ahLst/>
-            <a:cxnLst>
-              <a:cxn ang="0">
-                <a:pos x="connsiteX0" y="connsiteY0"/>
-              </a:cxn>
-              <a:cxn ang="0">
-                <a:pos x="connsiteX1" y="connsiteY1"/>
-              </a:cxn>
-              <a:cxn ang="0">
-                <a:pos x="connsiteX2" y="connsiteY2"/>
-              </a:cxn>
-            </a:cxnLst>
-            <a:rect l="l" t="t" r="r" b="b"/>
-            <a:pathLst>
-              <a:path>
-                <a:moveTo>
-                  <a:pt x="0" y="0"/>
-                </a:moveTo>
-                <a:lnTo>
-                  <a:pt x="0" y="0"/>
-                </a:lnTo>
-                <a:lnTo>
-                  <a:pt x="0" y="0"/>
-                </a:lnTo>
-                <a:close/>
-              </a:path>
-            </a:pathLst>
-          </a:custGeom>
-        </p:spPr>
-        <p:style>
-          <a:lnRef idx="2">
-            <a:schemeClr val="accent1">
-              <a:shade val="50000"/>
-            </a:schemeClr>
-          </a:lnRef>
-          <a:fillRef idx="1">
-            <a:schemeClr val="accent1"/>
-          </a:fillRef>
-          <a:effectRef idx="0">
-            <a:schemeClr val="accent1"/>
-          </a:effectRef>
-          <a:fontRef idx="minor">
-            <a:schemeClr val="lt1"/>
-          </a:fontRef>
-        </p:style>
-        <p:txBody>
-          <a:bodyPr rtlCol="0" anchor="ctr"/>
-          <a:lstStyle/>
-          <a:p>
-            <a:pPr algn="ctr"/>
-            <a:endParaRPr lang="en-US"/>
-          </a:p>
-        </p:txBody>
-      </p:sp>
-      <p:pic>
-        <p:nvPicPr>
-          <p:cNvPr id="48" name="Picture 2">
-            <a:extLst>
-              <a:ext uri="{FF2B5EF4-FFF2-40B4-BE49-F238E27FC236}">
-                <a16:creationId xmlns:a16="http://schemas.microsoft.com/office/drawing/2014/main" id="{194C239C-3C89-7D15-CD40-AF0339E736D4}"/>
-              </a:ext>
-            </a:extLst>
-          </p:cNvPr>
-          <p:cNvPicPr>
-            <a:picLocks noChangeAspect="1" noChangeArrowheads="1"/>
-          </p:cNvPicPr>
-          <p:nvPr/>
-        </p:nvPicPr>
-        <p:blipFill rotWithShape="1">
-          <a:blip r:embed="rId8">
-            <a:extLst>
-              <a:ext uri="{28A0092B-C50C-407E-A947-70E740481C1C}">
-                <a14:useLocalDpi xmlns:a14="http://schemas.microsoft.com/office/drawing/2010/main" val="0"/>
-              </a:ext>
-            </a:extLst>
-          </a:blip>
-          <a:srcRect l="62934" t="20836" r="12946"/>
-          <a:stretch/>
-        </p:blipFill>
-        <p:spPr bwMode="auto">
-          <a:xfrm>
-            <a:off x="3428834" y="4055107"/>
-            <a:ext cx="1280429" cy="4926341"/>
-          </a:xfrm>
-          <a:prstGeom prst="rect">
-            <a:avLst/>
-          </a:prstGeom>
-          <a:noFill/>
-          <a:extLst>
-            <a:ext uri="{909E8E84-426E-40DD-AFC4-6F175D3DCCD1}">
-              <a14:hiddenFill xmlns:a14="http://schemas.microsoft.com/office/drawing/2010/main">
-                <a:solidFill>
-                  <a:srgbClr val="FFFFFF"/>
-                </a:solidFill>
-              </a14:hiddenFill>
-            </a:ext>
-          </a:extLst>
+            <a:off x="2148696" y="3337740"/>
+            <a:ext cx="1288810" cy="908257"/>
+          </a:xfrm>
+          <a:prstGeom prst="rect">
+            <a:avLst/>
+          </a:prstGeom>
         </p:spPr>
       </p:pic>
       <p:pic>
         <p:nvPicPr>
-          <p:cNvPr id="51" name="Picture 50" descr="A screen shot of a graph&#10;&#10;Description automatically generated">
-            <a:extLst>
-              <a:ext uri="{FF2B5EF4-FFF2-40B4-BE49-F238E27FC236}">
-                <a16:creationId xmlns:a16="http://schemas.microsoft.com/office/drawing/2014/main" id="{68F918F9-CBAA-9CB5-0A57-55CFF9A6519C}"/>
+          <p:cNvPr id="9" name="Picture 8" descr="A screen shot of a graph&#10;&#10;Description automatically generated">
+            <a:extLst>
+              <a:ext uri="{FF2B5EF4-FFF2-40B4-BE49-F238E27FC236}">
+                <a16:creationId xmlns:a16="http://schemas.microsoft.com/office/drawing/2014/main" id="{0E059C77-78D2-7F26-6908-D009B61605FE}"/>
               </a:ext>
             </a:extLst>
           </p:cNvPr>
@@ -5175,14 +5252,14 @@
           <p:nvPr/>
         </p:nvPicPr>
         <p:blipFill rotWithShape="1">
-          <a:blip r:embed="rId9"/>
-          <a:srcRect l="29890" t="10958" b="83818"/>
+          <a:blip r:embed="rId6"/>
+          <a:srcRect l="29385" b="84489"/>
           <a:stretch/>
         </p:blipFill>
         <p:spPr>
           <a:xfrm>
-            <a:off x="3460270" y="3663077"/>
-            <a:ext cx="1282154" cy="286616"/>
+            <a:off x="3376621" y="3068884"/>
+            <a:ext cx="1291407" cy="851043"/>
           </a:xfrm>
           <a:prstGeom prst="rect">
             <a:avLst/>
@@ -5191,10 +5268,10 @@
       </p:pic>
       <p:pic>
         <p:nvPicPr>
-          <p:cNvPr id="61" name="Picture 60">
-            <a:extLst>
-              <a:ext uri="{FF2B5EF4-FFF2-40B4-BE49-F238E27FC236}">
-                <a16:creationId xmlns:a16="http://schemas.microsoft.com/office/drawing/2014/main" id="{EFFCA202-A12B-3FFB-9A81-1A470D991C27}"/>
+          <p:cNvPr id="10" name="Picture 9" descr="A graph of a graph&#10;&#10;Description automatically generated">
+            <a:extLst>
+              <a:ext uri="{FF2B5EF4-FFF2-40B4-BE49-F238E27FC236}">
+                <a16:creationId xmlns:a16="http://schemas.microsoft.com/office/drawing/2014/main" id="{DEC75B8A-1ED5-CEDE-EDED-17DBD0CD87DB}"/>
               </a:ext>
             </a:extLst>
           </p:cNvPr>
@@ -5204,80 +5281,26 @@
           <p:nvPr/>
         </p:nvPicPr>
         <p:blipFill rotWithShape="1">
-          <a:blip r:embed="rId10"/>
-          <a:srcRect b="27188"/>
+          <a:blip r:embed="rId5"/>
+          <a:srcRect l="29527" t="17638" b="51050"/>
           <a:stretch/>
         </p:blipFill>
         <p:spPr>
           <a:xfrm>
-            <a:off x="3725647" y="3896625"/>
-            <a:ext cx="97054" cy="51394"/>
+            <a:off x="2148696" y="4277367"/>
+            <a:ext cx="1288810" cy="1717916"/>
           </a:xfrm>
           <a:prstGeom prst="rect">
             <a:avLst/>
           </a:prstGeom>
         </p:spPr>
       </p:pic>
-      <p:sp>
-        <p:nvSpPr>
-          <p:cNvPr id="62" name="Rectangle 61">
-            <a:extLst>
-              <a:ext uri="{FF2B5EF4-FFF2-40B4-BE49-F238E27FC236}">
-                <a16:creationId xmlns:a16="http://schemas.microsoft.com/office/drawing/2014/main" id="{9BFA9A8D-09E7-E885-25B2-BB960CE01DE8}"/>
-              </a:ext>
-            </a:extLst>
-          </p:cNvPr>
-          <p:cNvSpPr/>
-          <p:nvPr/>
-        </p:nvSpPr>
-        <p:spPr>
-          <a:xfrm>
-            <a:off x="3782796" y="3948019"/>
-            <a:ext cx="45719" cy="45719"/>
-          </a:xfrm>
-          <a:prstGeom prst="rect">
-            <a:avLst/>
-          </a:prstGeom>
-          <a:solidFill>
-            <a:schemeClr val="bg1"/>
-          </a:solidFill>
-          <a:ln>
-            <a:solidFill>
-              <a:schemeClr val="bg1"/>
-            </a:solidFill>
-          </a:ln>
-        </p:spPr>
-        <p:style>
-          <a:lnRef idx="2">
-            <a:schemeClr val="accent1">
-              <a:shade val="50000"/>
-            </a:schemeClr>
-          </a:lnRef>
-          <a:fillRef idx="1">
-            <a:schemeClr val="accent1"/>
-          </a:fillRef>
-          <a:effectRef idx="0">
-            <a:schemeClr val="accent1"/>
-          </a:effectRef>
-          <a:fontRef idx="minor">
-            <a:schemeClr val="lt1"/>
-          </a:fontRef>
-        </p:style>
-        <p:txBody>
-          <a:bodyPr rtlCol="0" anchor="ctr"/>
-          <a:lstStyle/>
-          <a:p>
-            <a:pPr algn="ctr"/>
-            <a:endParaRPr lang="en-US"/>
-          </a:p>
-        </p:txBody>
-      </p:sp>
       <p:pic>
         <p:nvPicPr>
-          <p:cNvPr id="4" name="Picture 3" descr="A graph on a screen&#10;&#10;Description automatically generated">
-            <a:extLst>
-              <a:ext uri="{FF2B5EF4-FFF2-40B4-BE49-F238E27FC236}">
-                <a16:creationId xmlns:a16="http://schemas.microsoft.com/office/drawing/2014/main" id="{6A68F991-CF3B-4617-9674-292C649EA230}"/>
+          <p:cNvPr id="11" name="Picture 10" descr="A graph of a graph&#10;&#10;Description automatically generated">
+            <a:extLst>
+              <a:ext uri="{FF2B5EF4-FFF2-40B4-BE49-F238E27FC236}">
+                <a16:creationId xmlns:a16="http://schemas.microsoft.com/office/drawing/2014/main" id="{617CF362-260E-2092-FF63-77DC0F428553}"/>
               </a:ext>
             </a:extLst>
           </p:cNvPr>
@@ -5287,20 +5310,374 @@
           <p:nvPr/>
         </p:nvPicPr>
         <p:blipFill rotWithShape="1">
-          <a:blip r:embed="rId11"/>
-          <a:srcRect l="29914" b="88228"/>
+          <a:blip r:embed="rId5"/>
+          <a:srcRect l="29527" t="48813" b="5765"/>
           <a:stretch/>
         </p:blipFill>
         <p:spPr>
           <a:xfrm>
-            <a:off x="2169017" y="3348498"/>
-            <a:ext cx="1281734" cy="645872"/>
+            <a:off x="2148696" y="6000960"/>
+            <a:ext cx="1288810" cy="2492010"/>
           </a:xfrm>
           <a:prstGeom prst="rect">
             <a:avLst/>
           </a:prstGeom>
         </p:spPr>
       </p:pic>
+      <p:pic>
+        <p:nvPicPr>
+          <p:cNvPr id="12" name="Picture 11" descr="A graph on a screen&#10;&#10;Description automatically generated">
+            <a:extLst>
+              <a:ext uri="{FF2B5EF4-FFF2-40B4-BE49-F238E27FC236}">
+                <a16:creationId xmlns:a16="http://schemas.microsoft.com/office/drawing/2014/main" id="{8DF874B3-5879-EA2B-9E71-AAA5CF84D0BE}"/>
+              </a:ext>
+            </a:extLst>
+          </p:cNvPr>
+          <p:cNvPicPr>
+            <a:picLocks noChangeAspect="1"/>
+          </p:cNvPicPr>
+          <p:nvPr/>
+        </p:nvPicPr>
+        <p:blipFill rotWithShape="1">
+          <a:blip r:embed="rId4"/>
+          <a:srcRect l="29527" t="49665" b="28911"/>
+          <a:stretch/>
+        </p:blipFill>
+        <p:spPr>
+          <a:xfrm>
+            <a:off x="928897" y="6012383"/>
+            <a:ext cx="1288810" cy="1175402"/>
+          </a:xfrm>
+          <a:prstGeom prst="rect">
+            <a:avLst/>
+          </a:prstGeom>
+        </p:spPr>
+      </p:pic>
+      <p:pic>
+        <p:nvPicPr>
+          <p:cNvPr id="13" name="Picture 12" descr="A graph on a screen&#10;&#10;Description automatically generated">
+            <a:extLst>
+              <a:ext uri="{FF2B5EF4-FFF2-40B4-BE49-F238E27FC236}">
+                <a16:creationId xmlns:a16="http://schemas.microsoft.com/office/drawing/2014/main" id="{94A00937-87B8-E2FF-CE92-91EDF8B05036}"/>
+              </a:ext>
+            </a:extLst>
+          </p:cNvPr>
+          <p:cNvPicPr>
+            <a:picLocks noChangeAspect="1"/>
+          </p:cNvPicPr>
+          <p:nvPr/>
+        </p:nvPicPr>
+        <p:blipFill rotWithShape="1">
+          <a:blip r:embed="rId4"/>
+          <a:srcRect l="29527" t="70482" b="5765"/>
+          <a:stretch/>
+        </p:blipFill>
+        <p:spPr>
+          <a:xfrm>
+            <a:off x="928897" y="7165909"/>
+            <a:ext cx="1288810" cy="1303125"/>
+          </a:xfrm>
+          <a:prstGeom prst="rect">
+            <a:avLst/>
+          </a:prstGeom>
+        </p:spPr>
+      </p:pic>
+      <p:pic>
+        <p:nvPicPr>
+          <p:cNvPr id="14" name="Picture 13" descr="A screen shot of a graph&#10;&#10;Description automatically generated">
+            <a:extLst>
+              <a:ext uri="{FF2B5EF4-FFF2-40B4-BE49-F238E27FC236}">
+                <a16:creationId xmlns:a16="http://schemas.microsoft.com/office/drawing/2014/main" id="{2C5EA244-E8F5-53DA-9988-6C1445370066}"/>
+              </a:ext>
+            </a:extLst>
+          </p:cNvPr>
+          <p:cNvPicPr>
+            <a:picLocks noChangeAspect="1"/>
+          </p:cNvPicPr>
+          <p:nvPr/>
+        </p:nvPicPr>
+        <p:blipFill rotWithShape="1">
+          <a:blip r:embed="rId6"/>
+          <a:srcRect l="29385" t="15296" b="68037"/>
+          <a:stretch/>
+        </p:blipFill>
+        <p:spPr>
+          <a:xfrm>
+            <a:off x="3376621" y="3934917"/>
+            <a:ext cx="1291407" cy="914401"/>
+          </a:xfrm>
+          <a:prstGeom prst="rect">
+            <a:avLst/>
+          </a:prstGeom>
+        </p:spPr>
+      </p:pic>
+      <p:pic>
+        <p:nvPicPr>
+          <p:cNvPr id="15" name="Picture 14" descr="A screen shot of a graph&#10;&#10;Description automatically generated">
+            <a:extLst>
+              <a:ext uri="{FF2B5EF4-FFF2-40B4-BE49-F238E27FC236}">
+                <a16:creationId xmlns:a16="http://schemas.microsoft.com/office/drawing/2014/main" id="{655106CE-2A06-B3FF-1258-765D05DD3316}"/>
+              </a:ext>
+            </a:extLst>
+          </p:cNvPr>
+          <p:cNvPicPr>
+            <a:picLocks noChangeAspect="1"/>
+          </p:cNvPicPr>
+          <p:nvPr/>
+        </p:nvPicPr>
+        <p:blipFill rotWithShape="1">
+          <a:blip r:embed="rId6"/>
+          <a:srcRect l="29385" t="31211" b="48006"/>
+          <a:stretch/>
+        </p:blipFill>
+        <p:spPr>
+          <a:xfrm>
+            <a:off x="3376620" y="4840792"/>
+            <a:ext cx="1291407" cy="1140220"/>
+          </a:xfrm>
+          <a:prstGeom prst="rect">
+            <a:avLst/>
+          </a:prstGeom>
+        </p:spPr>
+      </p:pic>
+      <p:pic>
+        <p:nvPicPr>
+          <p:cNvPr id="16" name="Picture 15" descr="A screen shot of a graph&#10;&#10;Description automatically generated">
+            <a:extLst>
+              <a:ext uri="{FF2B5EF4-FFF2-40B4-BE49-F238E27FC236}">
+                <a16:creationId xmlns:a16="http://schemas.microsoft.com/office/drawing/2014/main" id="{743A500D-B130-D7F9-8CD2-01B7BA0D497E}"/>
+              </a:ext>
+            </a:extLst>
+          </p:cNvPr>
+          <p:cNvPicPr>
+            <a:picLocks noChangeAspect="1"/>
+          </p:cNvPicPr>
+          <p:nvPr/>
+        </p:nvPicPr>
+        <p:blipFill rotWithShape="1">
+          <a:blip r:embed="rId6"/>
+          <a:srcRect l="29385" t="50994" b="37100"/>
+          <a:stretch/>
+        </p:blipFill>
+        <p:spPr>
+          <a:xfrm>
+            <a:off x="3376620" y="5987187"/>
+            <a:ext cx="1291407" cy="653218"/>
+          </a:xfrm>
+          <a:prstGeom prst="rect">
+            <a:avLst/>
+          </a:prstGeom>
+        </p:spPr>
+      </p:pic>
+      <p:pic>
+        <p:nvPicPr>
+          <p:cNvPr id="17" name="Picture 16" descr="A screen shot of a graph&#10;&#10;Description automatically generated">
+            <a:extLst>
+              <a:ext uri="{FF2B5EF4-FFF2-40B4-BE49-F238E27FC236}">
+                <a16:creationId xmlns:a16="http://schemas.microsoft.com/office/drawing/2014/main" id="{637DD758-0B20-9791-94B4-3F76DEA3B837}"/>
+              </a:ext>
+            </a:extLst>
+          </p:cNvPr>
+          <p:cNvPicPr>
+            <a:picLocks noChangeAspect="1"/>
+          </p:cNvPicPr>
+          <p:nvPr/>
+        </p:nvPicPr>
+        <p:blipFill rotWithShape="1">
+          <a:blip r:embed="rId6"/>
+          <a:srcRect l="29385" t="62014" b="27648"/>
+          <a:stretch/>
+        </p:blipFill>
+        <p:spPr>
+          <a:xfrm>
+            <a:off x="3376619" y="6632432"/>
+            <a:ext cx="1291407" cy="567160"/>
+          </a:xfrm>
+          <a:prstGeom prst="rect">
+            <a:avLst/>
+          </a:prstGeom>
+        </p:spPr>
+      </p:pic>
+      <p:pic>
+        <p:nvPicPr>
+          <p:cNvPr id="22" name="Picture 21" descr="A screen shot of a graph&#10;&#10;Description automatically generated">
+            <a:extLst>
+              <a:ext uri="{FF2B5EF4-FFF2-40B4-BE49-F238E27FC236}">
+                <a16:creationId xmlns:a16="http://schemas.microsoft.com/office/drawing/2014/main" id="{5F7230AB-09EB-A33F-C56F-F84C8371A842}"/>
+              </a:ext>
+            </a:extLst>
+          </p:cNvPr>
+          <p:cNvPicPr>
+            <a:picLocks noChangeAspect="1"/>
+          </p:cNvPicPr>
+          <p:nvPr/>
+        </p:nvPicPr>
+        <p:blipFill rotWithShape="1">
+          <a:blip r:embed="rId6"/>
+          <a:srcRect l="29385" t="71714" b="17623"/>
+          <a:stretch/>
+        </p:blipFill>
+        <p:spPr>
+          <a:xfrm>
+            <a:off x="3376619" y="7201349"/>
+            <a:ext cx="1291407" cy="585021"/>
+          </a:xfrm>
+          <a:prstGeom prst="rect">
+            <a:avLst/>
+          </a:prstGeom>
+        </p:spPr>
+      </p:pic>
+      <p:pic>
+        <p:nvPicPr>
+          <p:cNvPr id="27" name="Picture 26" descr="A screen shot of a graph&#10;&#10;Description automatically generated">
+            <a:extLst>
+              <a:ext uri="{FF2B5EF4-FFF2-40B4-BE49-F238E27FC236}">
+                <a16:creationId xmlns:a16="http://schemas.microsoft.com/office/drawing/2014/main" id="{430A004A-9647-384A-4C3C-AD581855C07B}"/>
+              </a:ext>
+            </a:extLst>
+          </p:cNvPr>
+          <p:cNvPicPr>
+            <a:picLocks noChangeAspect="1"/>
+          </p:cNvPicPr>
+          <p:nvPr/>
+        </p:nvPicPr>
+        <p:blipFill rotWithShape="1">
+          <a:blip r:embed="rId6"/>
+          <a:srcRect l="29385" t="82041" b="5764"/>
+          <a:stretch/>
+        </p:blipFill>
+        <p:spPr>
+          <a:xfrm>
+            <a:off x="3376618" y="7792807"/>
+            <a:ext cx="1291407" cy="669076"/>
+          </a:xfrm>
+          <a:prstGeom prst="rect">
+            <a:avLst/>
+          </a:prstGeom>
+        </p:spPr>
+      </p:pic>
+      <p:pic>
+        <p:nvPicPr>
+          <p:cNvPr id="2" name="Picture 1" descr="A picture containing shape&#10;&#10;Description automatically generated">
+            <a:extLst>
+              <a:ext uri="{FF2B5EF4-FFF2-40B4-BE49-F238E27FC236}">
+                <a16:creationId xmlns:a16="http://schemas.microsoft.com/office/drawing/2014/main" id="{D9281F7C-0811-C24E-925A-E504AB190CAA}"/>
+              </a:ext>
+            </a:extLst>
+          </p:cNvPr>
+          <p:cNvPicPr>
+            <a:picLocks noChangeAspect="1"/>
+          </p:cNvPicPr>
+          <p:nvPr/>
+        </p:nvPicPr>
+        <p:blipFill rotWithShape="1">
+          <a:blip r:embed="rId7"/>
+          <a:srcRect l="29659" t="93555" b="2715"/>
+          <a:stretch/>
+        </p:blipFill>
+        <p:spPr>
+          <a:xfrm>
+            <a:off x="932131" y="8417675"/>
+            <a:ext cx="1285576" cy="204513"/>
+          </a:xfrm>
+          <a:prstGeom prst="rect">
+            <a:avLst/>
+          </a:prstGeom>
+        </p:spPr>
+      </p:pic>
+      <p:pic>
+        <p:nvPicPr>
+          <p:cNvPr id="4" name="Picture 3" descr="A picture containing shape&#10;&#10;Description automatically generated">
+            <a:extLst>
+              <a:ext uri="{FF2B5EF4-FFF2-40B4-BE49-F238E27FC236}">
+                <a16:creationId xmlns:a16="http://schemas.microsoft.com/office/drawing/2014/main" id="{AD10E45B-4B73-C641-22D1-8227B329D40A}"/>
+              </a:ext>
+            </a:extLst>
+          </p:cNvPr>
+          <p:cNvPicPr>
+            <a:picLocks noChangeAspect="1"/>
+          </p:cNvPicPr>
+          <p:nvPr/>
+        </p:nvPicPr>
+        <p:blipFill rotWithShape="1">
+          <a:blip r:embed="rId7"/>
+          <a:srcRect l="29659" t="93555" b="2715"/>
+          <a:stretch/>
+        </p:blipFill>
+        <p:spPr>
+          <a:xfrm>
+            <a:off x="2154375" y="8415789"/>
+            <a:ext cx="1285576" cy="204513"/>
+          </a:xfrm>
+          <a:prstGeom prst="rect">
+            <a:avLst/>
+          </a:prstGeom>
+        </p:spPr>
+      </p:pic>
+      <p:pic>
+        <p:nvPicPr>
+          <p:cNvPr id="5" name="Picture 4" descr="A picture containing shape&#10;&#10;Description automatically generated">
+            <a:extLst>
+              <a:ext uri="{FF2B5EF4-FFF2-40B4-BE49-F238E27FC236}">
+                <a16:creationId xmlns:a16="http://schemas.microsoft.com/office/drawing/2014/main" id="{17D352E8-0168-8143-F858-863630AF0C67}"/>
+              </a:ext>
+            </a:extLst>
+          </p:cNvPr>
+          <p:cNvPicPr>
+            <a:picLocks noChangeAspect="1"/>
+          </p:cNvPicPr>
+          <p:nvPr/>
+        </p:nvPicPr>
+        <p:blipFill rotWithShape="1">
+          <a:blip r:embed="rId7"/>
+          <a:srcRect l="29659" t="93555" b="2715"/>
+          <a:stretch/>
+        </p:blipFill>
+        <p:spPr>
+          <a:xfrm>
+            <a:off x="3379533" y="8410967"/>
+            <a:ext cx="1285576" cy="204513"/>
+          </a:xfrm>
+          <a:prstGeom prst="rect">
+            <a:avLst/>
+          </a:prstGeom>
+        </p:spPr>
+      </p:pic>
+      <p:sp>
+        <p:nvSpPr>
+          <p:cNvPr id="7" name="TextBox 6">
+            <a:extLst>
+              <a:ext uri="{FF2B5EF4-FFF2-40B4-BE49-F238E27FC236}">
+                <a16:creationId xmlns:a16="http://schemas.microsoft.com/office/drawing/2014/main" id="{83B27066-11B4-B681-0A32-EA85C6F6AD0E}"/>
+              </a:ext>
+            </a:extLst>
+          </p:cNvPr>
+          <p:cNvSpPr txBox="1"/>
+          <p:nvPr/>
+        </p:nvSpPr>
+        <p:spPr>
+          <a:xfrm>
+            <a:off x="928897" y="164921"/>
+            <a:ext cx="4702976" cy="369332"/>
+          </a:xfrm>
+          <a:prstGeom prst="rect">
+            <a:avLst/>
+          </a:prstGeom>
+          <a:noFill/>
+        </p:spPr>
+        <p:txBody>
+          <a:bodyPr wrap="square" rtlCol="0">
+            <a:spAutoFit/>
+          </a:bodyPr>
+          <a:lstStyle/>
+          <a:p>
+            <a:r>
+              <a:rPr lang="en-US" dirty="0"/>
+              <a:t>Version: 07/22/2023</a:t>
+            </a:r>
+          </a:p>
+        </p:txBody>
+      </p:sp>
     </p:spTree>
     <p:extLst>
       <p:ext uri="{BB962C8B-B14F-4D97-AF65-F5344CB8AC3E}">
@@ -5333,10 +5710,10 @@
       </p:grpSpPr>
       <p:pic>
         <p:nvPicPr>
-          <p:cNvPr id="1026" name="Picture 2">
-            <a:extLst>
-              <a:ext uri="{FF2B5EF4-FFF2-40B4-BE49-F238E27FC236}">
-                <a16:creationId xmlns:a16="http://schemas.microsoft.com/office/drawing/2014/main" id="{B6035E56-6F85-14B8-F7EA-FD5E29F5A999}"/>
+          <p:cNvPr id="40" name="Picture 2">
+            <a:extLst>
+              <a:ext uri="{FF2B5EF4-FFF2-40B4-BE49-F238E27FC236}">
+                <a16:creationId xmlns:a16="http://schemas.microsoft.com/office/drawing/2014/main" id="{2EBC9730-2233-A9CB-5747-CB746B169249}"/>
               </a:ext>
             </a:extLst>
           </p:cNvPr>
@@ -5345,7 +5722,7 @@
           </p:cNvPicPr>
           <p:nvPr/>
         </p:nvPicPr>
-        <p:blipFill>
+        <p:blipFill rotWithShape="1">
           <a:blip r:embed="rId3">
             <a:extLst>
               <a:ext uri="{28A0092B-C50C-407E-A947-70E740481C1C}">
@@ -5353,15 +5730,13 @@
               </a:ext>
             </a:extLst>
           </a:blip>
-          <a:srcRect/>
-          <a:stretch>
-            <a:fillRect/>
-          </a:stretch>
+          <a:srcRect r="83393" b="8872"/>
+          <a:stretch/>
         </p:blipFill>
         <p:spPr bwMode="auto">
           <a:xfrm>
-            <a:off x="646881" y="2856680"/>
-            <a:ext cx="5308600" cy="6223000"/>
+            <a:off x="89461" y="2860534"/>
+            <a:ext cx="839436" cy="5555182"/>
           </a:xfrm>
           <a:prstGeom prst="rect">
             <a:avLst/>
@@ -5378,10 +5753,834 @@
           </a:extLst>
         </p:spPr>
       </p:pic>
+      <p:pic>
+        <p:nvPicPr>
+          <p:cNvPr id="41" name="Picture 2">
+            <a:extLst>
+              <a:ext uri="{FF2B5EF4-FFF2-40B4-BE49-F238E27FC236}">
+                <a16:creationId xmlns:a16="http://schemas.microsoft.com/office/drawing/2014/main" id="{17959F95-005B-4F33-D55D-A120FE4C0FFB}"/>
+              </a:ext>
+            </a:extLst>
+          </p:cNvPr>
+          <p:cNvPicPr>
+            <a:picLocks noChangeAspect="1" noChangeArrowheads="1"/>
+          </p:cNvPicPr>
+          <p:nvPr/>
+        </p:nvPicPr>
+        <p:blipFill rotWithShape="1">
+          <a:blip r:embed="rId3">
+            <a:extLst>
+              <a:ext uri="{28A0092B-C50C-407E-A947-70E740481C1C}">
+                <a14:useLocalDpi xmlns:a14="http://schemas.microsoft.com/office/drawing/2010/main" val="0"/>
+              </a:ext>
+            </a:extLst>
+          </a:blip>
+          <a:srcRect l="91735" t="10230" r="323" b="10354"/>
+          <a:stretch/>
+        </p:blipFill>
+        <p:spPr bwMode="auto">
+          <a:xfrm>
+            <a:off x="4788815" y="3476239"/>
+            <a:ext cx="401348" cy="4841190"/>
+          </a:xfrm>
+          <a:prstGeom prst="rect">
+            <a:avLst/>
+          </a:prstGeom>
+          <a:noFill/>
+          <a:extLst>
+            <a:ext uri="{909E8E84-426E-40DD-AFC4-6F175D3DCCD1}">
+              <a14:hiddenFill xmlns:a14="http://schemas.microsoft.com/office/drawing/2010/main">
+                <a:solidFill>
+                  <a:srgbClr val="FFFFFF"/>
+                </a:solidFill>
+              </a14:hiddenFill>
+            </a:ext>
+          </a:extLst>
+        </p:spPr>
+      </p:pic>
+      <p:sp>
+        <p:nvSpPr>
+          <p:cNvPr id="42" name="TextBox 41">
+            <a:extLst>
+              <a:ext uri="{FF2B5EF4-FFF2-40B4-BE49-F238E27FC236}">
+                <a16:creationId xmlns:a16="http://schemas.microsoft.com/office/drawing/2014/main" id="{0BD4FCAB-BF06-7F18-DBEB-16D1D0A8A3C6}"/>
+              </a:ext>
+            </a:extLst>
+          </p:cNvPr>
+          <p:cNvSpPr txBox="1"/>
+          <p:nvPr/>
+        </p:nvSpPr>
+        <p:spPr>
+          <a:xfrm>
+            <a:off x="4569723" y="3199241"/>
+            <a:ext cx="532325" cy="276999"/>
+          </a:xfrm>
+          <a:prstGeom prst="rect">
+            <a:avLst/>
+          </a:prstGeom>
+          <a:noFill/>
+        </p:spPr>
+        <p:txBody>
+          <a:bodyPr wrap="none" rtlCol="0">
+            <a:spAutoFit/>
+          </a:bodyPr>
+          <a:lstStyle/>
+          <a:p>
+            <a:r>
+              <a:rPr lang="en-US" sz="1200" b="1" dirty="0">
+                <a:latin typeface="Arial" panose="020B0604020202020204" pitchFamily="34" charset="0"/>
+                <a:cs typeface="Arial" panose="020B0604020202020204" pitchFamily="34" charset="0"/>
+              </a:rPr>
+              <a:t>Type</a:t>
+            </a:r>
+            <a:endParaRPr lang="en-US" sz="1100" b="1" dirty="0">
+              <a:latin typeface="Arial" panose="020B0604020202020204" pitchFamily="34" charset="0"/>
+              <a:cs typeface="Arial" panose="020B0604020202020204" pitchFamily="34" charset="0"/>
+            </a:endParaRPr>
+          </a:p>
+        </p:txBody>
+      </p:sp>
+      <p:pic>
+        <p:nvPicPr>
+          <p:cNvPr id="43" name="Picture 42">
+            <a:extLst>
+              <a:ext uri="{FF2B5EF4-FFF2-40B4-BE49-F238E27FC236}">
+                <a16:creationId xmlns:a16="http://schemas.microsoft.com/office/drawing/2014/main" id="{80B9A0B2-AC57-2DA6-EAD5-09225665EAA3}"/>
+              </a:ext>
+            </a:extLst>
+          </p:cNvPr>
+          <p:cNvPicPr>
+            <a:picLocks noChangeAspect="1" noChangeArrowheads="1"/>
+          </p:cNvPicPr>
+          <p:nvPr/>
+        </p:nvPicPr>
+        <p:blipFill rotWithShape="1">
+          <a:blip r:embed="rId3">
+            <a:extLst>
+              <a:ext uri="{28A0092B-C50C-407E-A947-70E740481C1C}">
+                <a14:useLocalDpi xmlns:a14="http://schemas.microsoft.com/office/drawing/2010/main" val="0"/>
+              </a:ext>
+            </a:extLst>
+          </a:blip>
+          <a:srcRect t="95642"/>
+          <a:stretch/>
+        </p:blipFill>
+        <p:spPr bwMode="auto">
+          <a:xfrm>
+            <a:off x="0" y="8715761"/>
+            <a:ext cx="5054600" cy="265687"/>
+          </a:xfrm>
+          <a:prstGeom prst="rect">
+            <a:avLst/>
+          </a:prstGeom>
+          <a:noFill/>
+          <a:extLst>
+            <a:ext uri="{909E8E84-426E-40DD-AFC4-6F175D3DCCD1}">
+              <a14:hiddenFill xmlns:a14="http://schemas.microsoft.com/office/drawing/2010/main">
+                <a:solidFill>
+                  <a:srgbClr val="FFFFFF"/>
+                </a:solidFill>
+              </a14:hiddenFill>
+            </a:ext>
+          </a:extLst>
+        </p:spPr>
+      </p:pic>
+      <p:pic>
+        <p:nvPicPr>
+          <p:cNvPr id="44" name="Picture 4">
+            <a:extLst>
+              <a:ext uri="{FF2B5EF4-FFF2-40B4-BE49-F238E27FC236}">
+                <a16:creationId xmlns:a16="http://schemas.microsoft.com/office/drawing/2014/main" id="{B38FA3D6-7356-5A1E-F568-3D84770F9CEC}"/>
+              </a:ext>
+            </a:extLst>
+          </p:cNvPr>
+          <p:cNvPicPr>
+            <a:picLocks noChangeAspect="1" noChangeArrowheads="1"/>
+          </p:cNvPicPr>
+          <p:nvPr/>
+        </p:nvPicPr>
+        <p:blipFill rotWithShape="1">
+          <a:blip r:embed="rId3">
+            <a:extLst>
+              <a:ext uri="{28A0092B-C50C-407E-A947-70E740481C1C}">
+                <a14:useLocalDpi xmlns:a14="http://schemas.microsoft.com/office/drawing/2010/main" val="0"/>
+              </a:ext>
+            </a:extLst>
+          </a:blip>
+          <a:srcRect b="95045"/>
+          <a:stretch/>
+        </p:blipFill>
+        <p:spPr bwMode="auto">
+          <a:xfrm>
+            <a:off x="90229" y="2845246"/>
+            <a:ext cx="5054600" cy="302102"/>
+          </a:xfrm>
+          <a:prstGeom prst="rect">
+            <a:avLst/>
+          </a:prstGeom>
+          <a:noFill/>
+          <a:extLst>
+            <a:ext uri="{909E8E84-426E-40DD-AFC4-6F175D3DCCD1}">
+              <a14:hiddenFill xmlns:a14="http://schemas.microsoft.com/office/drawing/2010/main">
+                <a:solidFill>
+                  <a:srgbClr val="FFFFFF"/>
+                </a:solidFill>
+              </a14:hiddenFill>
+            </a:ext>
+          </a:extLst>
+        </p:spPr>
+      </p:pic>
+      <p:pic>
+        <p:nvPicPr>
+          <p:cNvPr id="9" name="Picture 8" descr="A screen shot of a graph&#10;&#10;Description automatically generated">
+            <a:extLst>
+              <a:ext uri="{FF2B5EF4-FFF2-40B4-BE49-F238E27FC236}">
+                <a16:creationId xmlns:a16="http://schemas.microsoft.com/office/drawing/2014/main" id="{0E059C77-78D2-7F26-6908-D009B61605FE}"/>
+              </a:ext>
+            </a:extLst>
+          </p:cNvPr>
+          <p:cNvPicPr>
+            <a:picLocks noChangeAspect="1"/>
+          </p:cNvPicPr>
+          <p:nvPr/>
+        </p:nvPicPr>
+        <p:blipFill rotWithShape="1">
+          <a:blip r:embed="rId4"/>
+          <a:srcRect l="29385" b="84489"/>
+          <a:stretch/>
+        </p:blipFill>
+        <p:spPr>
+          <a:xfrm>
+            <a:off x="3376621" y="3068884"/>
+            <a:ext cx="1291407" cy="851043"/>
+          </a:xfrm>
+          <a:prstGeom prst="rect">
+            <a:avLst/>
+          </a:prstGeom>
+        </p:spPr>
+      </p:pic>
+      <p:pic>
+        <p:nvPicPr>
+          <p:cNvPr id="14" name="Picture 13" descr="A screen shot of a graph&#10;&#10;Description automatically generated">
+            <a:extLst>
+              <a:ext uri="{FF2B5EF4-FFF2-40B4-BE49-F238E27FC236}">
+                <a16:creationId xmlns:a16="http://schemas.microsoft.com/office/drawing/2014/main" id="{2C5EA244-E8F5-53DA-9988-6C1445370066}"/>
+              </a:ext>
+            </a:extLst>
+          </p:cNvPr>
+          <p:cNvPicPr>
+            <a:picLocks noChangeAspect="1"/>
+          </p:cNvPicPr>
+          <p:nvPr/>
+        </p:nvPicPr>
+        <p:blipFill rotWithShape="1">
+          <a:blip r:embed="rId4"/>
+          <a:srcRect l="29385" t="15296" b="68037"/>
+          <a:stretch/>
+        </p:blipFill>
+        <p:spPr>
+          <a:xfrm>
+            <a:off x="3376621" y="3934917"/>
+            <a:ext cx="1291407" cy="914401"/>
+          </a:xfrm>
+          <a:prstGeom prst="rect">
+            <a:avLst/>
+          </a:prstGeom>
+        </p:spPr>
+      </p:pic>
+      <p:pic>
+        <p:nvPicPr>
+          <p:cNvPr id="2" name="Picture 1" descr="A picture containing shape&#10;&#10;Description automatically generated">
+            <a:extLst>
+              <a:ext uri="{FF2B5EF4-FFF2-40B4-BE49-F238E27FC236}">
+                <a16:creationId xmlns:a16="http://schemas.microsoft.com/office/drawing/2014/main" id="{D9281F7C-0811-C24E-925A-E504AB190CAA}"/>
+              </a:ext>
+            </a:extLst>
+          </p:cNvPr>
+          <p:cNvPicPr>
+            <a:picLocks noChangeAspect="1"/>
+          </p:cNvPicPr>
+          <p:nvPr/>
+        </p:nvPicPr>
+        <p:blipFill rotWithShape="1">
+          <a:blip r:embed="rId5"/>
+          <a:srcRect l="29659" t="93555" b="2715"/>
+          <a:stretch/>
+        </p:blipFill>
+        <p:spPr>
+          <a:xfrm>
+            <a:off x="925407" y="8417675"/>
+            <a:ext cx="1285576" cy="204513"/>
+          </a:xfrm>
+          <a:prstGeom prst="rect">
+            <a:avLst/>
+          </a:prstGeom>
+        </p:spPr>
+      </p:pic>
+      <p:pic>
+        <p:nvPicPr>
+          <p:cNvPr id="4" name="Picture 3" descr="A picture containing shape&#10;&#10;Description automatically generated">
+            <a:extLst>
+              <a:ext uri="{FF2B5EF4-FFF2-40B4-BE49-F238E27FC236}">
+                <a16:creationId xmlns:a16="http://schemas.microsoft.com/office/drawing/2014/main" id="{AD10E45B-4B73-C641-22D1-8227B329D40A}"/>
+              </a:ext>
+            </a:extLst>
+          </p:cNvPr>
+          <p:cNvPicPr>
+            <a:picLocks noChangeAspect="1"/>
+          </p:cNvPicPr>
+          <p:nvPr/>
+        </p:nvPicPr>
+        <p:blipFill rotWithShape="1">
+          <a:blip r:embed="rId5"/>
+          <a:srcRect l="29659" t="93555" b="2715"/>
+          <a:stretch/>
+        </p:blipFill>
+        <p:spPr>
+          <a:xfrm>
+            <a:off x="2147651" y="8415789"/>
+            <a:ext cx="1285576" cy="204513"/>
+          </a:xfrm>
+          <a:prstGeom prst="rect">
+            <a:avLst/>
+          </a:prstGeom>
+        </p:spPr>
+      </p:pic>
+      <p:pic>
+        <p:nvPicPr>
+          <p:cNvPr id="5" name="Picture 4" descr="A picture containing shape&#10;&#10;Description automatically generated">
+            <a:extLst>
+              <a:ext uri="{FF2B5EF4-FFF2-40B4-BE49-F238E27FC236}">
+                <a16:creationId xmlns:a16="http://schemas.microsoft.com/office/drawing/2014/main" id="{17D352E8-0168-8143-F858-863630AF0C67}"/>
+              </a:ext>
+            </a:extLst>
+          </p:cNvPr>
+          <p:cNvPicPr>
+            <a:picLocks noChangeAspect="1"/>
+          </p:cNvPicPr>
+          <p:nvPr/>
+        </p:nvPicPr>
+        <p:blipFill rotWithShape="1">
+          <a:blip r:embed="rId5"/>
+          <a:srcRect l="29659" t="93555" b="2715"/>
+          <a:stretch/>
+        </p:blipFill>
+        <p:spPr>
+          <a:xfrm>
+            <a:off x="3380814" y="8410967"/>
+            <a:ext cx="1285576" cy="204513"/>
+          </a:xfrm>
+          <a:prstGeom prst="rect">
+            <a:avLst/>
+          </a:prstGeom>
+        </p:spPr>
+      </p:pic>
+      <p:sp>
+        <p:nvSpPr>
+          <p:cNvPr id="7" name="TextBox 6">
+            <a:extLst>
+              <a:ext uri="{FF2B5EF4-FFF2-40B4-BE49-F238E27FC236}">
+                <a16:creationId xmlns:a16="http://schemas.microsoft.com/office/drawing/2014/main" id="{AA4AA6FB-6167-786D-6475-D236CBBF9A6A}"/>
+              </a:ext>
+            </a:extLst>
+          </p:cNvPr>
+          <p:cNvSpPr txBox="1"/>
+          <p:nvPr/>
+        </p:nvSpPr>
+        <p:spPr>
+          <a:xfrm>
+            <a:off x="928897" y="166255"/>
+            <a:ext cx="4702976" cy="369332"/>
+          </a:xfrm>
+          <a:prstGeom prst="rect">
+            <a:avLst/>
+          </a:prstGeom>
+          <a:noFill/>
+        </p:spPr>
+        <p:txBody>
+          <a:bodyPr wrap="square" rtlCol="0">
+            <a:spAutoFit/>
+          </a:bodyPr>
+          <a:lstStyle/>
+          <a:p>
+            <a:r>
+              <a:rPr lang="en-US" dirty="0"/>
+              <a:t>Version: 07/24/2023</a:t>
+            </a:r>
+          </a:p>
+        </p:txBody>
+      </p:sp>
+      <p:pic>
+        <p:nvPicPr>
+          <p:cNvPr id="18" name="Picture 17" descr="A screen shot of a graph&#10;&#10;Description automatically generated">
+            <a:extLst>
+              <a:ext uri="{FF2B5EF4-FFF2-40B4-BE49-F238E27FC236}">
+                <a16:creationId xmlns:a16="http://schemas.microsoft.com/office/drawing/2014/main" id="{2FB09192-D8A2-A741-321E-EF227924818F}"/>
+              </a:ext>
+            </a:extLst>
+          </p:cNvPr>
+          <p:cNvPicPr>
+            <a:picLocks noChangeAspect="1"/>
+          </p:cNvPicPr>
+          <p:nvPr/>
+        </p:nvPicPr>
+        <p:blipFill rotWithShape="1">
+          <a:blip r:embed="rId6"/>
+          <a:srcRect l="29527" b="66238"/>
+          <a:stretch/>
+        </p:blipFill>
+        <p:spPr>
+          <a:xfrm>
+            <a:off x="928895" y="3249308"/>
+            <a:ext cx="1288811" cy="1852327"/>
+          </a:xfrm>
+          <a:prstGeom prst="rect">
+            <a:avLst/>
+          </a:prstGeom>
+        </p:spPr>
+      </p:pic>
+      <p:pic>
+        <p:nvPicPr>
+          <p:cNvPr id="19" name="Picture 18" descr="A screen shot of a graph&#10;&#10;Description automatically generated">
+            <a:extLst>
+              <a:ext uri="{FF2B5EF4-FFF2-40B4-BE49-F238E27FC236}">
+                <a16:creationId xmlns:a16="http://schemas.microsoft.com/office/drawing/2014/main" id="{A973F833-C488-2180-8320-F5348C02747E}"/>
+              </a:ext>
+            </a:extLst>
+          </p:cNvPr>
+          <p:cNvPicPr>
+            <a:picLocks noChangeAspect="1"/>
+          </p:cNvPicPr>
+          <p:nvPr/>
+        </p:nvPicPr>
+        <p:blipFill rotWithShape="1">
+          <a:blip r:embed="rId6"/>
+          <a:srcRect l="29215" t="33559" b="28980"/>
+          <a:stretch/>
+        </p:blipFill>
+        <p:spPr>
+          <a:xfrm>
+            <a:off x="918173" y="5155379"/>
+            <a:ext cx="1294521" cy="2055232"/>
+          </a:xfrm>
+          <a:prstGeom prst="rect">
+            <a:avLst/>
+          </a:prstGeom>
+        </p:spPr>
+      </p:pic>
+      <p:pic>
+        <p:nvPicPr>
+          <p:cNvPr id="20" name="Picture 2">
+            <a:extLst>
+              <a:ext uri="{FF2B5EF4-FFF2-40B4-BE49-F238E27FC236}">
+                <a16:creationId xmlns:a16="http://schemas.microsoft.com/office/drawing/2014/main" id="{C1B5AD73-57BA-EA22-795E-809A60B75033}"/>
+              </a:ext>
+            </a:extLst>
+          </p:cNvPr>
+          <p:cNvPicPr>
+            <a:picLocks noChangeAspect="1" noChangeArrowheads="1"/>
+          </p:cNvPicPr>
+          <p:nvPr/>
+        </p:nvPicPr>
+        <p:blipFill rotWithShape="1">
+          <a:blip r:embed="rId3">
+            <a:extLst>
+              <a:ext uri="{28A0092B-C50C-407E-A947-70E740481C1C}">
+                <a14:useLocalDpi xmlns:a14="http://schemas.microsoft.com/office/drawing/2010/main" val="0"/>
+              </a:ext>
+            </a:extLst>
+          </a:blip>
+          <a:srcRect t="38474" r="83393" b="56943"/>
+          <a:stretch/>
+        </p:blipFill>
+        <p:spPr bwMode="auto">
+          <a:xfrm>
+            <a:off x="85881" y="6081293"/>
+            <a:ext cx="839436" cy="279401"/>
+          </a:xfrm>
+          <a:prstGeom prst="rect">
+            <a:avLst/>
+          </a:prstGeom>
+          <a:noFill/>
+          <a:extLst>
+            <a:ext uri="{909E8E84-426E-40DD-AFC4-6F175D3DCCD1}">
+              <a14:hiddenFill xmlns:a14="http://schemas.microsoft.com/office/drawing/2010/main">
+                <a:solidFill>
+                  <a:srgbClr val="FFFFFF"/>
+                </a:solidFill>
+              </a14:hiddenFill>
+            </a:ext>
+          </a:extLst>
+        </p:spPr>
+      </p:pic>
+      <p:pic>
+        <p:nvPicPr>
+          <p:cNvPr id="21" name="Picture 2">
+            <a:extLst>
+              <a:ext uri="{FF2B5EF4-FFF2-40B4-BE49-F238E27FC236}">
+                <a16:creationId xmlns:a16="http://schemas.microsoft.com/office/drawing/2014/main" id="{E898C373-0321-EAA1-023C-98AD8A69AF96}"/>
+              </a:ext>
+            </a:extLst>
+          </p:cNvPr>
+          <p:cNvPicPr>
+            <a:picLocks noChangeAspect="1" noChangeArrowheads="1"/>
+          </p:cNvPicPr>
+          <p:nvPr/>
+        </p:nvPicPr>
+        <p:blipFill rotWithShape="1">
+          <a:blip r:embed="rId3">
+            <a:extLst>
+              <a:ext uri="{28A0092B-C50C-407E-A947-70E740481C1C}">
+                <a14:useLocalDpi xmlns:a14="http://schemas.microsoft.com/office/drawing/2010/main" val="0"/>
+              </a:ext>
+            </a:extLst>
+          </a:blip>
+          <a:srcRect t="52919" r="83393" b="42498"/>
+          <a:stretch/>
+        </p:blipFill>
+        <p:spPr bwMode="auto">
+          <a:xfrm>
+            <a:off x="78738" y="5254202"/>
+            <a:ext cx="839436" cy="279400"/>
+          </a:xfrm>
+          <a:prstGeom prst="rect">
+            <a:avLst/>
+          </a:prstGeom>
+          <a:noFill/>
+          <a:extLst>
+            <a:ext uri="{909E8E84-426E-40DD-AFC4-6F175D3DCCD1}">
+              <a14:hiddenFill xmlns:a14="http://schemas.microsoft.com/office/drawing/2010/main">
+                <a:solidFill>
+                  <a:srgbClr val="FFFFFF"/>
+                </a:solidFill>
+              </a14:hiddenFill>
+            </a:ext>
+          </a:extLst>
+        </p:spPr>
+      </p:pic>
+      <p:pic>
+        <p:nvPicPr>
+          <p:cNvPr id="26" name="Picture 25" descr="A graph on a screen&#10;&#10;Description automatically generated">
+            <a:extLst>
+              <a:ext uri="{FF2B5EF4-FFF2-40B4-BE49-F238E27FC236}">
+                <a16:creationId xmlns:a16="http://schemas.microsoft.com/office/drawing/2014/main" id="{5DBB92A5-83B5-B152-CD6D-42186EB4F4A0}"/>
+              </a:ext>
+            </a:extLst>
+          </p:cNvPr>
+          <p:cNvPicPr>
+            <a:picLocks noChangeAspect="1"/>
+          </p:cNvPicPr>
+          <p:nvPr/>
+        </p:nvPicPr>
+        <p:blipFill rotWithShape="1">
+          <a:blip r:embed="rId7"/>
+          <a:srcRect l="29385" b="72936"/>
+          <a:stretch/>
+        </p:blipFill>
+        <p:spPr>
+          <a:xfrm>
+            <a:off x="2148544" y="3335866"/>
+            <a:ext cx="1291408" cy="1484801"/>
+          </a:xfrm>
+          <a:prstGeom prst="rect">
+            <a:avLst/>
+          </a:prstGeom>
+        </p:spPr>
+      </p:pic>
+      <p:pic>
+        <p:nvPicPr>
+          <p:cNvPr id="30" name="Picture 29" descr="A screen shot of a graph&#10;&#10;Description automatically generated">
+            <a:extLst>
+              <a:ext uri="{FF2B5EF4-FFF2-40B4-BE49-F238E27FC236}">
+                <a16:creationId xmlns:a16="http://schemas.microsoft.com/office/drawing/2014/main" id="{901A9AC8-2FB6-B804-5F33-DE645573B1D2}"/>
+              </a:ext>
+            </a:extLst>
+          </p:cNvPr>
+          <p:cNvPicPr>
+            <a:picLocks noChangeAspect="1"/>
+          </p:cNvPicPr>
+          <p:nvPr/>
+        </p:nvPicPr>
+        <p:blipFill rotWithShape="1">
+          <a:blip r:embed="rId6"/>
+          <a:srcRect l="29215" t="70783" b="6390"/>
+          <a:stretch/>
+        </p:blipFill>
+        <p:spPr>
+          <a:xfrm>
+            <a:off x="918172" y="7230736"/>
+            <a:ext cx="1294521" cy="1252346"/>
+          </a:xfrm>
+          <a:prstGeom prst="rect">
+            <a:avLst/>
+          </a:prstGeom>
+        </p:spPr>
+      </p:pic>
+      <p:pic>
+        <p:nvPicPr>
+          <p:cNvPr id="31" name="Picture 30" descr="A graph on a screen&#10;&#10;Description automatically generated">
+            <a:extLst>
+              <a:ext uri="{FF2B5EF4-FFF2-40B4-BE49-F238E27FC236}">
+                <a16:creationId xmlns:a16="http://schemas.microsoft.com/office/drawing/2014/main" id="{7C9D01E4-709B-CC34-7A9F-17E9A5B42687}"/>
+              </a:ext>
+            </a:extLst>
+          </p:cNvPr>
+          <p:cNvPicPr>
+            <a:picLocks noChangeAspect="1"/>
+          </p:cNvPicPr>
+          <p:nvPr/>
+        </p:nvPicPr>
+        <p:blipFill rotWithShape="1">
+          <a:blip r:embed="rId7"/>
+          <a:srcRect l="29385" t="37717" b="6693"/>
+          <a:stretch/>
+        </p:blipFill>
+        <p:spPr>
+          <a:xfrm>
+            <a:off x="2143977" y="5435301"/>
+            <a:ext cx="1291408" cy="3049874"/>
+          </a:xfrm>
+          <a:prstGeom prst="rect">
+            <a:avLst/>
+          </a:prstGeom>
+        </p:spPr>
+      </p:pic>
+      <p:pic>
+        <p:nvPicPr>
+          <p:cNvPr id="32" name="Picture 31" descr="A graph on a screen&#10;&#10;Description automatically generated">
+            <a:extLst>
+              <a:ext uri="{FF2B5EF4-FFF2-40B4-BE49-F238E27FC236}">
+                <a16:creationId xmlns:a16="http://schemas.microsoft.com/office/drawing/2014/main" id="{02903303-E672-A25E-017A-63B87B75140A}"/>
+              </a:ext>
+            </a:extLst>
+          </p:cNvPr>
+          <p:cNvPicPr>
+            <a:picLocks noChangeAspect="1"/>
+          </p:cNvPicPr>
+          <p:nvPr/>
+        </p:nvPicPr>
+        <p:blipFill rotWithShape="1">
+          <a:blip r:embed="rId7"/>
+          <a:srcRect l="29385" t="26994" b="61899"/>
+          <a:stretch/>
+        </p:blipFill>
+        <p:spPr>
+          <a:xfrm>
+            <a:off x="2144735" y="4856939"/>
+            <a:ext cx="1291408" cy="609370"/>
+          </a:xfrm>
+          <a:prstGeom prst="rect">
+            <a:avLst/>
+          </a:prstGeom>
+        </p:spPr>
+      </p:pic>
+      <p:pic>
+        <p:nvPicPr>
+          <p:cNvPr id="35" name="Picture 34" descr="A screen shot of a graph&#10;&#10;Description automatically generated">
+            <a:extLst>
+              <a:ext uri="{FF2B5EF4-FFF2-40B4-BE49-F238E27FC236}">
+                <a16:creationId xmlns:a16="http://schemas.microsoft.com/office/drawing/2014/main" id="{1CE5885D-D725-A863-DD9F-7DD972EC7027}"/>
+              </a:ext>
+            </a:extLst>
+          </p:cNvPr>
+          <p:cNvPicPr>
+            <a:picLocks noChangeAspect="1"/>
+          </p:cNvPicPr>
+          <p:nvPr/>
+        </p:nvPicPr>
+        <p:blipFill rotWithShape="1">
+          <a:blip r:embed="rId8"/>
+          <a:srcRect l="28969" t="61783" b="22669"/>
+          <a:stretch/>
+        </p:blipFill>
+        <p:spPr>
+          <a:xfrm>
+            <a:off x="3369895" y="6700652"/>
+            <a:ext cx="1299018" cy="853035"/>
+          </a:xfrm>
+          <a:prstGeom prst="rect">
+            <a:avLst/>
+          </a:prstGeom>
+        </p:spPr>
+      </p:pic>
+      <p:pic>
+        <p:nvPicPr>
+          <p:cNvPr id="36" name="Picture 35" descr="A screen shot of a graph&#10;&#10;Description automatically generated">
+            <a:extLst>
+              <a:ext uri="{FF2B5EF4-FFF2-40B4-BE49-F238E27FC236}">
+                <a16:creationId xmlns:a16="http://schemas.microsoft.com/office/drawing/2014/main" id="{77EDFA81-9269-226F-56F7-C41F401231E0}"/>
+              </a:ext>
+            </a:extLst>
+          </p:cNvPr>
+          <p:cNvPicPr>
+            <a:picLocks noChangeAspect="1"/>
+          </p:cNvPicPr>
+          <p:nvPr/>
+        </p:nvPicPr>
+        <p:blipFill rotWithShape="1">
+          <a:blip r:embed="rId8"/>
+          <a:srcRect l="29527" t="30987" b="38257"/>
+          <a:stretch/>
+        </p:blipFill>
+        <p:spPr>
+          <a:xfrm>
+            <a:off x="3381740" y="4889368"/>
+            <a:ext cx="1288811" cy="1687384"/>
+          </a:xfrm>
+          <a:prstGeom prst="rect">
+            <a:avLst/>
+          </a:prstGeom>
+        </p:spPr>
+      </p:pic>
+      <p:pic>
+        <p:nvPicPr>
+          <p:cNvPr id="37" name="Picture 36" descr="A screen shot of a graph&#10;&#10;Description automatically generated">
+            <a:extLst>
+              <a:ext uri="{FF2B5EF4-FFF2-40B4-BE49-F238E27FC236}">
+                <a16:creationId xmlns:a16="http://schemas.microsoft.com/office/drawing/2014/main" id="{BDDD685B-76B6-97CC-A83B-40A79E5027A2}"/>
+              </a:ext>
+            </a:extLst>
+          </p:cNvPr>
+          <p:cNvPicPr>
+            <a:picLocks noChangeAspect="1"/>
+          </p:cNvPicPr>
+          <p:nvPr/>
+        </p:nvPicPr>
+        <p:blipFill rotWithShape="1">
+          <a:blip r:embed="rId8"/>
+          <a:srcRect l="28969" t="77224" b="6109"/>
+          <a:stretch/>
+        </p:blipFill>
+        <p:spPr>
+          <a:xfrm>
+            <a:off x="3370854" y="7570773"/>
+            <a:ext cx="1299018" cy="914401"/>
+          </a:xfrm>
+          <a:prstGeom prst="rect">
+            <a:avLst/>
+          </a:prstGeom>
+        </p:spPr>
+      </p:pic>
+      <p:pic>
+        <p:nvPicPr>
+          <p:cNvPr id="38" name="Picture 37" descr="A screen shot of a graph&#10;&#10;Description automatically generated">
+            <a:extLst>
+              <a:ext uri="{FF2B5EF4-FFF2-40B4-BE49-F238E27FC236}">
+                <a16:creationId xmlns:a16="http://schemas.microsoft.com/office/drawing/2014/main" id="{7199AF58-9674-96BD-580D-62F7DE48A2F5}"/>
+              </a:ext>
+            </a:extLst>
+          </p:cNvPr>
+          <p:cNvPicPr>
+            <a:picLocks noChangeAspect="1"/>
+          </p:cNvPicPr>
+          <p:nvPr/>
+        </p:nvPicPr>
+        <p:blipFill rotWithShape="1">
+          <a:blip r:embed="rId8"/>
+          <a:srcRect l="28969" t="61783" r="62330" b="34525"/>
+          <a:stretch/>
+        </p:blipFill>
+        <p:spPr>
+          <a:xfrm>
+            <a:off x="3371178" y="6569044"/>
+            <a:ext cx="159119" cy="202562"/>
+          </a:xfrm>
+          <a:prstGeom prst="rect">
+            <a:avLst/>
+          </a:prstGeom>
+        </p:spPr>
+      </p:pic>
+      <p:pic>
+        <p:nvPicPr>
+          <p:cNvPr id="39" name="Picture 38" descr="A screen shot of a graph&#10;&#10;Description automatically generated">
+            <a:extLst>
+              <a:ext uri="{FF2B5EF4-FFF2-40B4-BE49-F238E27FC236}">
+                <a16:creationId xmlns:a16="http://schemas.microsoft.com/office/drawing/2014/main" id="{0643A0D6-C4DD-429E-7A9E-84C63D519B65}"/>
+              </a:ext>
+            </a:extLst>
+          </p:cNvPr>
+          <p:cNvPicPr>
+            <a:picLocks noChangeAspect="1"/>
+          </p:cNvPicPr>
+          <p:nvPr/>
+        </p:nvPicPr>
+        <p:blipFill rotWithShape="1">
+          <a:blip r:embed="rId8"/>
+          <a:srcRect l="28969" t="61783" r="62330" b="34525"/>
+          <a:stretch/>
+        </p:blipFill>
+        <p:spPr>
+          <a:xfrm>
+            <a:off x="3724964" y="6547077"/>
+            <a:ext cx="159119" cy="202562"/>
+          </a:xfrm>
+          <a:prstGeom prst="rect">
+            <a:avLst/>
+          </a:prstGeom>
+        </p:spPr>
+      </p:pic>
+      <p:pic>
+        <p:nvPicPr>
+          <p:cNvPr id="45" name="Picture 44" descr="A screen shot of a graph&#10;&#10;Description automatically generated">
+            <a:extLst>
+              <a:ext uri="{FF2B5EF4-FFF2-40B4-BE49-F238E27FC236}">
+                <a16:creationId xmlns:a16="http://schemas.microsoft.com/office/drawing/2014/main" id="{DABAFBF6-7173-996F-7924-A922AFEE7E9B}"/>
+              </a:ext>
+            </a:extLst>
+          </p:cNvPr>
+          <p:cNvPicPr>
+            <a:picLocks/>
+          </p:cNvPicPr>
+          <p:nvPr/>
+        </p:nvPicPr>
+        <p:blipFill rotWithShape="1">
+          <a:blip r:embed="rId8"/>
+          <a:srcRect l="28969" t="61783" r="62330" b="34525"/>
+          <a:stretch/>
+        </p:blipFill>
+        <p:spPr>
+          <a:xfrm>
+            <a:off x="4078750" y="6547077"/>
+            <a:ext cx="155448" cy="182880"/>
+          </a:xfrm>
+          <a:prstGeom prst="rect">
+            <a:avLst/>
+          </a:prstGeom>
+        </p:spPr>
+      </p:pic>
+      <p:pic>
+        <p:nvPicPr>
+          <p:cNvPr id="46" name="Picture 45" descr="A screen shot of a graph&#10;&#10;Description automatically generated">
+            <a:extLst>
+              <a:ext uri="{FF2B5EF4-FFF2-40B4-BE49-F238E27FC236}">
+                <a16:creationId xmlns:a16="http://schemas.microsoft.com/office/drawing/2014/main" id="{BB4AFCF6-7410-E27D-BC0D-EC79A89146C4}"/>
+              </a:ext>
+            </a:extLst>
+          </p:cNvPr>
+          <p:cNvPicPr>
+            <a:picLocks noChangeAspect="1"/>
+          </p:cNvPicPr>
+          <p:nvPr/>
+        </p:nvPicPr>
+        <p:blipFill rotWithShape="1">
+          <a:blip r:embed="rId8"/>
+          <a:srcRect l="28969" t="61783" r="62330" b="34525"/>
+          <a:stretch/>
+        </p:blipFill>
+        <p:spPr>
+          <a:xfrm>
+            <a:off x="4427093" y="6515479"/>
+            <a:ext cx="159119" cy="202562"/>
+          </a:xfrm>
+          <a:prstGeom prst="rect">
+            <a:avLst/>
+          </a:prstGeom>
+        </p:spPr>
+      </p:pic>
     </p:spTree>
     <p:extLst>
       <p:ext uri="{BB962C8B-B14F-4D97-AF65-F5344CB8AC3E}">
-        <p14:creationId xmlns:p14="http://schemas.microsoft.com/office/powerpoint/2010/main" val="2285394839"/>
+        <p14:creationId xmlns:p14="http://schemas.microsoft.com/office/powerpoint/2010/main" val="724917112"/>
       </p:ext>
     </p:extLst>
   </p:cSld>
@@ -5410,10 +6609,232 @@
       </p:grpSpPr>
       <p:pic>
         <p:nvPicPr>
-          <p:cNvPr id="6" name="Picture 5" descr="A graph of different colored lines&#10;&#10;Description automatically generated">
-            <a:extLst>
-              <a:ext uri="{FF2B5EF4-FFF2-40B4-BE49-F238E27FC236}">
-                <a16:creationId xmlns:a16="http://schemas.microsoft.com/office/drawing/2014/main" id="{3BF6D372-74ED-3E19-1D6B-DAA74B39E41E}"/>
+          <p:cNvPr id="40" name="Picture 2">
+            <a:extLst>
+              <a:ext uri="{FF2B5EF4-FFF2-40B4-BE49-F238E27FC236}">
+                <a16:creationId xmlns:a16="http://schemas.microsoft.com/office/drawing/2014/main" id="{2EBC9730-2233-A9CB-5747-CB746B169249}"/>
+              </a:ext>
+            </a:extLst>
+          </p:cNvPr>
+          <p:cNvPicPr>
+            <a:picLocks noChangeAspect="1" noChangeArrowheads="1"/>
+          </p:cNvPicPr>
+          <p:nvPr/>
+        </p:nvPicPr>
+        <p:blipFill rotWithShape="1">
+          <a:blip r:embed="rId3">
+            <a:extLst>
+              <a:ext uri="{28A0092B-C50C-407E-A947-70E740481C1C}">
+                <a14:useLocalDpi xmlns:a14="http://schemas.microsoft.com/office/drawing/2010/main" val="0"/>
+              </a:ext>
+            </a:extLst>
+          </a:blip>
+          <a:srcRect r="83393" b="88761"/>
+          <a:stretch/>
+        </p:blipFill>
+        <p:spPr bwMode="auto">
+          <a:xfrm>
+            <a:off x="89461" y="2860534"/>
+            <a:ext cx="839436" cy="685146"/>
+          </a:xfrm>
+          <a:prstGeom prst="rect">
+            <a:avLst/>
+          </a:prstGeom>
+          <a:noFill/>
+          <a:extLst>
+            <a:ext uri="{909E8E84-426E-40DD-AFC4-6F175D3DCCD1}">
+              <a14:hiddenFill xmlns:a14="http://schemas.microsoft.com/office/drawing/2010/main">
+                <a:solidFill>
+                  <a:srgbClr val="FFFFFF"/>
+                </a:solidFill>
+              </a14:hiddenFill>
+            </a:ext>
+          </a:extLst>
+        </p:spPr>
+      </p:pic>
+      <p:pic>
+        <p:nvPicPr>
+          <p:cNvPr id="41" name="Picture 2">
+            <a:extLst>
+              <a:ext uri="{FF2B5EF4-FFF2-40B4-BE49-F238E27FC236}">
+                <a16:creationId xmlns:a16="http://schemas.microsoft.com/office/drawing/2014/main" id="{17959F95-005B-4F33-D55D-A120FE4C0FFB}"/>
+              </a:ext>
+            </a:extLst>
+          </p:cNvPr>
+          <p:cNvPicPr>
+            <a:picLocks noChangeAspect="1" noChangeArrowheads="1"/>
+          </p:cNvPicPr>
+          <p:nvPr/>
+        </p:nvPicPr>
+        <p:blipFill rotWithShape="1">
+          <a:blip r:embed="rId3">
+            <a:extLst>
+              <a:ext uri="{28A0092B-C50C-407E-A947-70E740481C1C}">
+                <a14:useLocalDpi xmlns:a14="http://schemas.microsoft.com/office/drawing/2010/main" val="0"/>
+              </a:ext>
+            </a:extLst>
+          </a:blip>
+          <a:srcRect l="91735" t="10230" r="323" b="10354"/>
+          <a:stretch/>
+        </p:blipFill>
+        <p:spPr bwMode="auto">
+          <a:xfrm>
+            <a:off x="4788815" y="3476239"/>
+            <a:ext cx="401348" cy="4841190"/>
+          </a:xfrm>
+          <a:prstGeom prst="rect">
+            <a:avLst/>
+          </a:prstGeom>
+          <a:noFill/>
+          <a:extLst>
+            <a:ext uri="{909E8E84-426E-40DD-AFC4-6F175D3DCCD1}">
+              <a14:hiddenFill xmlns:a14="http://schemas.microsoft.com/office/drawing/2010/main">
+                <a:solidFill>
+                  <a:srgbClr val="FFFFFF"/>
+                </a:solidFill>
+              </a14:hiddenFill>
+            </a:ext>
+          </a:extLst>
+        </p:spPr>
+      </p:pic>
+      <p:sp>
+        <p:nvSpPr>
+          <p:cNvPr id="42" name="TextBox 41">
+            <a:extLst>
+              <a:ext uri="{FF2B5EF4-FFF2-40B4-BE49-F238E27FC236}">
+                <a16:creationId xmlns:a16="http://schemas.microsoft.com/office/drawing/2014/main" id="{0BD4FCAB-BF06-7F18-DBEB-16D1D0A8A3C6}"/>
+              </a:ext>
+            </a:extLst>
+          </p:cNvPr>
+          <p:cNvSpPr txBox="1"/>
+          <p:nvPr/>
+        </p:nvSpPr>
+        <p:spPr>
+          <a:xfrm>
+            <a:off x="4569723" y="3199241"/>
+            <a:ext cx="532325" cy="276999"/>
+          </a:xfrm>
+          <a:prstGeom prst="rect">
+            <a:avLst/>
+          </a:prstGeom>
+          <a:noFill/>
+        </p:spPr>
+        <p:txBody>
+          <a:bodyPr wrap="none" rtlCol="0">
+            <a:spAutoFit/>
+          </a:bodyPr>
+          <a:lstStyle/>
+          <a:p>
+            <a:r>
+              <a:rPr lang="en-US" sz="1200" b="1" dirty="0">
+                <a:latin typeface="Arial" panose="020B0604020202020204" pitchFamily="34" charset="0"/>
+                <a:cs typeface="Arial" panose="020B0604020202020204" pitchFamily="34" charset="0"/>
+              </a:rPr>
+              <a:t>Type</a:t>
+            </a:r>
+            <a:endParaRPr lang="en-US" sz="1100" b="1" dirty="0">
+              <a:latin typeface="Arial" panose="020B0604020202020204" pitchFamily="34" charset="0"/>
+              <a:cs typeface="Arial" panose="020B0604020202020204" pitchFamily="34" charset="0"/>
+            </a:endParaRPr>
+          </a:p>
+        </p:txBody>
+      </p:sp>
+      <p:pic>
+        <p:nvPicPr>
+          <p:cNvPr id="43" name="Picture 42">
+            <a:extLst>
+              <a:ext uri="{FF2B5EF4-FFF2-40B4-BE49-F238E27FC236}">
+                <a16:creationId xmlns:a16="http://schemas.microsoft.com/office/drawing/2014/main" id="{80B9A0B2-AC57-2DA6-EAD5-09225665EAA3}"/>
+              </a:ext>
+            </a:extLst>
+          </p:cNvPr>
+          <p:cNvPicPr>
+            <a:picLocks noChangeAspect="1" noChangeArrowheads="1"/>
+          </p:cNvPicPr>
+          <p:nvPr/>
+        </p:nvPicPr>
+        <p:blipFill rotWithShape="1">
+          <a:blip r:embed="rId3">
+            <a:extLst>
+              <a:ext uri="{28A0092B-C50C-407E-A947-70E740481C1C}">
+                <a14:useLocalDpi xmlns:a14="http://schemas.microsoft.com/office/drawing/2010/main" val="0"/>
+              </a:ext>
+            </a:extLst>
+          </a:blip>
+          <a:srcRect t="95642"/>
+          <a:stretch/>
+        </p:blipFill>
+        <p:spPr bwMode="auto">
+          <a:xfrm>
+            <a:off x="0" y="8715761"/>
+            <a:ext cx="5054600" cy="265687"/>
+          </a:xfrm>
+          <a:prstGeom prst="rect">
+            <a:avLst/>
+          </a:prstGeom>
+          <a:noFill/>
+          <a:extLst>
+            <a:ext uri="{909E8E84-426E-40DD-AFC4-6F175D3DCCD1}">
+              <a14:hiddenFill xmlns:a14="http://schemas.microsoft.com/office/drawing/2010/main">
+                <a:solidFill>
+                  <a:srgbClr val="FFFFFF"/>
+                </a:solidFill>
+              </a14:hiddenFill>
+            </a:ext>
+          </a:extLst>
+        </p:spPr>
+      </p:pic>
+      <p:pic>
+        <p:nvPicPr>
+          <p:cNvPr id="44" name="Picture 4">
+            <a:extLst>
+              <a:ext uri="{FF2B5EF4-FFF2-40B4-BE49-F238E27FC236}">
+                <a16:creationId xmlns:a16="http://schemas.microsoft.com/office/drawing/2014/main" id="{B38FA3D6-7356-5A1E-F568-3D84770F9CEC}"/>
+              </a:ext>
+            </a:extLst>
+          </p:cNvPr>
+          <p:cNvPicPr>
+            <a:picLocks noChangeAspect="1" noChangeArrowheads="1"/>
+          </p:cNvPicPr>
+          <p:nvPr/>
+        </p:nvPicPr>
+        <p:blipFill rotWithShape="1">
+          <a:blip r:embed="rId3">
+            <a:extLst>
+              <a:ext uri="{28A0092B-C50C-407E-A947-70E740481C1C}">
+                <a14:useLocalDpi xmlns:a14="http://schemas.microsoft.com/office/drawing/2010/main" val="0"/>
+              </a:ext>
+            </a:extLst>
+          </a:blip>
+          <a:srcRect b="95045"/>
+          <a:stretch/>
+        </p:blipFill>
+        <p:spPr bwMode="auto">
+          <a:xfrm>
+            <a:off x="90229" y="2845246"/>
+            <a:ext cx="5054600" cy="302102"/>
+          </a:xfrm>
+          <a:prstGeom prst="rect">
+            <a:avLst/>
+          </a:prstGeom>
+          <a:noFill/>
+          <a:extLst>
+            <a:ext uri="{909E8E84-426E-40DD-AFC4-6F175D3DCCD1}">
+              <a14:hiddenFill xmlns:a14="http://schemas.microsoft.com/office/drawing/2010/main">
+                <a:solidFill>
+                  <a:srgbClr val="FFFFFF"/>
+                </a:solidFill>
+              </a14:hiddenFill>
+            </a:ext>
+          </a:extLst>
+        </p:spPr>
+      </p:pic>
+      <p:pic>
+        <p:nvPicPr>
+          <p:cNvPr id="9" name="Picture 8" descr="A screen shot of a graph&#10;&#10;Description automatically generated">
+            <a:extLst>
+              <a:ext uri="{FF2B5EF4-FFF2-40B4-BE49-F238E27FC236}">
+                <a16:creationId xmlns:a16="http://schemas.microsoft.com/office/drawing/2014/main" id="{0E059C77-78D2-7F26-6908-D009B61605FE}"/>
               </a:ext>
             </a:extLst>
           </p:cNvPr>
@@ -5422,8 +6843,2945 @@
           </p:cNvPicPr>
           <p:nvPr/>
         </p:nvPicPr>
+        <p:blipFill rotWithShape="1">
+          <a:blip r:embed="rId4"/>
+          <a:srcRect l="29385" b="84489"/>
+          <a:stretch/>
+        </p:blipFill>
+        <p:spPr>
+          <a:xfrm>
+            <a:off x="3376621" y="3068884"/>
+            <a:ext cx="1291407" cy="851043"/>
+          </a:xfrm>
+          <a:prstGeom prst="rect">
+            <a:avLst/>
+          </a:prstGeom>
+        </p:spPr>
+      </p:pic>
+      <p:pic>
+        <p:nvPicPr>
+          <p:cNvPr id="14" name="Picture 13" descr="A screen shot of a graph&#10;&#10;Description automatically generated">
+            <a:extLst>
+              <a:ext uri="{FF2B5EF4-FFF2-40B4-BE49-F238E27FC236}">
+                <a16:creationId xmlns:a16="http://schemas.microsoft.com/office/drawing/2014/main" id="{2C5EA244-E8F5-53DA-9988-6C1445370066}"/>
+              </a:ext>
+            </a:extLst>
+          </p:cNvPr>
+          <p:cNvPicPr>
+            <a:picLocks noChangeAspect="1"/>
+          </p:cNvPicPr>
+          <p:nvPr/>
+        </p:nvPicPr>
+        <p:blipFill rotWithShape="1">
+          <a:blip r:embed="rId4"/>
+          <a:srcRect l="29385" t="15296" b="68037"/>
+          <a:stretch/>
+        </p:blipFill>
+        <p:spPr>
+          <a:xfrm>
+            <a:off x="3376621" y="3934917"/>
+            <a:ext cx="1291407" cy="914401"/>
+          </a:xfrm>
+          <a:prstGeom prst="rect">
+            <a:avLst/>
+          </a:prstGeom>
+        </p:spPr>
+      </p:pic>
+      <p:pic>
+        <p:nvPicPr>
+          <p:cNvPr id="2" name="Picture 1" descr="A picture containing shape&#10;&#10;Description automatically generated">
+            <a:extLst>
+              <a:ext uri="{FF2B5EF4-FFF2-40B4-BE49-F238E27FC236}">
+                <a16:creationId xmlns:a16="http://schemas.microsoft.com/office/drawing/2014/main" id="{D9281F7C-0811-C24E-925A-E504AB190CAA}"/>
+              </a:ext>
+            </a:extLst>
+          </p:cNvPr>
+          <p:cNvPicPr>
+            <a:picLocks noChangeAspect="1"/>
+          </p:cNvPicPr>
+          <p:nvPr/>
+        </p:nvPicPr>
+        <p:blipFill rotWithShape="1">
+          <a:blip r:embed="rId5"/>
+          <a:srcRect l="29659" t="93555" b="2715"/>
+          <a:stretch/>
+        </p:blipFill>
+        <p:spPr>
+          <a:xfrm>
+            <a:off x="925407" y="8417675"/>
+            <a:ext cx="1285576" cy="204513"/>
+          </a:xfrm>
+          <a:prstGeom prst="rect">
+            <a:avLst/>
+          </a:prstGeom>
+        </p:spPr>
+      </p:pic>
+      <p:pic>
+        <p:nvPicPr>
+          <p:cNvPr id="4" name="Picture 3" descr="A picture containing shape&#10;&#10;Description automatically generated">
+            <a:extLst>
+              <a:ext uri="{FF2B5EF4-FFF2-40B4-BE49-F238E27FC236}">
+                <a16:creationId xmlns:a16="http://schemas.microsoft.com/office/drawing/2014/main" id="{AD10E45B-4B73-C641-22D1-8227B329D40A}"/>
+              </a:ext>
+            </a:extLst>
+          </p:cNvPr>
+          <p:cNvPicPr>
+            <a:picLocks noChangeAspect="1"/>
+          </p:cNvPicPr>
+          <p:nvPr/>
+        </p:nvPicPr>
+        <p:blipFill rotWithShape="1">
+          <a:blip r:embed="rId5"/>
+          <a:srcRect l="29659" t="93555" b="2715"/>
+          <a:stretch/>
+        </p:blipFill>
+        <p:spPr>
+          <a:xfrm>
+            <a:off x="2147651" y="8415789"/>
+            <a:ext cx="1285576" cy="204513"/>
+          </a:xfrm>
+          <a:prstGeom prst="rect">
+            <a:avLst/>
+          </a:prstGeom>
+        </p:spPr>
+      </p:pic>
+      <p:pic>
+        <p:nvPicPr>
+          <p:cNvPr id="5" name="Picture 4" descr="A picture containing shape&#10;&#10;Description automatically generated">
+            <a:extLst>
+              <a:ext uri="{FF2B5EF4-FFF2-40B4-BE49-F238E27FC236}">
+                <a16:creationId xmlns:a16="http://schemas.microsoft.com/office/drawing/2014/main" id="{17D352E8-0168-8143-F858-863630AF0C67}"/>
+              </a:ext>
+            </a:extLst>
+          </p:cNvPr>
+          <p:cNvPicPr>
+            <a:picLocks noChangeAspect="1"/>
+          </p:cNvPicPr>
+          <p:nvPr/>
+        </p:nvPicPr>
+        <p:blipFill rotWithShape="1">
+          <a:blip r:embed="rId5"/>
+          <a:srcRect l="29659" t="93555" b="2715"/>
+          <a:stretch/>
+        </p:blipFill>
+        <p:spPr>
+          <a:xfrm>
+            <a:off x="3380814" y="8410967"/>
+            <a:ext cx="1285576" cy="204513"/>
+          </a:xfrm>
+          <a:prstGeom prst="rect">
+            <a:avLst/>
+          </a:prstGeom>
+        </p:spPr>
+      </p:pic>
+      <p:sp>
+        <p:nvSpPr>
+          <p:cNvPr id="7" name="TextBox 6">
+            <a:extLst>
+              <a:ext uri="{FF2B5EF4-FFF2-40B4-BE49-F238E27FC236}">
+                <a16:creationId xmlns:a16="http://schemas.microsoft.com/office/drawing/2014/main" id="{AA4AA6FB-6167-786D-6475-D236CBBF9A6A}"/>
+              </a:ext>
+            </a:extLst>
+          </p:cNvPr>
+          <p:cNvSpPr txBox="1"/>
+          <p:nvPr/>
+        </p:nvSpPr>
+        <p:spPr>
+          <a:xfrm>
+            <a:off x="928897" y="166255"/>
+            <a:ext cx="4702976" cy="369332"/>
+          </a:xfrm>
+          <a:prstGeom prst="rect">
+            <a:avLst/>
+          </a:prstGeom>
+          <a:noFill/>
+        </p:spPr>
+        <p:txBody>
+          <a:bodyPr wrap="square" rtlCol="0">
+            <a:spAutoFit/>
+          </a:bodyPr>
+          <a:lstStyle/>
+          <a:p>
+            <a:r>
+              <a:rPr lang="en-US" dirty="0"/>
+              <a:t>Version: 09/11/2023</a:t>
+            </a:r>
+          </a:p>
+        </p:txBody>
+      </p:sp>
+      <p:pic>
+        <p:nvPicPr>
+          <p:cNvPr id="18" name="Picture 17" descr="A screen shot of a graph&#10;&#10;Description automatically generated">
+            <a:extLst>
+              <a:ext uri="{FF2B5EF4-FFF2-40B4-BE49-F238E27FC236}">
+                <a16:creationId xmlns:a16="http://schemas.microsoft.com/office/drawing/2014/main" id="{2FB09192-D8A2-A741-321E-EF227924818F}"/>
+              </a:ext>
+            </a:extLst>
+          </p:cNvPr>
+          <p:cNvPicPr>
+            <a:picLocks noChangeAspect="1"/>
+          </p:cNvPicPr>
+          <p:nvPr/>
+        </p:nvPicPr>
+        <p:blipFill rotWithShape="1">
+          <a:blip r:embed="rId6"/>
+          <a:srcRect l="29527" b="66238"/>
+          <a:stretch/>
+        </p:blipFill>
+        <p:spPr>
+          <a:xfrm>
+            <a:off x="928895" y="3249308"/>
+            <a:ext cx="1288811" cy="1852327"/>
+          </a:xfrm>
+          <a:prstGeom prst="rect">
+            <a:avLst/>
+          </a:prstGeom>
+        </p:spPr>
+      </p:pic>
+      <p:pic>
+        <p:nvPicPr>
+          <p:cNvPr id="19" name="Picture 18" descr="A screen shot of a graph&#10;&#10;Description automatically generated">
+            <a:extLst>
+              <a:ext uri="{FF2B5EF4-FFF2-40B4-BE49-F238E27FC236}">
+                <a16:creationId xmlns:a16="http://schemas.microsoft.com/office/drawing/2014/main" id="{A973F833-C488-2180-8320-F5348C02747E}"/>
+              </a:ext>
+            </a:extLst>
+          </p:cNvPr>
+          <p:cNvPicPr>
+            <a:picLocks noChangeAspect="1"/>
+          </p:cNvPicPr>
+          <p:nvPr/>
+        </p:nvPicPr>
+        <p:blipFill rotWithShape="1">
+          <a:blip r:embed="rId6"/>
+          <a:srcRect l="29215" t="33559" b="28980"/>
+          <a:stretch/>
+        </p:blipFill>
+        <p:spPr>
+          <a:xfrm>
+            <a:off x="918173" y="5155379"/>
+            <a:ext cx="1294521" cy="2055232"/>
+          </a:xfrm>
+          <a:prstGeom prst="rect">
+            <a:avLst/>
+          </a:prstGeom>
+        </p:spPr>
+      </p:pic>
+      <p:pic>
+        <p:nvPicPr>
+          <p:cNvPr id="26" name="Picture 25" descr="A graph on a screen&#10;&#10;Description automatically generated">
+            <a:extLst>
+              <a:ext uri="{FF2B5EF4-FFF2-40B4-BE49-F238E27FC236}">
+                <a16:creationId xmlns:a16="http://schemas.microsoft.com/office/drawing/2014/main" id="{5DBB92A5-83B5-B152-CD6D-42186EB4F4A0}"/>
+              </a:ext>
+            </a:extLst>
+          </p:cNvPr>
+          <p:cNvPicPr>
+            <a:picLocks noChangeAspect="1"/>
+          </p:cNvPicPr>
+          <p:nvPr/>
+        </p:nvPicPr>
+        <p:blipFill rotWithShape="1">
+          <a:blip r:embed="rId7"/>
+          <a:srcRect l="29385" b="72936"/>
+          <a:stretch/>
+        </p:blipFill>
+        <p:spPr>
+          <a:xfrm>
+            <a:off x="2148544" y="3335866"/>
+            <a:ext cx="1291408" cy="1484801"/>
+          </a:xfrm>
+          <a:prstGeom prst="rect">
+            <a:avLst/>
+          </a:prstGeom>
+        </p:spPr>
+      </p:pic>
+      <p:pic>
+        <p:nvPicPr>
+          <p:cNvPr id="30" name="Picture 29" descr="A screen shot of a graph&#10;&#10;Description automatically generated">
+            <a:extLst>
+              <a:ext uri="{FF2B5EF4-FFF2-40B4-BE49-F238E27FC236}">
+                <a16:creationId xmlns:a16="http://schemas.microsoft.com/office/drawing/2014/main" id="{901A9AC8-2FB6-B804-5F33-DE645573B1D2}"/>
+              </a:ext>
+            </a:extLst>
+          </p:cNvPr>
+          <p:cNvPicPr>
+            <a:picLocks noChangeAspect="1"/>
+          </p:cNvPicPr>
+          <p:nvPr/>
+        </p:nvPicPr>
+        <p:blipFill rotWithShape="1">
+          <a:blip r:embed="rId6"/>
+          <a:srcRect l="29215" t="70783" b="6390"/>
+          <a:stretch/>
+        </p:blipFill>
+        <p:spPr>
+          <a:xfrm>
+            <a:off x="918172" y="7230736"/>
+            <a:ext cx="1294521" cy="1252346"/>
+          </a:xfrm>
+          <a:prstGeom prst="rect">
+            <a:avLst/>
+          </a:prstGeom>
+        </p:spPr>
+      </p:pic>
+      <p:pic>
+        <p:nvPicPr>
+          <p:cNvPr id="31" name="Picture 30" descr="A graph on a screen&#10;&#10;Description automatically generated">
+            <a:extLst>
+              <a:ext uri="{FF2B5EF4-FFF2-40B4-BE49-F238E27FC236}">
+                <a16:creationId xmlns:a16="http://schemas.microsoft.com/office/drawing/2014/main" id="{7C9D01E4-709B-CC34-7A9F-17E9A5B42687}"/>
+              </a:ext>
+            </a:extLst>
+          </p:cNvPr>
+          <p:cNvPicPr>
+            <a:picLocks noChangeAspect="1"/>
+          </p:cNvPicPr>
+          <p:nvPr/>
+        </p:nvPicPr>
+        <p:blipFill rotWithShape="1">
+          <a:blip r:embed="rId7"/>
+          <a:srcRect l="29385" t="37717" b="6693"/>
+          <a:stretch/>
+        </p:blipFill>
+        <p:spPr>
+          <a:xfrm>
+            <a:off x="2143977" y="5435301"/>
+            <a:ext cx="1291408" cy="3049874"/>
+          </a:xfrm>
+          <a:prstGeom prst="rect">
+            <a:avLst/>
+          </a:prstGeom>
+        </p:spPr>
+      </p:pic>
+      <p:pic>
+        <p:nvPicPr>
+          <p:cNvPr id="32" name="Picture 31" descr="A graph on a screen&#10;&#10;Description automatically generated">
+            <a:extLst>
+              <a:ext uri="{FF2B5EF4-FFF2-40B4-BE49-F238E27FC236}">
+                <a16:creationId xmlns:a16="http://schemas.microsoft.com/office/drawing/2014/main" id="{02903303-E672-A25E-017A-63B87B75140A}"/>
+              </a:ext>
+            </a:extLst>
+          </p:cNvPr>
+          <p:cNvPicPr>
+            <a:picLocks noChangeAspect="1"/>
+          </p:cNvPicPr>
+          <p:nvPr/>
+        </p:nvPicPr>
+        <p:blipFill rotWithShape="1">
+          <a:blip r:embed="rId7"/>
+          <a:srcRect l="29385" t="26994" b="61899"/>
+          <a:stretch/>
+        </p:blipFill>
+        <p:spPr>
+          <a:xfrm>
+            <a:off x="2144735" y="4856939"/>
+            <a:ext cx="1291408" cy="609370"/>
+          </a:xfrm>
+          <a:prstGeom prst="rect">
+            <a:avLst/>
+          </a:prstGeom>
+        </p:spPr>
+      </p:pic>
+      <p:pic>
+        <p:nvPicPr>
+          <p:cNvPr id="35" name="Picture 34" descr="A screen shot of a graph&#10;&#10;Description automatically generated">
+            <a:extLst>
+              <a:ext uri="{FF2B5EF4-FFF2-40B4-BE49-F238E27FC236}">
+                <a16:creationId xmlns:a16="http://schemas.microsoft.com/office/drawing/2014/main" id="{1CE5885D-D725-A863-DD9F-7DD972EC7027}"/>
+              </a:ext>
+            </a:extLst>
+          </p:cNvPr>
+          <p:cNvPicPr>
+            <a:picLocks noChangeAspect="1"/>
+          </p:cNvPicPr>
+          <p:nvPr/>
+        </p:nvPicPr>
+        <p:blipFill rotWithShape="1">
+          <a:blip r:embed="rId8"/>
+          <a:srcRect l="29337" t="61783" b="22669"/>
+          <a:stretch/>
+        </p:blipFill>
+        <p:spPr>
+          <a:xfrm>
+            <a:off x="3376621" y="6700652"/>
+            <a:ext cx="1292292" cy="853035"/>
+          </a:xfrm>
+          <a:prstGeom prst="rect">
+            <a:avLst/>
+          </a:prstGeom>
+        </p:spPr>
+      </p:pic>
+      <p:pic>
+        <p:nvPicPr>
+          <p:cNvPr id="36" name="Picture 35" descr="A screen shot of a graph&#10;&#10;Description automatically generated">
+            <a:extLst>
+              <a:ext uri="{FF2B5EF4-FFF2-40B4-BE49-F238E27FC236}">
+                <a16:creationId xmlns:a16="http://schemas.microsoft.com/office/drawing/2014/main" id="{77EDFA81-9269-226F-56F7-C41F401231E0}"/>
+              </a:ext>
+            </a:extLst>
+          </p:cNvPr>
+          <p:cNvPicPr>
+            <a:picLocks noChangeAspect="1"/>
+          </p:cNvPicPr>
+          <p:nvPr/>
+        </p:nvPicPr>
+        <p:blipFill rotWithShape="1">
+          <a:blip r:embed="rId8"/>
+          <a:srcRect l="29527" t="30987" b="38257"/>
+          <a:stretch/>
+        </p:blipFill>
+        <p:spPr>
+          <a:xfrm>
+            <a:off x="3381740" y="4889368"/>
+            <a:ext cx="1288811" cy="1687384"/>
+          </a:xfrm>
+          <a:prstGeom prst="rect">
+            <a:avLst/>
+          </a:prstGeom>
+        </p:spPr>
+      </p:pic>
+      <p:pic>
+        <p:nvPicPr>
+          <p:cNvPr id="37" name="Picture 36" descr="A screen shot of a graph&#10;&#10;Description automatically generated">
+            <a:extLst>
+              <a:ext uri="{FF2B5EF4-FFF2-40B4-BE49-F238E27FC236}">
+                <a16:creationId xmlns:a16="http://schemas.microsoft.com/office/drawing/2014/main" id="{BDDD685B-76B6-97CC-A83B-40A79E5027A2}"/>
+              </a:ext>
+            </a:extLst>
+          </p:cNvPr>
+          <p:cNvPicPr>
+            <a:picLocks noChangeAspect="1"/>
+          </p:cNvPicPr>
+          <p:nvPr/>
+        </p:nvPicPr>
+        <p:blipFill rotWithShape="1">
+          <a:blip r:embed="rId8"/>
+          <a:srcRect l="29704" t="77224" b="6109"/>
+          <a:stretch/>
+        </p:blipFill>
+        <p:spPr>
+          <a:xfrm>
+            <a:off x="3384296" y="7570773"/>
+            <a:ext cx="1285576" cy="914401"/>
+          </a:xfrm>
+          <a:prstGeom prst="rect">
+            <a:avLst/>
+          </a:prstGeom>
+        </p:spPr>
+      </p:pic>
+      <p:pic>
+        <p:nvPicPr>
+          <p:cNvPr id="38" name="Picture 37" descr="A screen shot of a graph&#10;&#10;Description automatically generated">
+            <a:extLst>
+              <a:ext uri="{FF2B5EF4-FFF2-40B4-BE49-F238E27FC236}">
+                <a16:creationId xmlns:a16="http://schemas.microsoft.com/office/drawing/2014/main" id="{7199AF58-9674-96BD-580D-62F7DE48A2F5}"/>
+              </a:ext>
+            </a:extLst>
+          </p:cNvPr>
+          <p:cNvPicPr>
+            <a:picLocks noChangeAspect="1"/>
+          </p:cNvPicPr>
+          <p:nvPr/>
+        </p:nvPicPr>
+        <p:blipFill rotWithShape="1">
+          <a:blip r:embed="rId8"/>
+          <a:srcRect l="28969" t="61783" r="62330" b="34525"/>
+          <a:stretch/>
+        </p:blipFill>
+        <p:spPr>
+          <a:xfrm>
+            <a:off x="3371178" y="6569044"/>
+            <a:ext cx="159119" cy="202562"/>
+          </a:xfrm>
+          <a:prstGeom prst="rect">
+            <a:avLst/>
+          </a:prstGeom>
+        </p:spPr>
+      </p:pic>
+      <p:pic>
+        <p:nvPicPr>
+          <p:cNvPr id="39" name="Picture 38" descr="A screen shot of a graph&#10;&#10;Description automatically generated">
+            <a:extLst>
+              <a:ext uri="{FF2B5EF4-FFF2-40B4-BE49-F238E27FC236}">
+                <a16:creationId xmlns:a16="http://schemas.microsoft.com/office/drawing/2014/main" id="{0643A0D6-C4DD-429E-7A9E-84C63D519B65}"/>
+              </a:ext>
+            </a:extLst>
+          </p:cNvPr>
+          <p:cNvPicPr>
+            <a:picLocks noChangeAspect="1"/>
+          </p:cNvPicPr>
+          <p:nvPr/>
+        </p:nvPicPr>
+        <p:blipFill rotWithShape="1">
+          <a:blip r:embed="rId8"/>
+          <a:srcRect l="28969" t="61783" r="62330" b="34525"/>
+          <a:stretch/>
+        </p:blipFill>
+        <p:spPr>
+          <a:xfrm>
+            <a:off x="3724964" y="6547077"/>
+            <a:ext cx="159119" cy="202562"/>
+          </a:xfrm>
+          <a:prstGeom prst="rect">
+            <a:avLst/>
+          </a:prstGeom>
+        </p:spPr>
+      </p:pic>
+      <p:pic>
+        <p:nvPicPr>
+          <p:cNvPr id="45" name="Picture 44" descr="A screen shot of a graph&#10;&#10;Description automatically generated">
+            <a:extLst>
+              <a:ext uri="{FF2B5EF4-FFF2-40B4-BE49-F238E27FC236}">
+                <a16:creationId xmlns:a16="http://schemas.microsoft.com/office/drawing/2014/main" id="{DABAFBF6-7173-996F-7924-A922AFEE7E9B}"/>
+              </a:ext>
+            </a:extLst>
+          </p:cNvPr>
+          <p:cNvPicPr>
+            <a:picLocks/>
+          </p:cNvPicPr>
+          <p:nvPr/>
+        </p:nvPicPr>
+        <p:blipFill rotWithShape="1">
+          <a:blip r:embed="rId8"/>
+          <a:srcRect l="28969" t="61783" r="62330" b="34525"/>
+          <a:stretch/>
+        </p:blipFill>
+        <p:spPr>
+          <a:xfrm>
+            <a:off x="4078750" y="6547077"/>
+            <a:ext cx="155448" cy="182880"/>
+          </a:xfrm>
+          <a:prstGeom prst="rect">
+            <a:avLst/>
+          </a:prstGeom>
+        </p:spPr>
+      </p:pic>
+      <p:pic>
+        <p:nvPicPr>
+          <p:cNvPr id="46" name="Picture 45" descr="A screen shot of a graph&#10;&#10;Description automatically generated">
+            <a:extLst>
+              <a:ext uri="{FF2B5EF4-FFF2-40B4-BE49-F238E27FC236}">
+                <a16:creationId xmlns:a16="http://schemas.microsoft.com/office/drawing/2014/main" id="{BB4AFCF6-7410-E27D-BC0D-EC79A89146C4}"/>
+              </a:ext>
+            </a:extLst>
+          </p:cNvPr>
+          <p:cNvPicPr>
+            <a:picLocks noChangeAspect="1"/>
+          </p:cNvPicPr>
+          <p:nvPr/>
+        </p:nvPicPr>
+        <p:blipFill rotWithShape="1">
+          <a:blip r:embed="rId8"/>
+          <a:srcRect l="28969" t="61783" r="62330" b="34525"/>
+          <a:stretch/>
+        </p:blipFill>
+        <p:spPr>
+          <a:xfrm>
+            <a:off x="4427093" y="6515479"/>
+            <a:ext cx="159119" cy="202562"/>
+          </a:xfrm>
+          <a:prstGeom prst="rect">
+            <a:avLst/>
+          </a:prstGeom>
+        </p:spPr>
+      </p:pic>
+      <p:sp>
+        <p:nvSpPr>
+          <p:cNvPr id="8" name="TextBox 7">
+            <a:extLst>
+              <a:ext uri="{FF2B5EF4-FFF2-40B4-BE49-F238E27FC236}">
+                <a16:creationId xmlns:a16="http://schemas.microsoft.com/office/drawing/2014/main" id="{06A55DA0-6379-45B3-D799-F79FC7CF3DDA}"/>
+              </a:ext>
+            </a:extLst>
+          </p:cNvPr>
+          <p:cNvSpPr txBox="1"/>
+          <p:nvPr/>
+        </p:nvSpPr>
+        <p:spPr>
+          <a:xfrm>
+            <a:off x="-253782" y="3452325"/>
+            <a:ext cx="1191262" cy="307777"/>
+          </a:xfrm>
+          <a:prstGeom prst="rect">
+            <a:avLst/>
+          </a:prstGeom>
+          <a:noFill/>
+        </p:spPr>
+        <p:txBody>
+          <a:bodyPr wrap="square" rtlCol="0">
+            <a:spAutoFit/>
+          </a:bodyPr>
+          <a:lstStyle/>
+          <a:p>
+            <a:pPr algn="r">
+              <a:spcAft>
+                <a:spcPts val="330"/>
+              </a:spcAft>
+            </a:pPr>
+            <a:r>
+              <a:rPr lang="en-US" sz="1400" i="1" dirty="0" err="1">
+                <a:latin typeface="+mj-lt"/>
+              </a:rPr>
+              <a:t>Prox</a:t>
+            </a:r>
+            <a:endParaRPr lang="en-US" sz="1400" i="1" dirty="0">
+              <a:latin typeface="+mj-lt"/>
+            </a:endParaRPr>
+          </a:p>
+        </p:txBody>
+      </p:sp>
+      <p:sp>
+        <p:nvSpPr>
+          <p:cNvPr id="11" name="TextBox 10">
+            <a:extLst>
+              <a:ext uri="{FF2B5EF4-FFF2-40B4-BE49-F238E27FC236}">
+                <a16:creationId xmlns:a16="http://schemas.microsoft.com/office/drawing/2014/main" id="{082726F5-0ABD-B1B6-AE9B-1F7988FA16B1}"/>
+              </a:ext>
+            </a:extLst>
+          </p:cNvPr>
+          <p:cNvSpPr txBox="1"/>
+          <p:nvPr/>
+        </p:nvSpPr>
+        <p:spPr>
+          <a:xfrm>
+            <a:off x="-203272" y="3730482"/>
+            <a:ext cx="1150731" cy="307777"/>
+          </a:xfrm>
+          <a:prstGeom prst="rect">
+            <a:avLst/>
+          </a:prstGeom>
+          <a:noFill/>
+        </p:spPr>
+        <p:txBody>
+          <a:bodyPr wrap="square">
+            <a:spAutoFit/>
+          </a:bodyPr>
+          <a:lstStyle/>
+          <a:p>
+            <a:pPr algn="r">
+              <a:spcAft>
+                <a:spcPts val="330"/>
+              </a:spcAft>
+            </a:pPr>
+            <a:r>
+              <a:rPr lang="en-US" sz="1400" i="1" dirty="0" err="1">
+                <a:latin typeface="+mj-lt"/>
+              </a:rPr>
+              <a:t>Dist</a:t>
+            </a:r>
+            <a:endParaRPr lang="en-US" sz="1400" i="1" dirty="0">
+              <a:latin typeface="+mj-lt"/>
+            </a:endParaRPr>
+          </a:p>
+        </p:txBody>
+      </p:sp>
+      <p:sp>
+        <p:nvSpPr>
+          <p:cNvPr id="16" name="TextBox 15">
+            <a:extLst>
+              <a:ext uri="{FF2B5EF4-FFF2-40B4-BE49-F238E27FC236}">
+                <a16:creationId xmlns:a16="http://schemas.microsoft.com/office/drawing/2014/main" id="{5B7717D9-E220-628B-ED03-881901BF8E68}"/>
+              </a:ext>
+            </a:extLst>
+          </p:cNvPr>
+          <p:cNvSpPr txBox="1"/>
+          <p:nvPr/>
+        </p:nvSpPr>
+        <p:spPr>
+          <a:xfrm>
+            <a:off x="-21125" y="5201845"/>
+            <a:ext cx="946532" cy="307777"/>
+          </a:xfrm>
+          <a:prstGeom prst="rect">
+            <a:avLst/>
+          </a:prstGeom>
+          <a:noFill/>
+        </p:spPr>
+        <p:txBody>
+          <a:bodyPr wrap="square">
+            <a:spAutoFit/>
+          </a:bodyPr>
+          <a:lstStyle/>
+          <a:p>
+            <a:pPr algn="r">
+              <a:spcAft>
+                <a:spcPts val="330"/>
+              </a:spcAft>
+            </a:pPr>
+            <a:r>
+              <a:rPr lang="en-US" sz="1400" i="1" dirty="0">
+                <a:latin typeface="+mj-lt"/>
+              </a:rPr>
+              <a:t>BA</a:t>
+            </a:r>
+          </a:p>
+        </p:txBody>
+      </p:sp>
+      <p:sp>
+        <p:nvSpPr>
+          <p:cNvPr id="23" name="TextBox 22">
+            <a:extLst>
+              <a:ext uri="{FF2B5EF4-FFF2-40B4-BE49-F238E27FC236}">
+                <a16:creationId xmlns:a16="http://schemas.microsoft.com/office/drawing/2014/main" id="{5A3D7863-1014-BE62-33C1-F91041F21041}"/>
+              </a:ext>
+            </a:extLst>
+          </p:cNvPr>
+          <p:cNvSpPr txBox="1"/>
+          <p:nvPr/>
+        </p:nvSpPr>
+        <p:spPr>
+          <a:xfrm>
+            <a:off x="-362175" y="4040859"/>
+            <a:ext cx="1299018" cy="307777"/>
+          </a:xfrm>
+          <a:prstGeom prst="rect">
+            <a:avLst/>
+          </a:prstGeom>
+          <a:noFill/>
+        </p:spPr>
+        <p:txBody>
+          <a:bodyPr wrap="square">
+            <a:spAutoFit/>
+          </a:bodyPr>
+          <a:lstStyle/>
+          <a:p>
+            <a:pPr algn="r">
+              <a:spcAft>
+                <a:spcPts val="330"/>
+              </a:spcAft>
+            </a:pPr>
+            <a:r>
+              <a:rPr lang="en-US" sz="1400" i="1" dirty="0">
+                <a:latin typeface="+mj-lt"/>
+              </a:rPr>
+              <a:t>Compart</a:t>
+            </a:r>
+          </a:p>
+        </p:txBody>
+      </p:sp>
+      <p:sp>
+        <p:nvSpPr>
+          <p:cNvPr id="24" name="TextBox 23">
+            <a:extLst>
+              <a:ext uri="{FF2B5EF4-FFF2-40B4-BE49-F238E27FC236}">
+                <a16:creationId xmlns:a16="http://schemas.microsoft.com/office/drawing/2014/main" id="{47E1B92D-3EA9-BB89-DAE6-5B51C2C305EC}"/>
+              </a:ext>
+            </a:extLst>
+          </p:cNvPr>
+          <p:cNvSpPr txBox="1"/>
+          <p:nvPr/>
+        </p:nvSpPr>
+        <p:spPr>
+          <a:xfrm>
+            <a:off x="-369700" y="4309006"/>
+            <a:ext cx="1299018" cy="307777"/>
+          </a:xfrm>
+          <a:prstGeom prst="rect">
+            <a:avLst/>
+          </a:prstGeom>
+          <a:noFill/>
+        </p:spPr>
+        <p:txBody>
+          <a:bodyPr wrap="square">
+            <a:spAutoFit/>
+          </a:bodyPr>
+          <a:lstStyle/>
+          <a:p>
+            <a:pPr algn="r">
+              <a:spcAft>
+                <a:spcPts val="330"/>
+              </a:spcAft>
+            </a:pPr>
+            <a:r>
+              <a:rPr lang="en-US" sz="1400" i="1" dirty="0" err="1">
+                <a:latin typeface="+mj-lt"/>
+              </a:rPr>
+              <a:t>ClusCoeff</a:t>
+            </a:r>
+            <a:endParaRPr lang="en-US" sz="1400" i="1" dirty="0">
+              <a:latin typeface="+mj-lt"/>
+            </a:endParaRPr>
+          </a:p>
+        </p:txBody>
+      </p:sp>
+      <p:sp>
+        <p:nvSpPr>
+          <p:cNvPr id="25" name="TextBox 24">
+            <a:extLst>
+              <a:ext uri="{FF2B5EF4-FFF2-40B4-BE49-F238E27FC236}">
+                <a16:creationId xmlns:a16="http://schemas.microsoft.com/office/drawing/2014/main" id="{BCF6B88E-11AF-81E4-F671-2C99BA8AB718}"/>
+              </a:ext>
+            </a:extLst>
+          </p:cNvPr>
+          <p:cNvSpPr txBox="1"/>
+          <p:nvPr/>
+        </p:nvSpPr>
+        <p:spPr>
+          <a:xfrm>
+            <a:off x="-362175" y="4591221"/>
+            <a:ext cx="1299018" cy="307777"/>
+          </a:xfrm>
+          <a:prstGeom prst="rect">
+            <a:avLst/>
+          </a:prstGeom>
+          <a:noFill/>
+        </p:spPr>
+        <p:txBody>
+          <a:bodyPr wrap="square">
+            <a:spAutoFit/>
+          </a:bodyPr>
+          <a:lstStyle/>
+          <a:p>
+            <a:pPr algn="r">
+              <a:spcAft>
+                <a:spcPts val="330"/>
+              </a:spcAft>
+            </a:pPr>
+            <a:r>
+              <a:rPr lang="en-US" sz="1400" i="1" dirty="0">
+                <a:latin typeface="+mj-lt"/>
+              </a:rPr>
+              <a:t>Flux</a:t>
+            </a:r>
+          </a:p>
+        </p:txBody>
+      </p:sp>
+      <p:sp>
+        <p:nvSpPr>
+          <p:cNvPr id="27" name="TextBox 26">
+            <a:extLst>
+              <a:ext uri="{FF2B5EF4-FFF2-40B4-BE49-F238E27FC236}">
+                <a16:creationId xmlns:a16="http://schemas.microsoft.com/office/drawing/2014/main" id="{12E2815A-AEE8-D958-5EFC-868F2E1FE44F}"/>
+              </a:ext>
+            </a:extLst>
+          </p:cNvPr>
+          <p:cNvSpPr txBox="1"/>
+          <p:nvPr/>
+        </p:nvSpPr>
+        <p:spPr>
+          <a:xfrm>
+            <a:off x="-367091" y="4910767"/>
+            <a:ext cx="1299018" cy="307777"/>
+          </a:xfrm>
+          <a:prstGeom prst="rect">
+            <a:avLst/>
+          </a:prstGeom>
+          <a:noFill/>
+        </p:spPr>
+        <p:txBody>
+          <a:bodyPr wrap="square">
+            <a:spAutoFit/>
+          </a:bodyPr>
+          <a:lstStyle/>
+          <a:p>
+            <a:pPr algn="r">
+              <a:spcAft>
+                <a:spcPts val="330"/>
+              </a:spcAft>
+            </a:pPr>
+            <a:r>
+              <a:rPr lang="en-US" sz="1400" i="1" dirty="0">
+                <a:latin typeface="+mj-lt"/>
+              </a:rPr>
+              <a:t>Degree</a:t>
+            </a:r>
+          </a:p>
+        </p:txBody>
+      </p:sp>
+      <p:sp>
+        <p:nvSpPr>
+          <p:cNvPr id="28" name="TextBox 27">
+            <a:extLst>
+              <a:ext uri="{FF2B5EF4-FFF2-40B4-BE49-F238E27FC236}">
+                <a16:creationId xmlns:a16="http://schemas.microsoft.com/office/drawing/2014/main" id="{5941FF21-628D-A87E-9B2E-7041709B983D}"/>
+              </a:ext>
+            </a:extLst>
+          </p:cNvPr>
+          <p:cNvSpPr txBox="1"/>
+          <p:nvPr/>
+        </p:nvSpPr>
+        <p:spPr>
+          <a:xfrm>
+            <a:off x="-16208" y="5472229"/>
+            <a:ext cx="946532" cy="307777"/>
+          </a:xfrm>
+          <a:prstGeom prst="rect">
+            <a:avLst/>
+          </a:prstGeom>
+          <a:noFill/>
+        </p:spPr>
+        <p:txBody>
+          <a:bodyPr wrap="square">
+            <a:spAutoFit/>
+          </a:bodyPr>
+          <a:lstStyle/>
+          <a:p>
+            <a:pPr algn="r">
+              <a:spcAft>
+                <a:spcPts val="330"/>
+              </a:spcAft>
+            </a:pPr>
+            <a:r>
+              <a:rPr lang="en-US" sz="1400" i="1" dirty="0">
+                <a:latin typeface="+mj-lt"/>
+              </a:rPr>
+              <a:t>BC</a:t>
+            </a:r>
+          </a:p>
+        </p:txBody>
+      </p:sp>
+      <p:sp>
+        <p:nvSpPr>
+          <p:cNvPr id="29" name="TextBox 28">
+            <a:extLst>
+              <a:ext uri="{FF2B5EF4-FFF2-40B4-BE49-F238E27FC236}">
+                <a16:creationId xmlns:a16="http://schemas.microsoft.com/office/drawing/2014/main" id="{320134EE-C6ED-7C14-819A-5D1C890FBB23}"/>
+              </a:ext>
+            </a:extLst>
+          </p:cNvPr>
+          <p:cNvSpPr txBox="1"/>
+          <p:nvPr/>
+        </p:nvSpPr>
+        <p:spPr>
+          <a:xfrm>
+            <a:off x="-21125" y="5772113"/>
+            <a:ext cx="946532" cy="307777"/>
+          </a:xfrm>
+          <a:prstGeom prst="rect">
+            <a:avLst/>
+          </a:prstGeom>
+          <a:noFill/>
+        </p:spPr>
+        <p:txBody>
+          <a:bodyPr wrap="square">
+            <a:spAutoFit/>
+          </a:bodyPr>
+          <a:lstStyle/>
+          <a:p>
+            <a:pPr algn="r">
+              <a:spcAft>
+                <a:spcPts val="330"/>
+              </a:spcAft>
+            </a:pPr>
+            <a:r>
+              <a:rPr lang="en-US" sz="1400" i="1" dirty="0">
+                <a:latin typeface="+mj-lt"/>
+              </a:rPr>
+              <a:t>Cohesion</a:t>
+            </a:r>
+          </a:p>
+        </p:txBody>
+      </p:sp>
+      <p:sp>
+        <p:nvSpPr>
+          <p:cNvPr id="33" name="TextBox 32">
+            <a:extLst>
+              <a:ext uri="{FF2B5EF4-FFF2-40B4-BE49-F238E27FC236}">
+                <a16:creationId xmlns:a16="http://schemas.microsoft.com/office/drawing/2014/main" id="{C3D793EA-2B45-E589-2C10-126BC45B0DD0}"/>
+              </a:ext>
+            </a:extLst>
+          </p:cNvPr>
+          <p:cNvSpPr txBox="1"/>
+          <p:nvPr/>
+        </p:nvSpPr>
+        <p:spPr>
+          <a:xfrm>
+            <a:off x="-26043" y="6022835"/>
+            <a:ext cx="946532" cy="307777"/>
+          </a:xfrm>
+          <a:prstGeom prst="rect">
+            <a:avLst/>
+          </a:prstGeom>
+          <a:noFill/>
+        </p:spPr>
+        <p:txBody>
+          <a:bodyPr wrap="square">
+            <a:spAutoFit/>
+          </a:bodyPr>
+          <a:lstStyle/>
+          <a:p>
+            <a:pPr algn="r">
+              <a:spcAft>
+                <a:spcPts val="330"/>
+              </a:spcAft>
+            </a:pPr>
+            <a:r>
+              <a:rPr lang="en-US" sz="1400" i="1" dirty="0">
+                <a:latin typeface="+mj-lt"/>
+              </a:rPr>
+              <a:t>Gyration</a:t>
+            </a:r>
+          </a:p>
+        </p:txBody>
+      </p:sp>
+      <p:sp>
+        <p:nvSpPr>
+          <p:cNvPr id="34" name="TextBox 33">
+            <a:extLst>
+              <a:ext uri="{FF2B5EF4-FFF2-40B4-BE49-F238E27FC236}">
+                <a16:creationId xmlns:a16="http://schemas.microsoft.com/office/drawing/2014/main" id="{56B24583-7101-B669-826E-09BF8D0C6925}"/>
+              </a:ext>
+            </a:extLst>
+          </p:cNvPr>
+          <p:cNvSpPr txBox="1"/>
+          <p:nvPr/>
+        </p:nvSpPr>
+        <p:spPr>
+          <a:xfrm>
+            <a:off x="-11295" y="6362049"/>
+            <a:ext cx="946532" cy="307777"/>
+          </a:xfrm>
+          <a:prstGeom prst="rect">
+            <a:avLst/>
+          </a:prstGeom>
+          <a:noFill/>
+        </p:spPr>
+        <p:txBody>
+          <a:bodyPr wrap="square">
+            <a:spAutoFit/>
+          </a:bodyPr>
+          <a:lstStyle/>
+          <a:p>
+            <a:pPr algn="r">
+              <a:spcAft>
+                <a:spcPts val="330"/>
+              </a:spcAft>
+            </a:pPr>
+            <a:r>
+              <a:rPr lang="en-US" sz="1400" i="1" dirty="0" err="1">
+                <a:latin typeface="+mj-lt"/>
+              </a:rPr>
+              <a:t>AWGyrate</a:t>
+            </a:r>
+            <a:endParaRPr lang="en-US" sz="1400" i="1" dirty="0">
+              <a:latin typeface="+mj-lt"/>
+            </a:endParaRPr>
+          </a:p>
+        </p:txBody>
+      </p:sp>
+      <p:sp>
+        <p:nvSpPr>
+          <p:cNvPr id="47" name="TextBox 46">
+            <a:extLst>
+              <a:ext uri="{FF2B5EF4-FFF2-40B4-BE49-F238E27FC236}">
+                <a16:creationId xmlns:a16="http://schemas.microsoft.com/office/drawing/2014/main" id="{884A51D4-F00F-A847-FFC5-52039FE2F9FC}"/>
+              </a:ext>
+            </a:extLst>
+          </p:cNvPr>
+          <p:cNvSpPr txBox="1"/>
+          <p:nvPr/>
+        </p:nvSpPr>
+        <p:spPr>
+          <a:xfrm>
+            <a:off x="-16211" y="6632433"/>
+            <a:ext cx="946532" cy="307777"/>
+          </a:xfrm>
+          <a:prstGeom prst="rect">
+            <a:avLst/>
+          </a:prstGeom>
+          <a:noFill/>
+        </p:spPr>
+        <p:txBody>
+          <a:bodyPr wrap="square">
+            <a:spAutoFit/>
+          </a:bodyPr>
+          <a:lstStyle/>
+          <a:p>
+            <a:pPr algn="r">
+              <a:spcAft>
+                <a:spcPts val="330"/>
+              </a:spcAft>
+            </a:pPr>
+            <a:r>
+              <a:rPr lang="en-US" sz="1400" i="1" dirty="0">
+                <a:latin typeface="+mj-lt"/>
+              </a:rPr>
+              <a:t>AWF</a:t>
+            </a:r>
+          </a:p>
+        </p:txBody>
+      </p:sp>
+      <p:sp>
+        <p:nvSpPr>
+          <p:cNvPr id="48" name="TextBox 47">
+            <a:extLst>
+              <a:ext uri="{FF2B5EF4-FFF2-40B4-BE49-F238E27FC236}">
+                <a16:creationId xmlns:a16="http://schemas.microsoft.com/office/drawing/2014/main" id="{6C7B54AF-EE9F-B7B7-8FE3-00A9AE159B07}"/>
+              </a:ext>
+            </a:extLst>
+          </p:cNvPr>
+          <p:cNvSpPr txBox="1"/>
+          <p:nvPr/>
+        </p:nvSpPr>
+        <p:spPr>
+          <a:xfrm>
+            <a:off x="-11295" y="6922485"/>
+            <a:ext cx="946532" cy="307777"/>
+          </a:xfrm>
+          <a:prstGeom prst="rect">
+            <a:avLst/>
+          </a:prstGeom>
+          <a:noFill/>
+        </p:spPr>
+        <p:txBody>
+          <a:bodyPr wrap="square">
+            <a:spAutoFit/>
+          </a:bodyPr>
+          <a:lstStyle/>
+          <a:p>
+            <a:pPr algn="r">
+              <a:spcAft>
+                <a:spcPts val="330"/>
+              </a:spcAft>
+            </a:pPr>
+            <a:r>
+              <a:rPr lang="en-US" sz="1400" i="1" dirty="0">
+                <a:latin typeface="+mj-lt"/>
+              </a:rPr>
+              <a:t>IIC</a:t>
+            </a:r>
+          </a:p>
+        </p:txBody>
+      </p:sp>
+      <p:sp>
+        <p:nvSpPr>
+          <p:cNvPr id="49" name="TextBox 48">
+            <a:extLst>
+              <a:ext uri="{FF2B5EF4-FFF2-40B4-BE49-F238E27FC236}">
+                <a16:creationId xmlns:a16="http://schemas.microsoft.com/office/drawing/2014/main" id="{FF08C3BB-D878-7E04-2D17-96546B101CD2}"/>
+              </a:ext>
+            </a:extLst>
+          </p:cNvPr>
+          <p:cNvSpPr txBox="1"/>
+          <p:nvPr/>
+        </p:nvSpPr>
+        <p:spPr>
+          <a:xfrm>
+            <a:off x="-16211" y="7212535"/>
+            <a:ext cx="946532" cy="307777"/>
+          </a:xfrm>
+          <a:prstGeom prst="rect">
+            <a:avLst/>
+          </a:prstGeom>
+          <a:noFill/>
+        </p:spPr>
+        <p:txBody>
+          <a:bodyPr wrap="square">
+            <a:spAutoFit/>
+          </a:bodyPr>
+          <a:lstStyle/>
+          <a:p>
+            <a:pPr algn="r">
+              <a:spcAft>
+                <a:spcPts val="330"/>
+              </a:spcAft>
+            </a:pPr>
+            <a:r>
+              <a:rPr lang="en-US" sz="1400" i="1" dirty="0">
+                <a:latin typeface="+mj-lt"/>
+              </a:rPr>
+              <a:t>PC</a:t>
+            </a:r>
+          </a:p>
+        </p:txBody>
+      </p:sp>
+      <p:sp>
+        <p:nvSpPr>
+          <p:cNvPr id="50" name="TextBox 49">
+            <a:extLst>
+              <a:ext uri="{FF2B5EF4-FFF2-40B4-BE49-F238E27FC236}">
+                <a16:creationId xmlns:a16="http://schemas.microsoft.com/office/drawing/2014/main" id="{8B2937DF-C55D-460E-5B17-81661445D2F6}"/>
+              </a:ext>
+            </a:extLst>
+          </p:cNvPr>
+          <p:cNvSpPr txBox="1"/>
+          <p:nvPr/>
+        </p:nvSpPr>
+        <p:spPr>
+          <a:xfrm>
+            <a:off x="-11294" y="7512416"/>
+            <a:ext cx="946532" cy="307777"/>
+          </a:xfrm>
+          <a:prstGeom prst="rect">
+            <a:avLst/>
+          </a:prstGeom>
+          <a:noFill/>
+        </p:spPr>
+        <p:txBody>
+          <a:bodyPr wrap="square">
+            <a:spAutoFit/>
+          </a:bodyPr>
+          <a:lstStyle/>
+          <a:p>
+            <a:pPr algn="r">
+              <a:spcAft>
+                <a:spcPts val="330"/>
+              </a:spcAft>
+            </a:pPr>
+            <a:r>
+              <a:rPr lang="en-US" sz="1400" i="1" dirty="0">
+                <a:latin typeface="+mj-lt"/>
+              </a:rPr>
+              <a:t>ECA</a:t>
+            </a:r>
+          </a:p>
+        </p:txBody>
+      </p:sp>
+      <p:sp>
+        <p:nvSpPr>
+          <p:cNvPr id="51" name="TextBox 50">
+            <a:extLst>
+              <a:ext uri="{FF2B5EF4-FFF2-40B4-BE49-F238E27FC236}">
+                <a16:creationId xmlns:a16="http://schemas.microsoft.com/office/drawing/2014/main" id="{BD1B9D95-7179-E946-394C-1C519EF58810}"/>
+              </a:ext>
+            </a:extLst>
+          </p:cNvPr>
+          <p:cNvSpPr txBox="1"/>
+          <p:nvPr/>
+        </p:nvSpPr>
+        <p:spPr>
+          <a:xfrm>
+            <a:off x="-26043" y="7803585"/>
+            <a:ext cx="946532" cy="307777"/>
+          </a:xfrm>
+          <a:prstGeom prst="rect">
+            <a:avLst/>
+          </a:prstGeom>
+          <a:noFill/>
+        </p:spPr>
+        <p:txBody>
+          <a:bodyPr wrap="square">
+            <a:spAutoFit/>
+          </a:bodyPr>
+          <a:lstStyle/>
+          <a:p>
+            <a:pPr algn="r">
+              <a:spcAft>
+                <a:spcPts val="330"/>
+              </a:spcAft>
+            </a:pPr>
+            <a:r>
+              <a:rPr lang="en-US" sz="1400" i="1" dirty="0" err="1">
+                <a:latin typeface="+mj-lt"/>
+              </a:rPr>
+              <a:t>ProtConn</a:t>
+            </a:r>
+            <a:endParaRPr lang="en-US" sz="1400" i="1" dirty="0">
+              <a:latin typeface="+mj-lt"/>
+            </a:endParaRPr>
+          </a:p>
+        </p:txBody>
+      </p:sp>
+      <p:sp>
+        <p:nvSpPr>
+          <p:cNvPr id="52" name="TextBox 51">
+            <a:extLst>
+              <a:ext uri="{FF2B5EF4-FFF2-40B4-BE49-F238E27FC236}">
+                <a16:creationId xmlns:a16="http://schemas.microsoft.com/office/drawing/2014/main" id="{0738D3BC-75C3-9582-CB6A-741B815A42BC}"/>
+              </a:ext>
+            </a:extLst>
+          </p:cNvPr>
+          <p:cNvSpPr txBox="1"/>
+          <p:nvPr/>
+        </p:nvSpPr>
+        <p:spPr>
+          <a:xfrm>
+            <a:off x="-11296" y="8105702"/>
+            <a:ext cx="946532" cy="307777"/>
+          </a:xfrm>
+          <a:prstGeom prst="rect">
+            <a:avLst/>
+          </a:prstGeom>
+          <a:noFill/>
+        </p:spPr>
+        <p:txBody>
+          <a:bodyPr wrap="square">
+            <a:spAutoFit/>
+          </a:bodyPr>
+          <a:lstStyle/>
+          <a:p>
+            <a:pPr algn="r">
+              <a:spcAft>
+                <a:spcPts val="330"/>
+              </a:spcAft>
+            </a:pPr>
+            <a:r>
+              <a:rPr lang="en-US" sz="1400" i="1" dirty="0" err="1">
+                <a:latin typeface="+mj-lt"/>
+              </a:rPr>
+              <a:t>PctArea</a:t>
+            </a:r>
+            <a:endParaRPr lang="en-US" sz="1400" i="1" dirty="0">
+              <a:latin typeface="+mj-lt"/>
+            </a:endParaRPr>
+          </a:p>
+        </p:txBody>
+      </p:sp>
+    </p:spTree>
+    <p:extLst>
+      <p:ext uri="{BB962C8B-B14F-4D97-AF65-F5344CB8AC3E}">
+        <p14:creationId xmlns:p14="http://schemas.microsoft.com/office/powerpoint/2010/main" val="290668970"/>
+      </p:ext>
+    </p:extLst>
+  </p:cSld>
+  <p:clrMapOvr>
+    <a:masterClrMapping/>
+  </p:clrMapOvr>
+</p:sld>
+</file>
+
+<file path=ppt/slides/slide5.xml><?xml version="1.0" encoding="utf-8"?>
+<p:sld xmlns:a="http://schemas.openxmlformats.org/drawingml/2006/main" xmlns:r="http://schemas.openxmlformats.org/officeDocument/2006/relationships" xmlns:p="http://schemas.openxmlformats.org/presentationml/2006/main">
+  <p:cSld>
+    <p:spTree>
+      <p:nvGrpSpPr>
+        <p:cNvPr id="1" name=""/>
+        <p:cNvGrpSpPr/>
+        <p:nvPr/>
+      </p:nvGrpSpPr>
+      <p:grpSpPr>
+        <a:xfrm>
+          <a:off x="0" y="0"/>
+          <a:ext cx="0" cy="0"/>
+          <a:chOff x="0" y="0"/>
+          <a:chExt cx="0" cy="0"/>
+        </a:xfrm>
+      </p:grpSpPr>
+      <p:pic>
+        <p:nvPicPr>
+          <p:cNvPr id="40" name="Picture 2">
+            <a:extLst>
+              <a:ext uri="{FF2B5EF4-FFF2-40B4-BE49-F238E27FC236}">
+                <a16:creationId xmlns:a16="http://schemas.microsoft.com/office/drawing/2014/main" id="{2EBC9730-2233-A9CB-5747-CB746B169249}"/>
+              </a:ext>
+            </a:extLst>
+          </p:cNvPr>
+          <p:cNvPicPr>
+            <a:picLocks noChangeAspect="1" noChangeArrowheads="1"/>
+          </p:cNvPicPr>
+          <p:nvPr/>
+        </p:nvPicPr>
+        <p:blipFill rotWithShape="1">
+          <a:blip r:embed="rId3">
+            <a:extLst>
+              <a:ext uri="{28A0092B-C50C-407E-A947-70E740481C1C}">
+                <a14:useLocalDpi xmlns:a14="http://schemas.microsoft.com/office/drawing/2010/main" val="0"/>
+              </a:ext>
+            </a:extLst>
+          </a:blip>
+          <a:srcRect r="83393" b="88761"/>
+          <a:stretch/>
+        </p:blipFill>
+        <p:spPr bwMode="auto">
+          <a:xfrm>
+            <a:off x="89461" y="2860534"/>
+            <a:ext cx="839436" cy="685146"/>
+          </a:xfrm>
+          <a:prstGeom prst="rect">
+            <a:avLst/>
+          </a:prstGeom>
+          <a:noFill/>
+          <a:extLst>
+            <a:ext uri="{909E8E84-426E-40DD-AFC4-6F175D3DCCD1}">
+              <a14:hiddenFill xmlns:a14="http://schemas.microsoft.com/office/drawing/2010/main">
+                <a:solidFill>
+                  <a:srgbClr val="FFFFFF"/>
+                </a:solidFill>
+              </a14:hiddenFill>
+            </a:ext>
+          </a:extLst>
+        </p:spPr>
+      </p:pic>
+      <p:pic>
+        <p:nvPicPr>
+          <p:cNvPr id="41" name="Picture 2">
+            <a:extLst>
+              <a:ext uri="{FF2B5EF4-FFF2-40B4-BE49-F238E27FC236}">
+                <a16:creationId xmlns:a16="http://schemas.microsoft.com/office/drawing/2014/main" id="{17959F95-005B-4F33-D55D-A120FE4C0FFB}"/>
+              </a:ext>
+            </a:extLst>
+          </p:cNvPr>
+          <p:cNvPicPr>
+            <a:picLocks noChangeAspect="1" noChangeArrowheads="1"/>
+          </p:cNvPicPr>
+          <p:nvPr/>
+        </p:nvPicPr>
+        <p:blipFill rotWithShape="1">
+          <a:blip r:embed="rId3">
+            <a:extLst>
+              <a:ext uri="{28A0092B-C50C-407E-A947-70E740481C1C}">
+                <a14:useLocalDpi xmlns:a14="http://schemas.microsoft.com/office/drawing/2010/main" val="0"/>
+              </a:ext>
+            </a:extLst>
+          </a:blip>
+          <a:srcRect l="91735" t="10230" r="323" b="10354"/>
+          <a:stretch/>
+        </p:blipFill>
+        <p:spPr bwMode="auto">
+          <a:xfrm>
+            <a:off x="4788815" y="3476239"/>
+            <a:ext cx="401348" cy="4841190"/>
+          </a:xfrm>
+          <a:prstGeom prst="rect">
+            <a:avLst/>
+          </a:prstGeom>
+          <a:noFill/>
+          <a:extLst>
+            <a:ext uri="{909E8E84-426E-40DD-AFC4-6F175D3DCCD1}">
+              <a14:hiddenFill xmlns:a14="http://schemas.microsoft.com/office/drawing/2010/main">
+                <a:solidFill>
+                  <a:srgbClr val="FFFFFF"/>
+                </a:solidFill>
+              </a14:hiddenFill>
+            </a:ext>
+          </a:extLst>
+        </p:spPr>
+      </p:pic>
+      <p:sp>
+        <p:nvSpPr>
+          <p:cNvPr id="42" name="TextBox 41">
+            <a:extLst>
+              <a:ext uri="{FF2B5EF4-FFF2-40B4-BE49-F238E27FC236}">
+                <a16:creationId xmlns:a16="http://schemas.microsoft.com/office/drawing/2014/main" id="{0BD4FCAB-BF06-7F18-DBEB-16D1D0A8A3C6}"/>
+              </a:ext>
+            </a:extLst>
+          </p:cNvPr>
+          <p:cNvSpPr txBox="1"/>
+          <p:nvPr/>
+        </p:nvSpPr>
+        <p:spPr>
+          <a:xfrm>
+            <a:off x="4569723" y="3199241"/>
+            <a:ext cx="532325" cy="276999"/>
+          </a:xfrm>
+          <a:prstGeom prst="rect">
+            <a:avLst/>
+          </a:prstGeom>
+          <a:noFill/>
+        </p:spPr>
+        <p:txBody>
+          <a:bodyPr wrap="none" rtlCol="0">
+            <a:spAutoFit/>
+          </a:bodyPr>
+          <a:lstStyle/>
+          <a:p>
+            <a:r>
+              <a:rPr lang="en-US" sz="1200" b="1" dirty="0">
+                <a:latin typeface="Arial" panose="020B0604020202020204" pitchFamily="34" charset="0"/>
+                <a:cs typeface="Arial" panose="020B0604020202020204" pitchFamily="34" charset="0"/>
+              </a:rPr>
+              <a:t>Type</a:t>
+            </a:r>
+            <a:endParaRPr lang="en-US" sz="1100" b="1" dirty="0">
+              <a:latin typeface="Arial" panose="020B0604020202020204" pitchFamily="34" charset="0"/>
+              <a:cs typeface="Arial" panose="020B0604020202020204" pitchFamily="34" charset="0"/>
+            </a:endParaRPr>
+          </a:p>
+        </p:txBody>
+      </p:sp>
+      <p:pic>
+        <p:nvPicPr>
+          <p:cNvPr id="43" name="Picture 42">
+            <a:extLst>
+              <a:ext uri="{FF2B5EF4-FFF2-40B4-BE49-F238E27FC236}">
+                <a16:creationId xmlns:a16="http://schemas.microsoft.com/office/drawing/2014/main" id="{80B9A0B2-AC57-2DA6-EAD5-09225665EAA3}"/>
+              </a:ext>
+            </a:extLst>
+          </p:cNvPr>
+          <p:cNvPicPr>
+            <a:picLocks noChangeAspect="1" noChangeArrowheads="1"/>
+          </p:cNvPicPr>
+          <p:nvPr/>
+        </p:nvPicPr>
+        <p:blipFill rotWithShape="1">
+          <a:blip r:embed="rId3">
+            <a:extLst>
+              <a:ext uri="{28A0092B-C50C-407E-A947-70E740481C1C}">
+                <a14:useLocalDpi xmlns:a14="http://schemas.microsoft.com/office/drawing/2010/main" val="0"/>
+              </a:ext>
+            </a:extLst>
+          </a:blip>
+          <a:srcRect t="95642"/>
+          <a:stretch/>
+        </p:blipFill>
+        <p:spPr bwMode="auto">
+          <a:xfrm>
+            <a:off x="0" y="8715761"/>
+            <a:ext cx="5054600" cy="265687"/>
+          </a:xfrm>
+          <a:prstGeom prst="rect">
+            <a:avLst/>
+          </a:prstGeom>
+          <a:noFill/>
+          <a:extLst>
+            <a:ext uri="{909E8E84-426E-40DD-AFC4-6F175D3DCCD1}">
+              <a14:hiddenFill xmlns:a14="http://schemas.microsoft.com/office/drawing/2010/main">
+                <a:solidFill>
+                  <a:srgbClr val="FFFFFF"/>
+                </a:solidFill>
+              </a14:hiddenFill>
+            </a:ext>
+          </a:extLst>
+        </p:spPr>
+      </p:pic>
+      <p:pic>
+        <p:nvPicPr>
+          <p:cNvPr id="44" name="Picture 4">
+            <a:extLst>
+              <a:ext uri="{FF2B5EF4-FFF2-40B4-BE49-F238E27FC236}">
+                <a16:creationId xmlns:a16="http://schemas.microsoft.com/office/drawing/2014/main" id="{B38FA3D6-7356-5A1E-F568-3D84770F9CEC}"/>
+              </a:ext>
+            </a:extLst>
+          </p:cNvPr>
+          <p:cNvPicPr>
+            <a:picLocks noChangeAspect="1" noChangeArrowheads="1"/>
+          </p:cNvPicPr>
+          <p:nvPr/>
+        </p:nvPicPr>
+        <p:blipFill rotWithShape="1">
+          <a:blip r:embed="rId3">
+            <a:extLst>
+              <a:ext uri="{28A0092B-C50C-407E-A947-70E740481C1C}">
+                <a14:useLocalDpi xmlns:a14="http://schemas.microsoft.com/office/drawing/2010/main" val="0"/>
+              </a:ext>
+            </a:extLst>
+          </a:blip>
+          <a:srcRect b="95045"/>
+          <a:stretch/>
+        </p:blipFill>
+        <p:spPr bwMode="auto">
+          <a:xfrm>
+            <a:off x="90229" y="2845246"/>
+            <a:ext cx="5054600" cy="302102"/>
+          </a:xfrm>
+          <a:prstGeom prst="rect">
+            <a:avLst/>
+          </a:prstGeom>
+          <a:noFill/>
+          <a:extLst>
+            <a:ext uri="{909E8E84-426E-40DD-AFC4-6F175D3DCCD1}">
+              <a14:hiddenFill xmlns:a14="http://schemas.microsoft.com/office/drawing/2010/main">
+                <a:solidFill>
+                  <a:srgbClr val="FFFFFF"/>
+                </a:solidFill>
+              </a14:hiddenFill>
+            </a:ext>
+          </a:extLst>
+        </p:spPr>
+      </p:pic>
+      <p:pic>
+        <p:nvPicPr>
+          <p:cNvPr id="2" name="Picture 1" descr="A picture containing shape&#10;&#10;Description automatically generated">
+            <a:extLst>
+              <a:ext uri="{FF2B5EF4-FFF2-40B4-BE49-F238E27FC236}">
+                <a16:creationId xmlns:a16="http://schemas.microsoft.com/office/drawing/2014/main" id="{D9281F7C-0811-C24E-925A-E504AB190CAA}"/>
+              </a:ext>
+            </a:extLst>
+          </p:cNvPr>
+          <p:cNvPicPr>
+            <a:picLocks noChangeAspect="1"/>
+          </p:cNvPicPr>
+          <p:nvPr/>
+        </p:nvPicPr>
+        <p:blipFill rotWithShape="1">
+          <a:blip r:embed="rId4"/>
+          <a:srcRect l="29659" t="93555" b="2715"/>
+          <a:stretch/>
+        </p:blipFill>
+        <p:spPr>
+          <a:xfrm>
+            <a:off x="930949" y="8417675"/>
+            <a:ext cx="1285576" cy="204513"/>
+          </a:xfrm>
+          <a:prstGeom prst="rect">
+            <a:avLst/>
+          </a:prstGeom>
+        </p:spPr>
+      </p:pic>
+      <p:pic>
+        <p:nvPicPr>
+          <p:cNvPr id="4" name="Picture 3" descr="A picture containing shape&#10;&#10;Description automatically generated">
+            <a:extLst>
+              <a:ext uri="{FF2B5EF4-FFF2-40B4-BE49-F238E27FC236}">
+                <a16:creationId xmlns:a16="http://schemas.microsoft.com/office/drawing/2014/main" id="{AD10E45B-4B73-C641-22D1-8227B329D40A}"/>
+              </a:ext>
+            </a:extLst>
+          </p:cNvPr>
+          <p:cNvPicPr>
+            <a:picLocks noChangeAspect="1"/>
+          </p:cNvPicPr>
+          <p:nvPr/>
+        </p:nvPicPr>
+        <p:blipFill rotWithShape="1">
+          <a:blip r:embed="rId4"/>
+          <a:srcRect l="29659" t="93555" b="2715"/>
+          <a:stretch/>
+        </p:blipFill>
+        <p:spPr>
+          <a:xfrm>
+            <a:off x="2147651" y="8421331"/>
+            <a:ext cx="1285576" cy="204513"/>
+          </a:xfrm>
+          <a:prstGeom prst="rect">
+            <a:avLst/>
+          </a:prstGeom>
+        </p:spPr>
+      </p:pic>
+      <p:pic>
+        <p:nvPicPr>
+          <p:cNvPr id="5" name="Picture 4" descr="A picture containing shape&#10;&#10;Description automatically generated">
+            <a:extLst>
+              <a:ext uri="{FF2B5EF4-FFF2-40B4-BE49-F238E27FC236}">
+                <a16:creationId xmlns:a16="http://schemas.microsoft.com/office/drawing/2014/main" id="{17D352E8-0168-8143-F858-863630AF0C67}"/>
+              </a:ext>
+            </a:extLst>
+          </p:cNvPr>
+          <p:cNvPicPr>
+            <a:picLocks noChangeAspect="1"/>
+          </p:cNvPicPr>
+          <p:nvPr/>
+        </p:nvPicPr>
+        <p:blipFill rotWithShape="1">
+          <a:blip r:embed="rId4"/>
+          <a:srcRect l="29659" t="93555" b="2715"/>
+          <a:stretch/>
+        </p:blipFill>
+        <p:spPr>
+          <a:xfrm>
+            <a:off x="3391898" y="8422051"/>
+            <a:ext cx="1285576" cy="204513"/>
+          </a:xfrm>
+          <a:prstGeom prst="rect">
+            <a:avLst/>
+          </a:prstGeom>
+        </p:spPr>
+      </p:pic>
+      <p:sp>
+        <p:nvSpPr>
+          <p:cNvPr id="7" name="TextBox 6">
+            <a:extLst>
+              <a:ext uri="{FF2B5EF4-FFF2-40B4-BE49-F238E27FC236}">
+                <a16:creationId xmlns:a16="http://schemas.microsoft.com/office/drawing/2014/main" id="{AA4AA6FB-6167-786D-6475-D236CBBF9A6A}"/>
+              </a:ext>
+            </a:extLst>
+          </p:cNvPr>
+          <p:cNvSpPr txBox="1"/>
+          <p:nvPr/>
+        </p:nvSpPr>
+        <p:spPr>
+          <a:xfrm>
+            <a:off x="928897" y="166255"/>
+            <a:ext cx="4702976" cy="369332"/>
+          </a:xfrm>
+          <a:prstGeom prst="rect">
+            <a:avLst/>
+          </a:prstGeom>
+          <a:noFill/>
+        </p:spPr>
+        <p:txBody>
+          <a:bodyPr wrap="square" rtlCol="0">
+            <a:spAutoFit/>
+          </a:bodyPr>
+          <a:lstStyle/>
+          <a:p>
+            <a:r>
+              <a:rPr lang="en-US" dirty="0"/>
+              <a:t>Version: 11/06/2023</a:t>
+            </a:r>
+          </a:p>
+        </p:txBody>
+      </p:sp>
+      <p:pic>
+        <p:nvPicPr>
+          <p:cNvPr id="38" name="Picture 37" descr="A screen shot of a graph&#10;&#10;Description automatically generated">
+            <a:extLst>
+              <a:ext uri="{FF2B5EF4-FFF2-40B4-BE49-F238E27FC236}">
+                <a16:creationId xmlns:a16="http://schemas.microsoft.com/office/drawing/2014/main" id="{7199AF58-9674-96BD-580D-62F7DE48A2F5}"/>
+              </a:ext>
+            </a:extLst>
+          </p:cNvPr>
+          <p:cNvPicPr>
+            <a:picLocks noChangeAspect="1"/>
+          </p:cNvPicPr>
+          <p:nvPr/>
+        </p:nvPicPr>
+        <p:blipFill rotWithShape="1">
+          <a:blip r:embed="rId5"/>
+          <a:srcRect l="28969" t="61783" r="62330" b="34525"/>
+          <a:stretch/>
+        </p:blipFill>
+        <p:spPr>
+          <a:xfrm>
+            <a:off x="3371178" y="6569044"/>
+            <a:ext cx="159119" cy="202562"/>
+          </a:xfrm>
+          <a:prstGeom prst="rect">
+            <a:avLst/>
+          </a:prstGeom>
+        </p:spPr>
+      </p:pic>
+      <p:pic>
+        <p:nvPicPr>
+          <p:cNvPr id="39" name="Picture 38" descr="A screen shot of a graph&#10;&#10;Description automatically generated">
+            <a:extLst>
+              <a:ext uri="{FF2B5EF4-FFF2-40B4-BE49-F238E27FC236}">
+                <a16:creationId xmlns:a16="http://schemas.microsoft.com/office/drawing/2014/main" id="{0643A0D6-C4DD-429E-7A9E-84C63D519B65}"/>
+              </a:ext>
+            </a:extLst>
+          </p:cNvPr>
+          <p:cNvPicPr>
+            <a:picLocks noChangeAspect="1"/>
+          </p:cNvPicPr>
+          <p:nvPr/>
+        </p:nvPicPr>
+        <p:blipFill rotWithShape="1">
+          <a:blip r:embed="rId5"/>
+          <a:srcRect l="28969" t="61783" r="62330" b="34525"/>
+          <a:stretch/>
+        </p:blipFill>
+        <p:spPr>
+          <a:xfrm>
+            <a:off x="3724964" y="6547077"/>
+            <a:ext cx="159119" cy="202562"/>
+          </a:xfrm>
+          <a:prstGeom prst="rect">
+            <a:avLst/>
+          </a:prstGeom>
+        </p:spPr>
+      </p:pic>
+      <p:pic>
+        <p:nvPicPr>
+          <p:cNvPr id="45" name="Picture 44" descr="A screen shot of a graph&#10;&#10;Description automatically generated">
+            <a:extLst>
+              <a:ext uri="{FF2B5EF4-FFF2-40B4-BE49-F238E27FC236}">
+                <a16:creationId xmlns:a16="http://schemas.microsoft.com/office/drawing/2014/main" id="{DABAFBF6-7173-996F-7924-A922AFEE7E9B}"/>
+              </a:ext>
+            </a:extLst>
+          </p:cNvPr>
+          <p:cNvPicPr>
+            <a:picLocks/>
+          </p:cNvPicPr>
+          <p:nvPr/>
+        </p:nvPicPr>
+        <p:blipFill rotWithShape="1">
+          <a:blip r:embed="rId5"/>
+          <a:srcRect l="28969" t="61783" r="62330" b="34525"/>
+          <a:stretch/>
+        </p:blipFill>
+        <p:spPr>
+          <a:xfrm>
+            <a:off x="4078750" y="6547077"/>
+            <a:ext cx="155448" cy="182880"/>
+          </a:xfrm>
+          <a:prstGeom prst="rect">
+            <a:avLst/>
+          </a:prstGeom>
+        </p:spPr>
+      </p:pic>
+      <p:pic>
+        <p:nvPicPr>
+          <p:cNvPr id="46" name="Picture 45" descr="A screen shot of a graph&#10;&#10;Description automatically generated">
+            <a:extLst>
+              <a:ext uri="{FF2B5EF4-FFF2-40B4-BE49-F238E27FC236}">
+                <a16:creationId xmlns:a16="http://schemas.microsoft.com/office/drawing/2014/main" id="{BB4AFCF6-7410-E27D-BC0D-EC79A89146C4}"/>
+              </a:ext>
+            </a:extLst>
+          </p:cNvPr>
+          <p:cNvPicPr>
+            <a:picLocks noChangeAspect="1"/>
+          </p:cNvPicPr>
+          <p:nvPr/>
+        </p:nvPicPr>
+        <p:blipFill rotWithShape="1">
+          <a:blip r:embed="rId5"/>
+          <a:srcRect l="28969" t="61783" r="62330" b="34525"/>
+          <a:stretch/>
+        </p:blipFill>
+        <p:spPr>
+          <a:xfrm>
+            <a:off x="4427093" y="6515479"/>
+            <a:ext cx="159119" cy="202562"/>
+          </a:xfrm>
+          <a:prstGeom prst="rect">
+            <a:avLst/>
+          </a:prstGeom>
+        </p:spPr>
+      </p:pic>
+      <p:sp>
+        <p:nvSpPr>
+          <p:cNvPr id="8" name="TextBox 7">
+            <a:extLst>
+              <a:ext uri="{FF2B5EF4-FFF2-40B4-BE49-F238E27FC236}">
+                <a16:creationId xmlns:a16="http://schemas.microsoft.com/office/drawing/2014/main" id="{06A55DA0-6379-45B3-D799-F79FC7CF3DDA}"/>
+              </a:ext>
+            </a:extLst>
+          </p:cNvPr>
+          <p:cNvSpPr txBox="1"/>
+          <p:nvPr/>
+        </p:nvSpPr>
+        <p:spPr>
+          <a:xfrm>
+            <a:off x="-253782" y="3452325"/>
+            <a:ext cx="1191262" cy="307777"/>
+          </a:xfrm>
+          <a:prstGeom prst="rect">
+            <a:avLst/>
+          </a:prstGeom>
+          <a:noFill/>
+        </p:spPr>
+        <p:txBody>
+          <a:bodyPr wrap="square" rtlCol="0">
+            <a:spAutoFit/>
+          </a:bodyPr>
+          <a:lstStyle/>
+          <a:p>
+            <a:pPr algn="r">
+              <a:spcAft>
+                <a:spcPts val="330"/>
+              </a:spcAft>
+            </a:pPr>
+            <a:r>
+              <a:rPr lang="en-US" sz="1400" i="1" dirty="0" err="1">
+                <a:latin typeface="+mj-lt"/>
+              </a:rPr>
+              <a:t>Prox</a:t>
+            </a:r>
+            <a:endParaRPr lang="en-US" sz="1400" i="1" dirty="0">
+              <a:latin typeface="+mj-lt"/>
+            </a:endParaRPr>
+          </a:p>
+        </p:txBody>
+      </p:sp>
+      <p:sp>
+        <p:nvSpPr>
+          <p:cNvPr id="11" name="TextBox 10">
+            <a:extLst>
+              <a:ext uri="{FF2B5EF4-FFF2-40B4-BE49-F238E27FC236}">
+                <a16:creationId xmlns:a16="http://schemas.microsoft.com/office/drawing/2014/main" id="{082726F5-0ABD-B1B6-AE9B-1F7988FA16B1}"/>
+              </a:ext>
+            </a:extLst>
+          </p:cNvPr>
+          <p:cNvSpPr txBox="1"/>
+          <p:nvPr/>
+        </p:nvSpPr>
+        <p:spPr>
+          <a:xfrm>
+            <a:off x="-203272" y="3730482"/>
+            <a:ext cx="1150731" cy="307777"/>
+          </a:xfrm>
+          <a:prstGeom prst="rect">
+            <a:avLst/>
+          </a:prstGeom>
+          <a:noFill/>
+        </p:spPr>
+        <p:txBody>
+          <a:bodyPr wrap="square">
+            <a:spAutoFit/>
+          </a:bodyPr>
+          <a:lstStyle/>
+          <a:p>
+            <a:pPr algn="r">
+              <a:spcAft>
+                <a:spcPts val="330"/>
+              </a:spcAft>
+            </a:pPr>
+            <a:r>
+              <a:rPr lang="en-US" sz="1400" i="1" dirty="0" err="1">
+                <a:latin typeface="+mj-lt"/>
+              </a:rPr>
+              <a:t>Dist</a:t>
+            </a:r>
+            <a:endParaRPr lang="en-US" sz="1400" i="1" dirty="0">
+              <a:latin typeface="+mj-lt"/>
+            </a:endParaRPr>
+          </a:p>
+        </p:txBody>
+      </p:sp>
+      <p:sp>
+        <p:nvSpPr>
+          <p:cNvPr id="16" name="TextBox 15">
+            <a:extLst>
+              <a:ext uri="{FF2B5EF4-FFF2-40B4-BE49-F238E27FC236}">
+                <a16:creationId xmlns:a16="http://schemas.microsoft.com/office/drawing/2014/main" id="{5B7717D9-E220-628B-ED03-881901BF8E68}"/>
+              </a:ext>
+            </a:extLst>
+          </p:cNvPr>
+          <p:cNvSpPr txBox="1"/>
+          <p:nvPr/>
+        </p:nvSpPr>
+        <p:spPr>
+          <a:xfrm>
+            <a:off x="-21125" y="5201845"/>
+            <a:ext cx="946532" cy="307777"/>
+          </a:xfrm>
+          <a:prstGeom prst="rect">
+            <a:avLst/>
+          </a:prstGeom>
+          <a:noFill/>
+        </p:spPr>
+        <p:txBody>
+          <a:bodyPr wrap="square">
+            <a:spAutoFit/>
+          </a:bodyPr>
+          <a:lstStyle/>
+          <a:p>
+            <a:pPr algn="r">
+              <a:spcAft>
+                <a:spcPts val="330"/>
+              </a:spcAft>
+            </a:pPr>
+            <a:r>
+              <a:rPr lang="en-US" sz="1400" i="1" dirty="0">
+                <a:latin typeface="+mj-lt"/>
+              </a:rPr>
+              <a:t>BA</a:t>
+            </a:r>
+          </a:p>
+        </p:txBody>
+      </p:sp>
+      <p:sp>
+        <p:nvSpPr>
+          <p:cNvPr id="23" name="TextBox 22">
+            <a:extLst>
+              <a:ext uri="{FF2B5EF4-FFF2-40B4-BE49-F238E27FC236}">
+                <a16:creationId xmlns:a16="http://schemas.microsoft.com/office/drawing/2014/main" id="{5A3D7863-1014-BE62-33C1-F91041F21041}"/>
+              </a:ext>
+            </a:extLst>
+          </p:cNvPr>
+          <p:cNvSpPr txBox="1"/>
+          <p:nvPr/>
+        </p:nvSpPr>
+        <p:spPr>
+          <a:xfrm>
+            <a:off x="-362175" y="4040859"/>
+            <a:ext cx="1299018" cy="307777"/>
+          </a:xfrm>
+          <a:prstGeom prst="rect">
+            <a:avLst/>
+          </a:prstGeom>
+          <a:noFill/>
+        </p:spPr>
+        <p:txBody>
+          <a:bodyPr wrap="square">
+            <a:spAutoFit/>
+          </a:bodyPr>
+          <a:lstStyle/>
+          <a:p>
+            <a:pPr algn="r">
+              <a:spcAft>
+                <a:spcPts val="330"/>
+              </a:spcAft>
+            </a:pPr>
+            <a:r>
+              <a:rPr lang="en-US" sz="1400" i="1" dirty="0">
+                <a:latin typeface="+mj-lt"/>
+              </a:rPr>
+              <a:t>Compart</a:t>
+            </a:r>
+          </a:p>
+        </p:txBody>
+      </p:sp>
+      <p:sp>
+        <p:nvSpPr>
+          <p:cNvPr id="24" name="TextBox 23">
+            <a:extLst>
+              <a:ext uri="{FF2B5EF4-FFF2-40B4-BE49-F238E27FC236}">
+                <a16:creationId xmlns:a16="http://schemas.microsoft.com/office/drawing/2014/main" id="{47E1B92D-3EA9-BB89-DAE6-5B51C2C305EC}"/>
+              </a:ext>
+            </a:extLst>
+          </p:cNvPr>
+          <p:cNvSpPr txBox="1"/>
+          <p:nvPr/>
+        </p:nvSpPr>
+        <p:spPr>
+          <a:xfrm>
+            <a:off x="-369700" y="4309006"/>
+            <a:ext cx="1299018" cy="307777"/>
+          </a:xfrm>
+          <a:prstGeom prst="rect">
+            <a:avLst/>
+          </a:prstGeom>
+          <a:noFill/>
+        </p:spPr>
+        <p:txBody>
+          <a:bodyPr wrap="square">
+            <a:spAutoFit/>
+          </a:bodyPr>
+          <a:lstStyle/>
+          <a:p>
+            <a:pPr algn="r">
+              <a:spcAft>
+                <a:spcPts val="330"/>
+              </a:spcAft>
+            </a:pPr>
+            <a:r>
+              <a:rPr lang="en-US" sz="1400" i="1" dirty="0" err="1">
+                <a:latin typeface="+mj-lt"/>
+              </a:rPr>
+              <a:t>ClusCoeff</a:t>
+            </a:r>
+            <a:endParaRPr lang="en-US" sz="1400" i="1" dirty="0">
+              <a:latin typeface="+mj-lt"/>
+            </a:endParaRPr>
+          </a:p>
+        </p:txBody>
+      </p:sp>
+      <p:sp>
+        <p:nvSpPr>
+          <p:cNvPr id="25" name="TextBox 24">
+            <a:extLst>
+              <a:ext uri="{FF2B5EF4-FFF2-40B4-BE49-F238E27FC236}">
+                <a16:creationId xmlns:a16="http://schemas.microsoft.com/office/drawing/2014/main" id="{BCF6B88E-11AF-81E4-F671-2C99BA8AB718}"/>
+              </a:ext>
+            </a:extLst>
+          </p:cNvPr>
+          <p:cNvSpPr txBox="1"/>
+          <p:nvPr/>
+        </p:nvSpPr>
+        <p:spPr>
+          <a:xfrm>
+            <a:off x="-362175" y="4591221"/>
+            <a:ext cx="1299018" cy="307777"/>
+          </a:xfrm>
+          <a:prstGeom prst="rect">
+            <a:avLst/>
+          </a:prstGeom>
+          <a:noFill/>
+        </p:spPr>
+        <p:txBody>
+          <a:bodyPr wrap="square">
+            <a:spAutoFit/>
+          </a:bodyPr>
+          <a:lstStyle/>
+          <a:p>
+            <a:pPr algn="r">
+              <a:spcAft>
+                <a:spcPts val="330"/>
+              </a:spcAft>
+            </a:pPr>
+            <a:r>
+              <a:rPr lang="en-US" sz="1400" i="1" dirty="0">
+                <a:latin typeface="+mj-lt"/>
+              </a:rPr>
+              <a:t>Flux</a:t>
+            </a:r>
+          </a:p>
+        </p:txBody>
+      </p:sp>
+      <p:sp>
+        <p:nvSpPr>
+          <p:cNvPr id="27" name="TextBox 26">
+            <a:extLst>
+              <a:ext uri="{FF2B5EF4-FFF2-40B4-BE49-F238E27FC236}">
+                <a16:creationId xmlns:a16="http://schemas.microsoft.com/office/drawing/2014/main" id="{12E2815A-AEE8-D958-5EFC-868F2E1FE44F}"/>
+              </a:ext>
+            </a:extLst>
+          </p:cNvPr>
+          <p:cNvSpPr txBox="1"/>
+          <p:nvPr/>
+        </p:nvSpPr>
+        <p:spPr>
+          <a:xfrm>
+            <a:off x="-367091" y="4910767"/>
+            <a:ext cx="1299018" cy="307777"/>
+          </a:xfrm>
+          <a:prstGeom prst="rect">
+            <a:avLst/>
+          </a:prstGeom>
+          <a:noFill/>
+        </p:spPr>
+        <p:txBody>
+          <a:bodyPr wrap="square">
+            <a:spAutoFit/>
+          </a:bodyPr>
+          <a:lstStyle/>
+          <a:p>
+            <a:pPr algn="r">
+              <a:spcAft>
+                <a:spcPts val="330"/>
+              </a:spcAft>
+            </a:pPr>
+            <a:r>
+              <a:rPr lang="en-US" sz="1400" i="1" dirty="0">
+                <a:latin typeface="+mj-lt"/>
+              </a:rPr>
+              <a:t>Degree</a:t>
+            </a:r>
+          </a:p>
+        </p:txBody>
+      </p:sp>
+      <p:sp>
+        <p:nvSpPr>
+          <p:cNvPr id="28" name="TextBox 27">
+            <a:extLst>
+              <a:ext uri="{FF2B5EF4-FFF2-40B4-BE49-F238E27FC236}">
+                <a16:creationId xmlns:a16="http://schemas.microsoft.com/office/drawing/2014/main" id="{5941FF21-628D-A87E-9B2E-7041709B983D}"/>
+              </a:ext>
+            </a:extLst>
+          </p:cNvPr>
+          <p:cNvSpPr txBox="1"/>
+          <p:nvPr/>
+        </p:nvSpPr>
+        <p:spPr>
+          <a:xfrm>
+            <a:off x="-16208" y="5472229"/>
+            <a:ext cx="946532" cy="307777"/>
+          </a:xfrm>
+          <a:prstGeom prst="rect">
+            <a:avLst/>
+          </a:prstGeom>
+          <a:noFill/>
+        </p:spPr>
+        <p:txBody>
+          <a:bodyPr wrap="square">
+            <a:spAutoFit/>
+          </a:bodyPr>
+          <a:lstStyle/>
+          <a:p>
+            <a:pPr algn="r">
+              <a:spcAft>
+                <a:spcPts val="330"/>
+              </a:spcAft>
+            </a:pPr>
+            <a:r>
+              <a:rPr lang="en-US" sz="1400" i="1" dirty="0">
+                <a:latin typeface="+mj-lt"/>
+              </a:rPr>
+              <a:t>BC</a:t>
+            </a:r>
+          </a:p>
+        </p:txBody>
+      </p:sp>
+      <p:sp>
+        <p:nvSpPr>
+          <p:cNvPr id="29" name="TextBox 28">
+            <a:extLst>
+              <a:ext uri="{FF2B5EF4-FFF2-40B4-BE49-F238E27FC236}">
+                <a16:creationId xmlns:a16="http://schemas.microsoft.com/office/drawing/2014/main" id="{320134EE-C6ED-7C14-819A-5D1C890FBB23}"/>
+              </a:ext>
+            </a:extLst>
+          </p:cNvPr>
+          <p:cNvSpPr txBox="1"/>
+          <p:nvPr/>
+        </p:nvSpPr>
+        <p:spPr>
+          <a:xfrm>
+            <a:off x="-21125" y="5772113"/>
+            <a:ext cx="946532" cy="307777"/>
+          </a:xfrm>
+          <a:prstGeom prst="rect">
+            <a:avLst/>
+          </a:prstGeom>
+          <a:noFill/>
+        </p:spPr>
+        <p:txBody>
+          <a:bodyPr wrap="square">
+            <a:spAutoFit/>
+          </a:bodyPr>
+          <a:lstStyle/>
+          <a:p>
+            <a:pPr algn="r">
+              <a:spcAft>
+                <a:spcPts val="330"/>
+              </a:spcAft>
+            </a:pPr>
+            <a:r>
+              <a:rPr lang="en-US" sz="1400" i="1" dirty="0">
+                <a:latin typeface="+mj-lt"/>
+              </a:rPr>
+              <a:t>Cohesion</a:t>
+            </a:r>
+          </a:p>
+        </p:txBody>
+      </p:sp>
+      <p:sp>
+        <p:nvSpPr>
+          <p:cNvPr id="33" name="TextBox 32">
+            <a:extLst>
+              <a:ext uri="{FF2B5EF4-FFF2-40B4-BE49-F238E27FC236}">
+                <a16:creationId xmlns:a16="http://schemas.microsoft.com/office/drawing/2014/main" id="{C3D793EA-2B45-E589-2C10-126BC45B0DD0}"/>
+              </a:ext>
+            </a:extLst>
+          </p:cNvPr>
+          <p:cNvSpPr txBox="1"/>
+          <p:nvPr/>
+        </p:nvSpPr>
+        <p:spPr>
+          <a:xfrm>
+            <a:off x="-26043" y="6022835"/>
+            <a:ext cx="946532" cy="307777"/>
+          </a:xfrm>
+          <a:prstGeom prst="rect">
+            <a:avLst/>
+          </a:prstGeom>
+          <a:noFill/>
+        </p:spPr>
+        <p:txBody>
+          <a:bodyPr wrap="square">
+            <a:spAutoFit/>
+          </a:bodyPr>
+          <a:lstStyle/>
+          <a:p>
+            <a:pPr algn="r">
+              <a:spcAft>
+                <a:spcPts val="330"/>
+              </a:spcAft>
+            </a:pPr>
+            <a:r>
+              <a:rPr lang="en-US" sz="1400" i="1" dirty="0">
+                <a:latin typeface="+mj-lt"/>
+              </a:rPr>
+              <a:t>Gyration</a:t>
+            </a:r>
+          </a:p>
+        </p:txBody>
+      </p:sp>
+      <p:sp>
+        <p:nvSpPr>
+          <p:cNvPr id="34" name="TextBox 33">
+            <a:extLst>
+              <a:ext uri="{FF2B5EF4-FFF2-40B4-BE49-F238E27FC236}">
+                <a16:creationId xmlns:a16="http://schemas.microsoft.com/office/drawing/2014/main" id="{56B24583-7101-B669-826E-09BF8D0C6925}"/>
+              </a:ext>
+            </a:extLst>
+          </p:cNvPr>
+          <p:cNvSpPr txBox="1"/>
+          <p:nvPr/>
+        </p:nvSpPr>
+        <p:spPr>
+          <a:xfrm>
+            <a:off x="-11295" y="6362049"/>
+            <a:ext cx="946532" cy="307777"/>
+          </a:xfrm>
+          <a:prstGeom prst="rect">
+            <a:avLst/>
+          </a:prstGeom>
+          <a:noFill/>
+        </p:spPr>
+        <p:txBody>
+          <a:bodyPr wrap="square">
+            <a:spAutoFit/>
+          </a:bodyPr>
+          <a:lstStyle/>
+          <a:p>
+            <a:pPr algn="r">
+              <a:spcAft>
+                <a:spcPts val="330"/>
+              </a:spcAft>
+            </a:pPr>
+            <a:r>
+              <a:rPr lang="en-US" sz="1400" i="1" dirty="0" err="1">
+                <a:latin typeface="+mj-lt"/>
+              </a:rPr>
+              <a:t>AWGyrate</a:t>
+            </a:r>
+            <a:endParaRPr lang="en-US" sz="1400" i="1" dirty="0">
+              <a:latin typeface="+mj-lt"/>
+            </a:endParaRPr>
+          </a:p>
+        </p:txBody>
+      </p:sp>
+      <p:sp>
+        <p:nvSpPr>
+          <p:cNvPr id="47" name="TextBox 46">
+            <a:extLst>
+              <a:ext uri="{FF2B5EF4-FFF2-40B4-BE49-F238E27FC236}">
+                <a16:creationId xmlns:a16="http://schemas.microsoft.com/office/drawing/2014/main" id="{884A51D4-F00F-A847-FFC5-52039FE2F9FC}"/>
+              </a:ext>
+            </a:extLst>
+          </p:cNvPr>
+          <p:cNvSpPr txBox="1"/>
+          <p:nvPr/>
+        </p:nvSpPr>
+        <p:spPr>
+          <a:xfrm>
+            <a:off x="-16211" y="6632433"/>
+            <a:ext cx="946532" cy="307777"/>
+          </a:xfrm>
+          <a:prstGeom prst="rect">
+            <a:avLst/>
+          </a:prstGeom>
+          <a:noFill/>
+        </p:spPr>
+        <p:txBody>
+          <a:bodyPr wrap="square">
+            <a:spAutoFit/>
+          </a:bodyPr>
+          <a:lstStyle/>
+          <a:p>
+            <a:pPr algn="r">
+              <a:spcAft>
+                <a:spcPts val="330"/>
+              </a:spcAft>
+            </a:pPr>
+            <a:r>
+              <a:rPr lang="en-US" sz="1400" i="1" dirty="0">
+                <a:latin typeface="+mj-lt"/>
+              </a:rPr>
+              <a:t>AWF</a:t>
+            </a:r>
+          </a:p>
+        </p:txBody>
+      </p:sp>
+      <p:sp>
+        <p:nvSpPr>
+          <p:cNvPr id="48" name="TextBox 47">
+            <a:extLst>
+              <a:ext uri="{FF2B5EF4-FFF2-40B4-BE49-F238E27FC236}">
+                <a16:creationId xmlns:a16="http://schemas.microsoft.com/office/drawing/2014/main" id="{6C7B54AF-EE9F-B7B7-8FE3-00A9AE159B07}"/>
+              </a:ext>
+            </a:extLst>
+          </p:cNvPr>
+          <p:cNvSpPr txBox="1"/>
+          <p:nvPr/>
+        </p:nvSpPr>
+        <p:spPr>
+          <a:xfrm>
+            <a:off x="-11295" y="6922485"/>
+            <a:ext cx="946532" cy="307777"/>
+          </a:xfrm>
+          <a:prstGeom prst="rect">
+            <a:avLst/>
+          </a:prstGeom>
+          <a:noFill/>
+        </p:spPr>
+        <p:txBody>
+          <a:bodyPr wrap="square">
+            <a:spAutoFit/>
+          </a:bodyPr>
+          <a:lstStyle/>
+          <a:p>
+            <a:pPr algn="r">
+              <a:spcAft>
+                <a:spcPts val="330"/>
+              </a:spcAft>
+            </a:pPr>
+            <a:r>
+              <a:rPr lang="en-US" sz="1400" i="1" dirty="0">
+                <a:latin typeface="+mj-lt"/>
+              </a:rPr>
+              <a:t>IIC</a:t>
+            </a:r>
+          </a:p>
+        </p:txBody>
+      </p:sp>
+      <p:sp>
+        <p:nvSpPr>
+          <p:cNvPr id="49" name="TextBox 48">
+            <a:extLst>
+              <a:ext uri="{FF2B5EF4-FFF2-40B4-BE49-F238E27FC236}">
+                <a16:creationId xmlns:a16="http://schemas.microsoft.com/office/drawing/2014/main" id="{FF08C3BB-D878-7E04-2D17-96546B101CD2}"/>
+              </a:ext>
+            </a:extLst>
+          </p:cNvPr>
+          <p:cNvSpPr txBox="1"/>
+          <p:nvPr/>
+        </p:nvSpPr>
+        <p:spPr>
+          <a:xfrm>
+            <a:off x="-16211" y="7212535"/>
+            <a:ext cx="946532" cy="307777"/>
+          </a:xfrm>
+          <a:prstGeom prst="rect">
+            <a:avLst/>
+          </a:prstGeom>
+          <a:noFill/>
+        </p:spPr>
+        <p:txBody>
+          <a:bodyPr wrap="square">
+            <a:spAutoFit/>
+          </a:bodyPr>
+          <a:lstStyle/>
+          <a:p>
+            <a:pPr algn="r">
+              <a:spcAft>
+                <a:spcPts val="330"/>
+              </a:spcAft>
+            </a:pPr>
+            <a:r>
+              <a:rPr lang="en-US" sz="1400" i="1" dirty="0">
+                <a:latin typeface="+mj-lt"/>
+              </a:rPr>
+              <a:t>PC</a:t>
+            </a:r>
+          </a:p>
+        </p:txBody>
+      </p:sp>
+      <p:sp>
+        <p:nvSpPr>
+          <p:cNvPr id="50" name="TextBox 49">
+            <a:extLst>
+              <a:ext uri="{FF2B5EF4-FFF2-40B4-BE49-F238E27FC236}">
+                <a16:creationId xmlns:a16="http://schemas.microsoft.com/office/drawing/2014/main" id="{8B2937DF-C55D-460E-5B17-81661445D2F6}"/>
+              </a:ext>
+            </a:extLst>
+          </p:cNvPr>
+          <p:cNvSpPr txBox="1"/>
+          <p:nvPr/>
+        </p:nvSpPr>
+        <p:spPr>
+          <a:xfrm>
+            <a:off x="-11294" y="7512416"/>
+            <a:ext cx="946532" cy="307777"/>
+          </a:xfrm>
+          <a:prstGeom prst="rect">
+            <a:avLst/>
+          </a:prstGeom>
+          <a:noFill/>
+        </p:spPr>
+        <p:txBody>
+          <a:bodyPr wrap="square">
+            <a:spAutoFit/>
+          </a:bodyPr>
+          <a:lstStyle/>
+          <a:p>
+            <a:pPr algn="r">
+              <a:spcAft>
+                <a:spcPts val="330"/>
+              </a:spcAft>
+            </a:pPr>
+            <a:r>
+              <a:rPr lang="en-US" sz="1400" i="1" dirty="0">
+                <a:latin typeface="+mj-lt"/>
+              </a:rPr>
+              <a:t>ECA</a:t>
+            </a:r>
+          </a:p>
+        </p:txBody>
+      </p:sp>
+      <p:sp>
+        <p:nvSpPr>
+          <p:cNvPr id="51" name="TextBox 50">
+            <a:extLst>
+              <a:ext uri="{FF2B5EF4-FFF2-40B4-BE49-F238E27FC236}">
+                <a16:creationId xmlns:a16="http://schemas.microsoft.com/office/drawing/2014/main" id="{BD1B9D95-7179-E946-394C-1C519EF58810}"/>
+              </a:ext>
+            </a:extLst>
+          </p:cNvPr>
+          <p:cNvSpPr txBox="1"/>
+          <p:nvPr/>
+        </p:nvSpPr>
+        <p:spPr>
+          <a:xfrm>
+            <a:off x="-26043" y="7803585"/>
+            <a:ext cx="946532" cy="307777"/>
+          </a:xfrm>
+          <a:prstGeom prst="rect">
+            <a:avLst/>
+          </a:prstGeom>
+          <a:noFill/>
+        </p:spPr>
+        <p:txBody>
+          <a:bodyPr wrap="square">
+            <a:spAutoFit/>
+          </a:bodyPr>
+          <a:lstStyle/>
+          <a:p>
+            <a:pPr algn="r">
+              <a:spcAft>
+                <a:spcPts val="330"/>
+              </a:spcAft>
+            </a:pPr>
+            <a:r>
+              <a:rPr lang="en-US" sz="1400" i="1" dirty="0" err="1">
+                <a:latin typeface="+mj-lt"/>
+              </a:rPr>
+              <a:t>ProtConn</a:t>
+            </a:r>
+            <a:endParaRPr lang="en-US" sz="1400" i="1" dirty="0">
+              <a:latin typeface="+mj-lt"/>
+            </a:endParaRPr>
+          </a:p>
+        </p:txBody>
+      </p:sp>
+      <p:sp>
+        <p:nvSpPr>
+          <p:cNvPr id="52" name="TextBox 51">
+            <a:extLst>
+              <a:ext uri="{FF2B5EF4-FFF2-40B4-BE49-F238E27FC236}">
+                <a16:creationId xmlns:a16="http://schemas.microsoft.com/office/drawing/2014/main" id="{0738D3BC-75C3-9582-CB6A-741B815A42BC}"/>
+              </a:ext>
+            </a:extLst>
+          </p:cNvPr>
+          <p:cNvSpPr txBox="1"/>
+          <p:nvPr/>
+        </p:nvSpPr>
+        <p:spPr>
+          <a:xfrm>
+            <a:off x="-11296" y="8105702"/>
+            <a:ext cx="946532" cy="307777"/>
+          </a:xfrm>
+          <a:prstGeom prst="rect">
+            <a:avLst/>
+          </a:prstGeom>
+          <a:noFill/>
+        </p:spPr>
+        <p:txBody>
+          <a:bodyPr wrap="square">
+            <a:spAutoFit/>
+          </a:bodyPr>
+          <a:lstStyle/>
+          <a:p>
+            <a:pPr algn="r">
+              <a:spcAft>
+                <a:spcPts val="330"/>
+              </a:spcAft>
+            </a:pPr>
+            <a:r>
+              <a:rPr lang="en-US" sz="1400" i="1" dirty="0" err="1">
+                <a:latin typeface="+mj-lt"/>
+              </a:rPr>
+              <a:t>PctArea</a:t>
+            </a:r>
+            <a:endParaRPr lang="en-US" sz="1400" i="1" dirty="0">
+              <a:latin typeface="+mj-lt"/>
+            </a:endParaRPr>
+          </a:p>
+        </p:txBody>
+      </p:sp>
+      <p:pic>
+        <p:nvPicPr>
+          <p:cNvPr id="12" name="Picture 11" descr="A screen shot of a graph&#10;&#10;Description automatically generated">
+            <a:extLst>
+              <a:ext uri="{FF2B5EF4-FFF2-40B4-BE49-F238E27FC236}">
+                <a16:creationId xmlns:a16="http://schemas.microsoft.com/office/drawing/2014/main" id="{70E1926D-E03B-2FCF-9CD9-A86C9820E8EC}"/>
+              </a:ext>
+            </a:extLst>
+          </p:cNvPr>
+          <p:cNvPicPr>
+            <a:picLocks noChangeAspect="1"/>
+          </p:cNvPicPr>
+          <p:nvPr/>
+        </p:nvPicPr>
+        <p:blipFill rotWithShape="1">
+          <a:blip r:embed="rId6"/>
+          <a:srcRect l="29385" t="-1" b="66138"/>
+          <a:stretch/>
+        </p:blipFill>
+        <p:spPr>
+          <a:xfrm>
+            <a:off x="921286" y="3248528"/>
+            <a:ext cx="1291407" cy="1857858"/>
+          </a:xfrm>
+          <a:prstGeom prst="rect">
+            <a:avLst/>
+          </a:prstGeom>
+        </p:spPr>
+      </p:pic>
+      <p:pic>
+        <p:nvPicPr>
+          <p:cNvPr id="15" name="Picture 14" descr="A screen shot of a graph&#10;&#10;Description automatically generated">
+            <a:extLst>
+              <a:ext uri="{FF2B5EF4-FFF2-40B4-BE49-F238E27FC236}">
+                <a16:creationId xmlns:a16="http://schemas.microsoft.com/office/drawing/2014/main" id="{8EA0FE53-12EF-910B-B1FE-BB127A5550FE}"/>
+              </a:ext>
+            </a:extLst>
+          </p:cNvPr>
+          <p:cNvPicPr>
+            <a:picLocks noChangeAspect="1"/>
+          </p:cNvPicPr>
+          <p:nvPr/>
+        </p:nvPicPr>
+        <p:blipFill rotWithShape="1">
+          <a:blip r:embed="rId6"/>
+          <a:srcRect l="29385" t="33459" b="28898"/>
+          <a:stretch/>
+        </p:blipFill>
+        <p:spPr>
+          <a:xfrm>
+            <a:off x="921631" y="5149582"/>
+            <a:ext cx="1291407" cy="2065225"/>
+          </a:xfrm>
+          <a:prstGeom prst="rect">
+            <a:avLst/>
+          </a:prstGeom>
+        </p:spPr>
+      </p:pic>
+      <p:pic>
+        <p:nvPicPr>
+          <p:cNvPr id="17" name="Picture 16" descr="A screen shot of a graph&#10;&#10;Description automatically generated">
+            <a:extLst>
+              <a:ext uri="{FF2B5EF4-FFF2-40B4-BE49-F238E27FC236}">
+                <a16:creationId xmlns:a16="http://schemas.microsoft.com/office/drawing/2014/main" id="{EBC47C29-5623-F59D-7EC1-2385172DDC0B}"/>
+              </a:ext>
+            </a:extLst>
+          </p:cNvPr>
+          <p:cNvPicPr>
+            <a:picLocks noChangeAspect="1"/>
+          </p:cNvPicPr>
+          <p:nvPr/>
+        </p:nvPicPr>
+        <p:blipFill rotWithShape="1">
+          <a:blip r:embed="rId6"/>
+          <a:srcRect l="29385" t="70749" b="4899"/>
+          <a:stretch/>
+        </p:blipFill>
+        <p:spPr>
+          <a:xfrm>
+            <a:off x="924768" y="7231221"/>
+            <a:ext cx="1291407" cy="1336012"/>
+          </a:xfrm>
+          <a:prstGeom prst="rect">
+            <a:avLst/>
+          </a:prstGeom>
+        </p:spPr>
+      </p:pic>
+      <p:pic>
+        <p:nvPicPr>
+          <p:cNvPr id="53" name="Picture 52" descr="A graph on a screen&#10;&#10;Description automatically generated">
+            <a:extLst>
+              <a:ext uri="{FF2B5EF4-FFF2-40B4-BE49-F238E27FC236}">
+                <a16:creationId xmlns:a16="http://schemas.microsoft.com/office/drawing/2014/main" id="{30A39333-6299-1CBF-A260-C25690AFE40C}"/>
+              </a:ext>
+            </a:extLst>
+          </p:cNvPr>
+          <p:cNvPicPr>
+            <a:picLocks noChangeAspect="1"/>
+          </p:cNvPicPr>
+          <p:nvPr/>
+        </p:nvPicPr>
+        <p:blipFill rotWithShape="1">
+          <a:blip r:embed="rId7"/>
+          <a:srcRect l="29704" b="72977"/>
+          <a:stretch/>
+        </p:blipFill>
+        <p:spPr>
+          <a:xfrm>
+            <a:off x="2153467" y="3339626"/>
+            <a:ext cx="1285576" cy="1482546"/>
+          </a:xfrm>
+          <a:prstGeom prst="rect">
+            <a:avLst/>
+          </a:prstGeom>
+        </p:spPr>
+      </p:pic>
+      <p:pic>
+        <p:nvPicPr>
+          <p:cNvPr id="55" name="Picture 54" descr="A graph on a screen&#10;&#10;Description automatically generated">
+            <a:extLst>
+              <a:ext uri="{FF2B5EF4-FFF2-40B4-BE49-F238E27FC236}">
+                <a16:creationId xmlns:a16="http://schemas.microsoft.com/office/drawing/2014/main" id="{201E2AEA-5712-219E-07DD-62377D23A236}"/>
+              </a:ext>
+            </a:extLst>
+          </p:cNvPr>
+          <p:cNvPicPr>
+            <a:picLocks noChangeAspect="1"/>
+          </p:cNvPicPr>
+          <p:nvPr/>
+        </p:nvPicPr>
+        <p:blipFill rotWithShape="1">
+          <a:blip r:embed="rId7"/>
+          <a:srcRect l="29704" t="26921" b="61971"/>
+          <a:stretch/>
+        </p:blipFill>
+        <p:spPr>
+          <a:xfrm>
+            <a:off x="2147301" y="4856938"/>
+            <a:ext cx="1285576" cy="609372"/>
+          </a:xfrm>
+          <a:prstGeom prst="rect">
+            <a:avLst/>
+          </a:prstGeom>
+        </p:spPr>
+      </p:pic>
+      <p:pic>
+        <p:nvPicPr>
+          <p:cNvPr id="57" name="Picture 56" descr="A graph on a screen&#10;&#10;Description automatically generated">
+            <a:extLst>
+              <a:ext uri="{FF2B5EF4-FFF2-40B4-BE49-F238E27FC236}">
+                <a16:creationId xmlns:a16="http://schemas.microsoft.com/office/drawing/2014/main" id="{961E815D-6CE3-ADC1-BBE5-3D91FADA9C70}"/>
+              </a:ext>
+            </a:extLst>
+          </p:cNvPr>
+          <p:cNvPicPr>
+            <a:picLocks noChangeAspect="1"/>
+          </p:cNvPicPr>
+          <p:nvPr/>
+        </p:nvPicPr>
+        <p:blipFill rotWithShape="1">
+          <a:blip r:embed="rId7"/>
+          <a:srcRect l="29704" t="37815" b="5546"/>
+          <a:stretch/>
+        </p:blipFill>
+        <p:spPr>
+          <a:xfrm>
+            <a:off x="2147651" y="5440843"/>
+            <a:ext cx="1285576" cy="3107441"/>
+          </a:xfrm>
+          <a:prstGeom prst="rect">
+            <a:avLst/>
+          </a:prstGeom>
+        </p:spPr>
+      </p:pic>
+      <p:pic>
+        <p:nvPicPr>
+          <p:cNvPr id="61" name="Picture 60" descr="A screen shot of a graph&#10;&#10;Description automatically generated">
+            <a:extLst>
+              <a:ext uri="{FF2B5EF4-FFF2-40B4-BE49-F238E27FC236}">
+                <a16:creationId xmlns:a16="http://schemas.microsoft.com/office/drawing/2014/main" id="{23B6CA8B-D8AE-992A-0094-7BCCD00D9E70}"/>
+              </a:ext>
+            </a:extLst>
+          </p:cNvPr>
+          <p:cNvPicPr>
+            <a:picLocks noChangeAspect="1"/>
+          </p:cNvPicPr>
+          <p:nvPr/>
+        </p:nvPicPr>
+        <p:blipFill rotWithShape="1">
+          <a:blip r:embed="rId8"/>
+          <a:srcRect l="29385" b="84488"/>
+          <a:stretch/>
+        </p:blipFill>
+        <p:spPr>
+          <a:xfrm>
+            <a:off x="3382219" y="3070466"/>
+            <a:ext cx="1291408" cy="851044"/>
+          </a:xfrm>
+          <a:prstGeom prst="rect">
+            <a:avLst/>
+          </a:prstGeom>
+        </p:spPr>
+      </p:pic>
+      <p:pic>
+        <p:nvPicPr>
+          <p:cNvPr id="63" name="Picture 62" descr="A screen shot of a graph&#10;&#10;Description automatically generated">
+            <a:extLst>
+              <a:ext uri="{FF2B5EF4-FFF2-40B4-BE49-F238E27FC236}">
+                <a16:creationId xmlns:a16="http://schemas.microsoft.com/office/drawing/2014/main" id="{62C32D87-47FD-CBB7-455C-2A8DFE952CA7}"/>
+              </a:ext>
+            </a:extLst>
+          </p:cNvPr>
+          <p:cNvPicPr>
+            <a:picLocks noChangeAspect="1"/>
+          </p:cNvPicPr>
+          <p:nvPr/>
+        </p:nvPicPr>
+        <p:blipFill rotWithShape="1">
+          <a:blip r:embed="rId8"/>
+          <a:srcRect l="29385" t="15355" b="69133"/>
+          <a:stretch/>
+        </p:blipFill>
+        <p:spPr>
+          <a:xfrm>
+            <a:off x="3380814" y="3933031"/>
+            <a:ext cx="1291408" cy="851045"/>
+          </a:xfrm>
+          <a:prstGeom prst="rect">
+            <a:avLst/>
+          </a:prstGeom>
+        </p:spPr>
+      </p:pic>
+      <p:pic>
+        <p:nvPicPr>
+          <p:cNvPr id="65" name="Picture 64" descr="A screen shot of a graph&#10;&#10;Description automatically generated">
+            <a:extLst>
+              <a:ext uri="{FF2B5EF4-FFF2-40B4-BE49-F238E27FC236}">
+                <a16:creationId xmlns:a16="http://schemas.microsoft.com/office/drawing/2014/main" id="{F3842DD4-A272-4FFA-72C0-7C64247C2062}"/>
+              </a:ext>
+            </a:extLst>
+          </p:cNvPr>
+          <p:cNvPicPr>
+            <a:picLocks noChangeAspect="1"/>
+          </p:cNvPicPr>
+          <p:nvPr/>
+        </p:nvPicPr>
+        <p:blipFill rotWithShape="1">
+          <a:blip r:embed="rId8"/>
+          <a:srcRect l="29385" t="30708" b="38536"/>
+          <a:stretch/>
+        </p:blipFill>
+        <p:spPr>
+          <a:xfrm>
+            <a:off x="3380814" y="4872107"/>
+            <a:ext cx="1291408" cy="1687384"/>
+          </a:xfrm>
+          <a:prstGeom prst="rect">
+            <a:avLst/>
+          </a:prstGeom>
+        </p:spPr>
+      </p:pic>
+      <p:pic>
+        <p:nvPicPr>
+          <p:cNvPr id="67" name="Picture 66" descr="A screen shot of a graph&#10;&#10;Description automatically generated">
+            <a:extLst>
+              <a:ext uri="{FF2B5EF4-FFF2-40B4-BE49-F238E27FC236}">
+                <a16:creationId xmlns:a16="http://schemas.microsoft.com/office/drawing/2014/main" id="{B0A7D05F-F88B-43E4-F6EE-2414E608C570}"/>
+              </a:ext>
+            </a:extLst>
+          </p:cNvPr>
+          <p:cNvPicPr>
+            <a:picLocks noChangeAspect="1"/>
+          </p:cNvPicPr>
+          <p:nvPr/>
+        </p:nvPicPr>
+        <p:blipFill rotWithShape="1">
+          <a:blip r:embed="rId8"/>
+          <a:srcRect l="29385" t="61516" b="23018"/>
+          <a:stretch/>
+        </p:blipFill>
+        <p:spPr>
+          <a:xfrm>
+            <a:off x="3379758" y="6686815"/>
+            <a:ext cx="1291408" cy="848488"/>
+          </a:xfrm>
+          <a:prstGeom prst="rect">
+            <a:avLst/>
+          </a:prstGeom>
+        </p:spPr>
+      </p:pic>
+      <p:pic>
+        <p:nvPicPr>
+          <p:cNvPr id="68" name="Picture 67" descr="A screen shot of a graph&#10;&#10;Description automatically generated">
+            <a:extLst>
+              <a:ext uri="{FF2B5EF4-FFF2-40B4-BE49-F238E27FC236}">
+                <a16:creationId xmlns:a16="http://schemas.microsoft.com/office/drawing/2014/main" id="{40996327-CED0-72B7-FCBD-EDACD8B0DB36}"/>
+              </a:ext>
+            </a:extLst>
+          </p:cNvPr>
+          <p:cNvPicPr>
+            <a:picLocks noChangeAspect="1"/>
+          </p:cNvPicPr>
+          <p:nvPr/>
+        </p:nvPicPr>
+        <p:blipFill rotWithShape="1">
+          <a:blip r:embed="rId8"/>
+          <a:srcRect l="29385" t="76515" b="4847"/>
+          <a:stretch/>
+        </p:blipFill>
+        <p:spPr>
+          <a:xfrm>
+            <a:off x="3384296" y="7531297"/>
+            <a:ext cx="1291408" cy="1022529"/>
+          </a:xfrm>
+          <a:prstGeom prst="rect">
+            <a:avLst/>
+          </a:prstGeom>
+        </p:spPr>
+      </p:pic>
+    </p:spTree>
+    <p:extLst>
+      <p:ext uri="{BB962C8B-B14F-4D97-AF65-F5344CB8AC3E}">
+        <p14:creationId xmlns:p14="http://schemas.microsoft.com/office/powerpoint/2010/main" val="1993464394"/>
+      </p:ext>
+    </p:extLst>
+  </p:cSld>
+  <p:clrMapOvr>
+    <a:masterClrMapping/>
+  </p:clrMapOvr>
+</p:sld>
+</file>
+
+<file path=ppt/slides/slide6.xml><?xml version="1.0" encoding="utf-8"?>
+<p:sld xmlns:a="http://schemas.openxmlformats.org/drawingml/2006/main" xmlns:r="http://schemas.openxmlformats.org/officeDocument/2006/relationships" xmlns:p="http://schemas.openxmlformats.org/presentationml/2006/main">
+  <p:cSld>
+    <p:spTree>
+      <p:nvGrpSpPr>
+        <p:cNvPr id="1" name=""/>
+        <p:cNvGrpSpPr/>
+        <p:nvPr/>
+      </p:nvGrpSpPr>
+      <p:grpSpPr>
+        <a:xfrm>
+          <a:off x="0" y="0"/>
+          <a:ext cx="0" cy="0"/>
+          <a:chOff x="0" y="0"/>
+          <a:chExt cx="0" cy="0"/>
+        </a:xfrm>
+      </p:grpSpPr>
+      <p:pic>
+        <p:nvPicPr>
+          <p:cNvPr id="1026" name="Picture 2">
+            <a:extLst>
+              <a:ext uri="{FF2B5EF4-FFF2-40B4-BE49-F238E27FC236}">
+                <a16:creationId xmlns:a16="http://schemas.microsoft.com/office/drawing/2014/main" id="{B6035E56-6F85-14B8-F7EA-FD5E29F5A999}"/>
+              </a:ext>
+            </a:extLst>
+          </p:cNvPr>
+          <p:cNvPicPr>
+            <a:picLocks noChangeAspect="1" noChangeArrowheads="1"/>
+          </p:cNvPicPr>
+          <p:nvPr/>
+        </p:nvPicPr>
         <p:blipFill>
-          <a:blip r:embed="rId2"/>
+          <a:blip r:embed="rId3">
+            <a:extLst>
+              <a:ext uri="{28A0092B-C50C-407E-A947-70E740481C1C}">
+                <a14:useLocalDpi xmlns:a14="http://schemas.microsoft.com/office/drawing/2010/main" val="0"/>
+              </a:ext>
+            </a:extLst>
+          </a:blip>
+          <a:srcRect/>
+          <a:stretch>
+            <a:fillRect/>
+          </a:stretch>
+        </p:blipFill>
+        <p:spPr bwMode="auto">
+          <a:xfrm>
+            <a:off x="646881" y="2856680"/>
+            <a:ext cx="5308600" cy="6223000"/>
+          </a:xfrm>
+          <a:prstGeom prst="rect">
+            <a:avLst/>
+          </a:prstGeom>
+          <a:noFill/>
+          <a:extLst>
+            <a:ext uri="{909E8E84-426E-40DD-AFC4-6F175D3DCCD1}">
+              <a14:hiddenFill xmlns:a14="http://schemas.microsoft.com/office/drawing/2010/main">
+                <a:solidFill>
+                  <a:srgbClr val="FFFFFF"/>
+                </a:solidFill>
+              </a14:hiddenFill>
+            </a:ext>
+          </a:extLst>
+        </p:spPr>
+      </p:pic>
+    </p:spTree>
+    <p:extLst>
+      <p:ext uri="{BB962C8B-B14F-4D97-AF65-F5344CB8AC3E}">
+        <p14:creationId xmlns:p14="http://schemas.microsoft.com/office/powerpoint/2010/main" val="2285394839"/>
+      </p:ext>
+    </p:extLst>
+  </p:cSld>
+  <p:clrMapOvr>
+    <a:masterClrMapping/>
+  </p:clrMapOvr>
+</p:sld>
+</file>
+
+<file path=ppt/slides/slide7.xml><?xml version="1.0" encoding="utf-8"?>
+<p:sld xmlns:a="http://schemas.openxmlformats.org/drawingml/2006/main" xmlns:r="http://schemas.openxmlformats.org/officeDocument/2006/relationships" xmlns:p="http://schemas.openxmlformats.org/presentationml/2006/main">
+  <p:cSld>
+    <p:spTree>
+      <p:nvGrpSpPr>
+        <p:cNvPr id="1" name=""/>
+        <p:cNvGrpSpPr/>
+        <p:nvPr/>
+      </p:nvGrpSpPr>
+      <p:grpSpPr>
+        <a:xfrm>
+          <a:off x="0" y="0"/>
+          <a:ext cx="0" cy="0"/>
+          <a:chOff x="0" y="0"/>
+          <a:chExt cx="0" cy="0"/>
+        </a:xfrm>
+      </p:grpSpPr>
+      <p:pic>
+        <p:nvPicPr>
+          <p:cNvPr id="6" name="Picture 5" descr="A graph of different colored lines&#10;&#10;Description automatically generated">
+            <a:extLst>
+              <a:ext uri="{FF2B5EF4-FFF2-40B4-BE49-F238E27FC236}">
+                <a16:creationId xmlns:a16="http://schemas.microsoft.com/office/drawing/2014/main" id="{3BF6D372-74ED-3E19-1D6B-DAA74B39E41E}"/>
+              </a:ext>
+            </a:extLst>
+          </p:cNvPr>
+          <p:cNvPicPr>
+            <a:picLocks noChangeAspect="1"/>
+          </p:cNvPicPr>
+          <p:nvPr/>
+        </p:nvPicPr>
+        <p:blipFill>
+          <a:blip r:embed="rId3"/>
           <a:stretch>
             <a:fillRect/>
           </a:stretch>
